--- a/training/core_java/core_java.pptx
+++ b/training/core_java/core_java.pptx
@@ -37,8 +37,16 @@
     <p:sldId id="289" r:id="rId31"/>
     <p:sldId id="292" r:id="rId32"/>
     <p:sldId id="294" r:id="rId33"/>
-    <p:sldId id="293" r:id="rId34"/>
-    <p:sldId id="261" r:id="rId35"/>
+    <p:sldId id="295" r:id="rId34"/>
+    <p:sldId id="296" r:id="rId35"/>
+    <p:sldId id="297" r:id="rId36"/>
+    <p:sldId id="298" r:id="rId37"/>
+    <p:sldId id="299" r:id="rId38"/>
+    <p:sldId id="300" r:id="rId39"/>
+    <p:sldId id="301" r:id="rId40"/>
+    <p:sldId id="302" r:id="rId41"/>
+    <p:sldId id="293" r:id="rId42"/>
+    <p:sldId id="261" r:id="rId43"/>
   </p:sldIdLst>
   <p:sldSz cx="12192000" cy="6858000"/>
   <p:notesSz cx="6858000" cy="9144000"/>
@@ -321,7 +329,7 @@
           <a:p>
             <a:fld id="{96DFF08F-DC6B-4601-B491-B0F83F6DD2DA}" type="datetimeFigureOut">
               <a:rPr lang="en-US" dirty="0"/>
-              <a:t>8/28/2015</a:t>
+              <a:t>8/31/2015</a:t>
             </a:fld>
             <a:endParaRPr lang="en-US" dirty="0"/>
           </a:p>
@@ -486,7 +494,7 @@
           <a:p>
             <a:fld id="{96DFF08F-DC6B-4601-B491-B0F83F6DD2DA}" type="datetimeFigureOut">
               <a:rPr lang="en-US" dirty="0"/>
-              <a:t>8/28/2015</a:t>
+              <a:t>8/31/2015</a:t>
             </a:fld>
             <a:endParaRPr lang="en-US" dirty="0"/>
           </a:p>
@@ -704,7 +712,7 @@
           <a:p>
             <a:fld id="{96DFF08F-DC6B-4601-B491-B0F83F6DD2DA}" type="datetimeFigureOut">
               <a:rPr lang="en-US" dirty="0"/>
-              <a:t>8/28/2015</a:t>
+              <a:t>8/31/2015</a:t>
             </a:fld>
             <a:endParaRPr lang="en-US" dirty="0"/>
           </a:p>
@@ -879,7 +887,7 @@
           <a:p>
             <a:fld id="{96DFF08F-DC6B-4601-B491-B0F83F6DD2DA}" type="datetimeFigureOut">
               <a:rPr lang="en-US" dirty="0"/>
-              <a:t>8/28/2015</a:t>
+              <a:t>8/31/2015</a:t>
             </a:fld>
             <a:endParaRPr lang="en-US" dirty="0"/>
           </a:p>
@@ -1181,7 +1189,7 @@
             <a:fld id="{96DFF08F-DC6B-4601-B491-B0F83F6DD2DA}" type="datetimeFigureOut">
               <a:rPr lang="en-US" dirty="0"/>
               <a:pPr/>
-              <a:t>8/28/2015</a:t>
+              <a:t>8/31/2015</a:t>
             </a:fld>
             <a:endParaRPr lang="en-US" dirty="0"/>
           </a:p>
@@ -1481,7 +1489,7 @@
           <a:p>
             <a:fld id="{96DFF08F-DC6B-4601-B491-B0F83F6DD2DA}" type="datetimeFigureOut">
               <a:rPr lang="en-US" dirty="0"/>
-              <a:t>8/28/2015</a:t>
+              <a:t>8/31/2015</a:t>
             </a:fld>
             <a:endParaRPr lang="en-US" dirty="0"/>
           </a:p>
@@ -1898,7 +1906,7 @@
           <a:p>
             <a:fld id="{96DFF08F-DC6B-4601-B491-B0F83F6DD2DA}" type="datetimeFigureOut">
               <a:rPr lang="en-US" dirty="0"/>
-              <a:t>8/28/2015</a:t>
+              <a:t>8/31/2015</a:t>
             </a:fld>
             <a:endParaRPr lang="en-US" dirty="0"/>
           </a:p>
@@ -2011,7 +2019,7 @@
           <a:p>
             <a:fld id="{96DFF08F-DC6B-4601-B491-B0F83F6DD2DA}" type="datetimeFigureOut">
               <a:rPr lang="en-US" dirty="0"/>
-              <a:t>8/28/2015</a:t>
+              <a:t>8/31/2015</a:t>
             </a:fld>
             <a:endParaRPr lang="en-US" dirty="0"/>
           </a:p>
@@ -2101,7 +2109,7 @@
           <a:p>
             <a:fld id="{96DFF08F-DC6B-4601-B491-B0F83F6DD2DA}" type="datetimeFigureOut">
               <a:rPr lang="en-US" dirty="0"/>
-              <a:t>8/28/2015</a:t>
+              <a:t>8/31/2015</a:t>
             </a:fld>
             <a:endParaRPr lang="en-US" dirty="0"/>
           </a:p>
@@ -2369,7 +2377,7 @@
           <a:p>
             <a:fld id="{96DFF08F-DC6B-4601-B491-B0F83F6DD2DA}" type="datetimeFigureOut">
               <a:rPr lang="en-US" dirty="0"/>
-              <a:t>8/28/2015</a:t>
+              <a:t>8/31/2015</a:t>
             </a:fld>
             <a:endParaRPr lang="en-US" dirty="0"/>
           </a:p>
@@ -2629,7 +2637,7 @@
           <a:p>
             <a:fld id="{96DFF08F-DC6B-4601-B491-B0F83F6DD2DA}" type="datetimeFigureOut">
               <a:rPr lang="en-US" dirty="0"/>
-              <a:t>8/28/2015</a:t>
+              <a:t>8/31/2015</a:t>
             </a:fld>
             <a:endParaRPr lang="en-US" dirty="0"/>
           </a:p>
@@ -2874,7 +2882,7 @@
             <a:fld id="{96DFF08F-DC6B-4601-B491-B0F83F6DD2DA}" type="datetimeFigureOut">
               <a:rPr lang="en-US" dirty="0"/>
               <a:pPr/>
-              <a:t>8/28/2015</a:t>
+              <a:t>8/31/2015</a:t>
             </a:fld>
             <a:endParaRPr lang="en-US" dirty="0"/>
           </a:p>
@@ -4502,7 +4510,6 @@
               <a:rPr lang="en-US" sz="2400" dirty="0" smtClean="0"/>
               <a:t>LAB5: Execute the “ArrayDemo”.java for array demonstration</a:t>
             </a:r>
-            <a:endParaRPr lang="en-US" sz="2400" dirty="0" smtClean="0"/>
           </a:p>
           <a:p>
             <a:endParaRPr lang="en-US" dirty="0"/>
@@ -5607,11 +5614,7 @@
           <a:p>
             <a:r>
               <a:rPr lang="en-US" dirty="0" smtClean="0"/>
-              <a:t>Language basics </a:t>
-            </a:r>
-            <a:r>
-              <a:rPr lang="en-US" dirty="0" smtClean="0"/>
-              <a:t>– data types</a:t>
+              <a:t>Language basics – data types</a:t>
             </a:r>
             <a:endParaRPr lang="en-US" dirty="0"/>
           </a:p>
@@ -5882,11 +5885,7 @@
           <a:p>
             <a:r>
               <a:rPr lang="en-US" dirty="0" smtClean="0"/>
-              <a:t>Language basics </a:t>
-            </a:r>
-            <a:r>
-              <a:rPr lang="en-US" dirty="0" smtClean="0"/>
-              <a:t>– data types</a:t>
+              <a:t>Language basics – data types</a:t>
             </a:r>
             <a:endParaRPr lang="en-US" dirty="0"/>
           </a:p>
@@ -6055,11 +6054,7 @@
           <a:p>
             <a:r>
               <a:rPr lang="en-US" dirty="0" smtClean="0"/>
-              <a:t>Language basics - </a:t>
-            </a:r>
-            <a:r>
-              <a:rPr lang="en-US" dirty="0" smtClean="0"/>
-              <a:t>literals</a:t>
+              <a:t>Language basics - literals</a:t>
             </a:r>
             <a:endParaRPr lang="en-US" dirty="0"/>
           </a:p>
@@ -6298,11 +6293,7 @@
           <a:p>
             <a:r>
               <a:rPr lang="en-US" dirty="0" smtClean="0"/>
-              <a:t>Language basics - </a:t>
-            </a:r>
-            <a:r>
-              <a:rPr lang="en-US" dirty="0" smtClean="0"/>
-              <a:t>literals</a:t>
+              <a:t>Language basics - literals</a:t>
             </a:r>
             <a:endParaRPr lang="en-US" dirty="0"/>
           </a:p>
@@ -6471,11 +6462,7 @@
           <a:p>
             <a:r>
               <a:rPr lang="en-US" dirty="0" smtClean="0"/>
-              <a:t>Language basics - </a:t>
-            </a:r>
-            <a:r>
-              <a:rPr lang="en-US" dirty="0" smtClean="0"/>
-              <a:t>Arrays</a:t>
+              <a:t>Language basics - Arrays</a:t>
             </a:r>
             <a:endParaRPr lang="en-US" dirty="0"/>
           </a:p>
@@ -6659,11 +6646,7 @@
           <a:p>
             <a:r>
               <a:rPr lang="en-US" dirty="0" smtClean="0"/>
-              <a:t>Language basics - </a:t>
-            </a:r>
-            <a:r>
-              <a:rPr lang="en-US" dirty="0" smtClean="0"/>
-              <a:t>Arrays</a:t>
+              <a:t>Language basics - Arrays</a:t>
             </a:r>
             <a:endParaRPr lang="en-US" dirty="0"/>
           </a:p>
@@ -8827,6 +8810,2354 @@
           <a:p>
             <a:r>
               <a:rPr lang="en-US" dirty="0" smtClean="0"/>
+              <a:t>Language basics- </a:t>
+            </a:r>
+            <a:r>
+              <a:rPr lang="en-US" dirty="0" smtClean="0"/>
+              <a:t>expressions, statements, blocks</a:t>
+            </a:r>
+            <a:endParaRPr lang="en-US" dirty="0"/>
+          </a:p>
+        </p:txBody>
+      </p:sp>
+      <p:sp>
+        <p:nvSpPr>
+          <p:cNvPr id="6" name="TextBox 5"/>
+          <p:cNvSpPr txBox="1"/>
+          <p:nvPr/>
+        </p:nvSpPr>
+        <p:spPr>
+          <a:xfrm>
+            <a:off x="746975" y="2099256"/>
+            <a:ext cx="6645498" cy="646331"/>
+          </a:xfrm>
+          <a:prstGeom prst="rect">
+            <a:avLst/>
+          </a:prstGeom>
+          <a:noFill/>
+        </p:spPr>
+        <p:txBody>
+          <a:bodyPr wrap="square" rtlCol="0">
+            <a:spAutoFit/>
+          </a:bodyPr>
+          <a:lstStyle/>
+          <a:p>
+            <a:endParaRPr lang="en-US" b="1" dirty="0" smtClean="0"/>
+          </a:p>
+          <a:p>
+            <a:endParaRPr lang="en-US" dirty="0"/>
+          </a:p>
+        </p:txBody>
+      </p:sp>
+      <p:sp>
+        <p:nvSpPr>
+          <p:cNvPr id="4" name="AutoShape 8" descr="http://www.penjee.com/programming/wp-content/uploads/2014/05/parameter-vs-argument-diagram.png"/>
+          <p:cNvSpPr>
+            <a:spLocks noChangeAspect="1" noChangeArrowheads="1"/>
+          </p:cNvSpPr>
+          <p:nvPr/>
+        </p:nvSpPr>
+        <p:spPr bwMode="auto">
+          <a:xfrm>
+            <a:off x="155575" y="-144463"/>
+            <a:ext cx="304800" cy="304801"/>
+          </a:xfrm>
+          <a:prstGeom prst="rect">
+            <a:avLst/>
+          </a:prstGeom>
+          <a:noFill/>
+          <a:extLst>
+            <a:ext uri="{909E8E84-426E-40DD-AFC4-6F175D3DCCD1}">
+              <a14:hiddenFill xmlns:a14="http://schemas.microsoft.com/office/drawing/2010/main">
+                <a:solidFill>
+                  <a:srgbClr val="FFFFFF"/>
+                </a:solidFill>
+              </a14:hiddenFill>
+            </a:ext>
+          </a:extLst>
+        </p:spPr>
+        <p:txBody>
+          <a:bodyPr vert="horz" wrap="square" lIns="91440" tIns="45720" rIns="91440" bIns="45720" numCol="1" anchor="t" anchorCtr="0" compatLnSpc="1">
+            <a:prstTxWarp prst="textNoShape">
+              <a:avLst/>
+            </a:prstTxWarp>
+          </a:bodyPr>
+          <a:lstStyle/>
+          <a:p>
+            <a:endParaRPr lang="en-US"/>
+          </a:p>
+        </p:txBody>
+      </p:sp>
+      <p:sp>
+        <p:nvSpPr>
+          <p:cNvPr id="8" name="TextBox 7"/>
+          <p:cNvSpPr txBox="1"/>
+          <p:nvPr/>
+        </p:nvSpPr>
+        <p:spPr>
+          <a:xfrm>
+            <a:off x="785610" y="1916047"/>
+            <a:ext cx="10921285" cy="2677656"/>
+          </a:xfrm>
+          <a:prstGeom prst="rect">
+            <a:avLst/>
+          </a:prstGeom>
+          <a:noFill/>
+        </p:spPr>
+        <p:txBody>
+          <a:bodyPr wrap="square" rtlCol="0">
+            <a:spAutoFit/>
+          </a:bodyPr>
+          <a:lstStyle/>
+          <a:p>
+            <a:r>
+              <a:rPr lang="en-US" sz="2800" b="1" u="sng" dirty="0" smtClean="0"/>
+              <a:t>Expression:</a:t>
+            </a:r>
+          </a:p>
+          <a:p>
+            <a:r>
+              <a:rPr lang="en-US" sz="2000" dirty="0"/>
+              <a:t>An </a:t>
+            </a:r>
+            <a:r>
+              <a:rPr lang="en-US" sz="2000" i="1" dirty="0"/>
+              <a:t>expression</a:t>
+            </a:r>
+            <a:r>
+              <a:rPr lang="en-US" sz="2000" dirty="0"/>
+              <a:t> is a construct made up of variables, operators, and method invocations, which are constructed according to the syntax of the language, that evaluates to a single </a:t>
+            </a:r>
+            <a:r>
+              <a:rPr lang="en-US" sz="2000" dirty="0" smtClean="0"/>
+              <a:t>value.</a:t>
+            </a:r>
+          </a:p>
+          <a:p>
+            <a:r>
+              <a:rPr lang="en-US" sz="2000" b="1" dirty="0" smtClean="0"/>
+              <a:t>Ex:</a:t>
+            </a:r>
+          </a:p>
+          <a:p>
+            <a:pPr lvl="2"/>
+            <a:r>
+              <a:rPr lang="en-US" sz="2000" dirty="0" smtClean="0"/>
+              <a:t>cadence </a:t>
+            </a:r>
+            <a:r>
+              <a:rPr lang="en-US" sz="2000" dirty="0"/>
+              <a:t>= 0</a:t>
+            </a:r>
+          </a:p>
+          <a:p>
+            <a:pPr lvl="2"/>
+            <a:r>
+              <a:rPr lang="en-US" sz="2000" dirty="0" err="1"/>
+              <a:t>anArray</a:t>
+            </a:r>
+            <a:r>
+              <a:rPr lang="en-US" sz="2000" dirty="0"/>
+              <a:t>[0] = 100;</a:t>
+            </a:r>
+          </a:p>
+          <a:p>
+            <a:pPr lvl="2"/>
+            <a:r>
+              <a:rPr lang="en-US" sz="2000" dirty="0"/>
+              <a:t>value1 == value2</a:t>
+            </a:r>
+          </a:p>
+          <a:p>
+            <a:pPr lvl="2"/>
+            <a:r>
+              <a:rPr lang="en-US" sz="2000" dirty="0"/>
+              <a:t>"Element 1 at index 0: " + </a:t>
+            </a:r>
+            <a:r>
+              <a:rPr lang="en-US" sz="2000" dirty="0" err="1"/>
+              <a:t>anArray</a:t>
+            </a:r>
+            <a:r>
+              <a:rPr lang="en-US" sz="2000" dirty="0"/>
+              <a:t>[0]</a:t>
+            </a:r>
+            <a:endParaRPr lang="en-US" sz="2000" dirty="0"/>
+          </a:p>
+        </p:txBody>
+      </p:sp>
+      <p:sp>
+        <p:nvSpPr>
+          <p:cNvPr id="9" name="TextBox 8"/>
+          <p:cNvSpPr txBox="1"/>
+          <p:nvPr/>
+        </p:nvSpPr>
+        <p:spPr>
+          <a:xfrm>
+            <a:off x="1300766" y="3098995"/>
+            <a:ext cx="9440214" cy="3198774"/>
+          </a:xfrm>
+          <a:prstGeom prst="rect">
+            <a:avLst/>
+          </a:prstGeom>
+          <a:noFill/>
+        </p:spPr>
+        <p:txBody>
+          <a:bodyPr wrap="square" rtlCol="0">
+            <a:spAutoFit/>
+          </a:bodyPr>
+          <a:lstStyle/>
+          <a:p>
+            <a:endParaRPr lang="en-US" dirty="0"/>
+          </a:p>
+        </p:txBody>
+      </p:sp>
+      <p:sp>
+        <p:nvSpPr>
+          <p:cNvPr id="10" name="TextBox 9"/>
+          <p:cNvSpPr txBox="1"/>
+          <p:nvPr/>
+        </p:nvSpPr>
+        <p:spPr>
+          <a:xfrm>
+            <a:off x="824245" y="4557801"/>
+            <a:ext cx="10921285" cy="2062103"/>
+          </a:xfrm>
+          <a:prstGeom prst="rect">
+            <a:avLst/>
+          </a:prstGeom>
+          <a:noFill/>
+        </p:spPr>
+        <p:txBody>
+          <a:bodyPr wrap="square" rtlCol="0">
+            <a:spAutoFit/>
+          </a:bodyPr>
+          <a:lstStyle/>
+          <a:p>
+            <a:r>
+              <a:rPr lang="en-US" sz="2800" b="1" u="sng" dirty="0" smtClean="0"/>
+              <a:t>Statements:</a:t>
+            </a:r>
+          </a:p>
+          <a:p>
+            <a:pPr marL="342900" indent="-342900">
+              <a:buFont typeface="Arial" panose="020B0604020202020204" pitchFamily="34" charset="0"/>
+              <a:buChar char="•"/>
+            </a:pPr>
+            <a:r>
+              <a:rPr lang="en-US" sz="2000" dirty="0"/>
+              <a:t>Statements are roughly equivalent to sentences in natural languages. </a:t>
+            </a:r>
+            <a:endParaRPr lang="en-US" sz="2000" dirty="0" smtClean="0"/>
+          </a:p>
+          <a:p>
+            <a:pPr marL="342900" indent="-342900">
+              <a:buFont typeface="Arial" panose="020B0604020202020204" pitchFamily="34" charset="0"/>
+              <a:buChar char="•"/>
+            </a:pPr>
+            <a:r>
+              <a:rPr lang="en-US" sz="2000" dirty="0" smtClean="0"/>
+              <a:t>A</a:t>
+            </a:r>
+            <a:r>
+              <a:rPr lang="en-US" sz="2000" dirty="0"/>
+              <a:t> </a:t>
+            </a:r>
+            <a:r>
+              <a:rPr lang="en-US" sz="2000" i="1" dirty="0"/>
+              <a:t>statement</a:t>
+            </a:r>
+            <a:r>
+              <a:rPr lang="en-US" sz="2000" dirty="0"/>
+              <a:t> forms a complete unit of execution</a:t>
+            </a:r>
+            <a:r>
+              <a:rPr lang="en-US" sz="2000" dirty="0" smtClean="0"/>
+              <a:t>.</a:t>
+            </a:r>
+          </a:p>
+          <a:p>
+            <a:r>
+              <a:rPr lang="en-US" sz="2000" b="1" dirty="0" smtClean="0"/>
+              <a:t>Ex:</a:t>
+            </a:r>
+          </a:p>
+          <a:p>
+            <a:pPr lvl="2"/>
+            <a:r>
+              <a:rPr lang="en-US" sz="2000" dirty="0" err="1"/>
+              <a:t>System.out.println</a:t>
+            </a:r>
+            <a:r>
+              <a:rPr lang="en-US" sz="2000" dirty="0"/>
+              <a:t>("Hello World!");</a:t>
+            </a:r>
+          </a:p>
+          <a:p>
+            <a:pPr lvl="2"/>
+            <a:r>
+              <a:rPr lang="en-US" sz="2000" dirty="0"/>
+              <a:t>Bicycle </a:t>
+            </a:r>
+            <a:r>
+              <a:rPr lang="en-US" sz="2000" dirty="0" err="1"/>
+              <a:t>myBike</a:t>
+            </a:r>
+            <a:r>
+              <a:rPr lang="en-US" sz="2000" dirty="0"/>
+              <a:t> = new Bicycle();</a:t>
+            </a:r>
+            <a:endParaRPr lang="en-US" sz="2000" dirty="0"/>
+          </a:p>
+        </p:txBody>
+      </p:sp>
+    </p:spTree>
+    <p:extLst>
+      <p:ext uri="{BB962C8B-B14F-4D97-AF65-F5344CB8AC3E}">
+        <p14:creationId xmlns:p14="http://schemas.microsoft.com/office/powerpoint/2010/main" val="495500052"/>
+      </p:ext>
+    </p:extLst>
+  </p:cSld>
+  <p:clrMapOvr>
+    <a:masterClrMapping/>
+  </p:clrMapOvr>
+  <p:timing>
+    <p:tnLst>
+      <p:par>
+        <p:cTn id="1" dur="indefinite" restart="never" nodeType="tmRoot"/>
+      </p:par>
+    </p:tnLst>
+  </p:timing>
+</p:sld>
+</file>
+
+<file path=ppt/slides/slide34.xml><?xml version="1.0" encoding="utf-8"?>
+<p:sld xmlns:a="http://schemas.openxmlformats.org/drawingml/2006/main" xmlns:r="http://schemas.openxmlformats.org/officeDocument/2006/relationships" xmlns:p="http://schemas.openxmlformats.org/presentationml/2006/main">
+  <p:cSld>
+    <p:spTree>
+      <p:nvGrpSpPr>
+        <p:cNvPr id="1" name=""/>
+        <p:cNvGrpSpPr/>
+        <p:nvPr/>
+      </p:nvGrpSpPr>
+      <p:grpSpPr>
+        <a:xfrm>
+          <a:off x="0" y="0"/>
+          <a:ext cx="0" cy="0"/>
+          <a:chOff x="0" y="0"/>
+          <a:chExt cx="0" cy="0"/>
+        </a:xfrm>
+      </p:grpSpPr>
+      <p:sp>
+        <p:nvSpPr>
+          <p:cNvPr id="2" name="Title 1"/>
+          <p:cNvSpPr>
+            <a:spLocks noGrp="1"/>
+          </p:cNvSpPr>
+          <p:nvPr>
+            <p:ph type="title"/>
+          </p:nvPr>
+        </p:nvSpPr>
+        <p:spPr/>
+        <p:txBody>
+          <a:bodyPr/>
+          <a:lstStyle/>
+          <a:p>
+            <a:r>
+              <a:rPr lang="en-US" dirty="0" smtClean="0"/>
+              <a:t>Language basics- </a:t>
+            </a:r>
+            <a:r>
+              <a:rPr lang="en-US" dirty="0" smtClean="0"/>
+              <a:t>expressions, statements, blocks</a:t>
+            </a:r>
+            <a:endParaRPr lang="en-US" dirty="0"/>
+          </a:p>
+        </p:txBody>
+      </p:sp>
+      <p:sp>
+        <p:nvSpPr>
+          <p:cNvPr id="6" name="TextBox 5"/>
+          <p:cNvSpPr txBox="1"/>
+          <p:nvPr/>
+        </p:nvSpPr>
+        <p:spPr>
+          <a:xfrm>
+            <a:off x="746975" y="2099256"/>
+            <a:ext cx="6645498" cy="646331"/>
+          </a:xfrm>
+          <a:prstGeom prst="rect">
+            <a:avLst/>
+          </a:prstGeom>
+          <a:noFill/>
+        </p:spPr>
+        <p:txBody>
+          <a:bodyPr wrap="square" rtlCol="0">
+            <a:spAutoFit/>
+          </a:bodyPr>
+          <a:lstStyle/>
+          <a:p>
+            <a:endParaRPr lang="en-US" b="1" dirty="0" smtClean="0"/>
+          </a:p>
+          <a:p>
+            <a:endParaRPr lang="en-US" dirty="0"/>
+          </a:p>
+        </p:txBody>
+      </p:sp>
+      <p:sp>
+        <p:nvSpPr>
+          <p:cNvPr id="4" name="AutoShape 8" descr="http://www.penjee.com/programming/wp-content/uploads/2014/05/parameter-vs-argument-diagram.png"/>
+          <p:cNvSpPr>
+            <a:spLocks noChangeAspect="1" noChangeArrowheads="1"/>
+          </p:cNvSpPr>
+          <p:nvPr/>
+        </p:nvSpPr>
+        <p:spPr bwMode="auto">
+          <a:xfrm>
+            <a:off x="155575" y="-144463"/>
+            <a:ext cx="304800" cy="304801"/>
+          </a:xfrm>
+          <a:prstGeom prst="rect">
+            <a:avLst/>
+          </a:prstGeom>
+          <a:noFill/>
+          <a:extLst>
+            <a:ext uri="{909E8E84-426E-40DD-AFC4-6F175D3DCCD1}">
+              <a14:hiddenFill xmlns:a14="http://schemas.microsoft.com/office/drawing/2010/main">
+                <a:solidFill>
+                  <a:srgbClr val="FFFFFF"/>
+                </a:solidFill>
+              </a14:hiddenFill>
+            </a:ext>
+          </a:extLst>
+        </p:spPr>
+        <p:txBody>
+          <a:bodyPr vert="horz" wrap="square" lIns="91440" tIns="45720" rIns="91440" bIns="45720" numCol="1" anchor="t" anchorCtr="0" compatLnSpc="1">
+            <a:prstTxWarp prst="textNoShape">
+              <a:avLst/>
+            </a:prstTxWarp>
+          </a:bodyPr>
+          <a:lstStyle/>
+          <a:p>
+            <a:endParaRPr lang="en-US"/>
+          </a:p>
+        </p:txBody>
+      </p:sp>
+      <p:sp>
+        <p:nvSpPr>
+          <p:cNvPr id="8" name="TextBox 7"/>
+          <p:cNvSpPr txBox="1"/>
+          <p:nvPr/>
+        </p:nvSpPr>
+        <p:spPr>
+          <a:xfrm>
+            <a:off x="785610" y="1916047"/>
+            <a:ext cx="10921285" cy="4308872"/>
+          </a:xfrm>
+          <a:prstGeom prst="rect">
+            <a:avLst/>
+          </a:prstGeom>
+          <a:noFill/>
+        </p:spPr>
+        <p:txBody>
+          <a:bodyPr wrap="square" rtlCol="0">
+            <a:spAutoFit/>
+          </a:bodyPr>
+          <a:lstStyle/>
+          <a:p>
+            <a:r>
+              <a:rPr lang="en-US" sz="2800" b="1" u="sng" dirty="0" smtClean="0"/>
+              <a:t>Blocks:</a:t>
+            </a:r>
+          </a:p>
+          <a:p>
+            <a:r>
+              <a:rPr lang="en-US" sz="2000" dirty="0"/>
+              <a:t>A block is a group of zero or more statements between balanced braces and can be used anywhere a single statement is allowed.</a:t>
+            </a:r>
+            <a:endParaRPr lang="en-US" sz="2000" dirty="0" smtClean="0"/>
+          </a:p>
+          <a:p>
+            <a:r>
+              <a:rPr lang="en-US" sz="2000" b="1" dirty="0" smtClean="0"/>
+              <a:t>Ex:</a:t>
+            </a:r>
+          </a:p>
+          <a:p>
+            <a:pPr lvl="1"/>
+            <a:r>
+              <a:rPr lang="en-US" sz="1600" dirty="0"/>
+              <a:t>class </a:t>
+            </a:r>
+            <a:r>
+              <a:rPr lang="en-US" sz="1600" dirty="0" err="1"/>
+              <a:t>BlockDemo</a:t>
+            </a:r>
+            <a:r>
+              <a:rPr lang="en-US" sz="1600" dirty="0"/>
+              <a:t> {</a:t>
+            </a:r>
+          </a:p>
+          <a:p>
+            <a:pPr lvl="1"/>
+            <a:r>
+              <a:rPr lang="en-US" sz="1600" dirty="0"/>
+              <a:t>     public static void main(String[] </a:t>
+            </a:r>
+            <a:r>
+              <a:rPr lang="en-US" sz="1600" dirty="0" err="1"/>
+              <a:t>args</a:t>
+            </a:r>
+            <a:r>
+              <a:rPr lang="en-US" sz="1600" dirty="0"/>
+              <a:t>) {</a:t>
+            </a:r>
+          </a:p>
+          <a:p>
+            <a:pPr lvl="1"/>
+            <a:r>
+              <a:rPr lang="en-US" sz="1600" dirty="0"/>
+              <a:t>          </a:t>
+            </a:r>
+            <a:r>
+              <a:rPr lang="en-US" sz="1600" dirty="0" err="1"/>
+              <a:t>boolean</a:t>
+            </a:r>
+            <a:r>
+              <a:rPr lang="en-US" sz="1600" dirty="0"/>
+              <a:t> condition = true;</a:t>
+            </a:r>
+          </a:p>
+          <a:p>
+            <a:pPr lvl="1"/>
+            <a:r>
+              <a:rPr lang="en-US" sz="1600" dirty="0"/>
+              <a:t>          if (condition) { // begin block 1</a:t>
+            </a:r>
+          </a:p>
+          <a:p>
+            <a:pPr lvl="1"/>
+            <a:r>
+              <a:rPr lang="en-US" sz="1600" dirty="0"/>
+              <a:t>               </a:t>
+            </a:r>
+            <a:r>
+              <a:rPr lang="en-US" sz="1600" dirty="0" err="1"/>
+              <a:t>System.out.println</a:t>
+            </a:r>
+            <a:r>
+              <a:rPr lang="en-US" sz="1600" dirty="0"/>
+              <a:t>("Condition is true.");</a:t>
+            </a:r>
+          </a:p>
+          <a:p>
+            <a:pPr lvl="1"/>
+            <a:r>
+              <a:rPr lang="en-US" sz="1600" dirty="0"/>
+              <a:t>          } // end block one</a:t>
+            </a:r>
+          </a:p>
+          <a:p>
+            <a:pPr lvl="1"/>
+            <a:r>
+              <a:rPr lang="en-US" sz="1600" dirty="0"/>
+              <a:t>          else { // begin block 2</a:t>
+            </a:r>
+          </a:p>
+          <a:p>
+            <a:pPr lvl="1"/>
+            <a:r>
+              <a:rPr lang="en-US" sz="1600" dirty="0"/>
+              <a:t>               </a:t>
+            </a:r>
+            <a:r>
+              <a:rPr lang="en-US" sz="1600" dirty="0" err="1"/>
+              <a:t>System.out.println</a:t>
+            </a:r>
+            <a:r>
+              <a:rPr lang="en-US" sz="1600" dirty="0"/>
+              <a:t>("Condition is false.");</a:t>
+            </a:r>
+          </a:p>
+          <a:p>
+            <a:pPr lvl="1"/>
+            <a:r>
+              <a:rPr lang="en-US" sz="1600" dirty="0"/>
+              <a:t>          } // end block 2</a:t>
+            </a:r>
+          </a:p>
+          <a:p>
+            <a:pPr lvl="1"/>
+            <a:r>
+              <a:rPr lang="en-US" sz="1600" dirty="0"/>
+              <a:t>     }</a:t>
+            </a:r>
+          </a:p>
+          <a:p>
+            <a:pPr lvl="1"/>
+            <a:r>
+              <a:rPr lang="en-US" sz="1600" dirty="0"/>
+              <a:t>}</a:t>
+            </a:r>
+            <a:endParaRPr lang="en-US" sz="1600" dirty="0" smtClean="0"/>
+          </a:p>
+        </p:txBody>
+      </p:sp>
+    </p:spTree>
+    <p:extLst>
+      <p:ext uri="{BB962C8B-B14F-4D97-AF65-F5344CB8AC3E}">
+        <p14:creationId xmlns:p14="http://schemas.microsoft.com/office/powerpoint/2010/main" val="1840170809"/>
+      </p:ext>
+    </p:extLst>
+  </p:cSld>
+  <p:clrMapOvr>
+    <a:masterClrMapping/>
+  </p:clrMapOvr>
+  <p:timing>
+    <p:tnLst>
+      <p:par>
+        <p:cTn id="1" dur="indefinite" restart="never" nodeType="tmRoot"/>
+      </p:par>
+    </p:tnLst>
+  </p:timing>
+</p:sld>
+</file>
+
+<file path=ppt/slides/slide35.xml><?xml version="1.0" encoding="utf-8"?>
+<p:sld xmlns:a="http://schemas.openxmlformats.org/drawingml/2006/main" xmlns:r="http://schemas.openxmlformats.org/officeDocument/2006/relationships" xmlns:p="http://schemas.openxmlformats.org/presentationml/2006/main">
+  <p:cSld>
+    <p:spTree>
+      <p:nvGrpSpPr>
+        <p:cNvPr id="1" name=""/>
+        <p:cNvGrpSpPr/>
+        <p:nvPr/>
+      </p:nvGrpSpPr>
+      <p:grpSpPr>
+        <a:xfrm>
+          <a:off x="0" y="0"/>
+          <a:ext cx="0" cy="0"/>
+          <a:chOff x="0" y="0"/>
+          <a:chExt cx="0" cy="0"/>
+        </a:xfrm>
+      </p:grpSpPr>
+      <p:sp>
+        <p:nvSpPr>
+          <p:cNvPr id="2" name="Title 1"/>
+          <p:cNvSpPr>
+            <a:spLocks noGrp="1"/>
+          </p:cNvSpPr>
+          <p:nvPr>
+            <p:ph type="title"/>
+          </p:nvPr>
+        </p:nvSpPr>
+        <p:spPr/>
+        <p:txBody>
+          <a:bodyPr/>
+          <a:lstStyle/>
+          <a:p>
+            <a:r>
+              <a:rPr lang="en-US" dirty="0" smtClean="0"/>
+              <a:t>Quiz time- expressions, statements, blocks</a:t>
+            </a:r>
+            <a:endParaRPr lang="en-US" dirty="0"/>
+          </a:p>
+        </p:txBody>
+      </p:sp>
+      <p:sp>
+        <p:nvSpPr>
+          <p:cNvPr id="6" name="TextBox 5"/>
+          <p:cNvSpPr txBox="1"/>
+          <p:nvPr/>
+        </p:nvSpPr>
+        <p:spPr>
+          <a:xfrm>
+            <a:off x="746975" y="2099256"/>
+            <a:ext cx="6645498" cy="646331"/>
+          </a:xfrm>
+          <a:prstGeom prst="rect">
+            <a:avLst/>
+          </a:prstGeom>
+          <a:noFill/>
+        </p:spPr>
+        <p:txBody>
+          <a:bodyPr wrap="square" rtlCol="0">
+            <a:spAutoFit/>
+          </a:bodyPr>
+          <a:lstStyle/>
+          <a:p>
+            <a:endParaRPr lang="en-US" b="1" dirty="0" smtClean="0"/>
+          </a:p>
+          <a:p>
+            <a:endParaRPr lang="en-US" dirty="0"/>
+          </a:p>
+        </p:txBody>
+      </p:sp>
+      <p:sp>
+        <p:nvSpPr>
+          <p:cNvPr id="4" name="AutoShape 8" descr="http://www.penjee.com/programming/wp-content/uploads/2014/05/parameter-vs-argument-diagram.png"/>
+          <p:cNvSpPr>
+            <a:spLocks noChangeAspect="1" noChangeArrowheads="1"/>
+          </p:cNvSpPr>
+          <p:nvPr/>
+        </p:nvSpPr>
+        <p:spPr bwMode="auto">
+          <a:xfrm>
+            <a:off x="155575" y="-144463"/>
+            <a:ext cx="304800" cy="304801"/>
+          </a:xfrm>
+          <a:prstGeom prst="rect">
+            <a:avLst/>
+          </a:prstGeom>
+          <a:noFill/>
+          <a:extLst>
+            <a:ext uri="{909E8E84-426E-40DD-AFC4-6F175D3DCCD1}">
+              <a14:hiddenFill xmlns:a14="http://schemas.microsoft.com/office/drawing/2010/main">
+                <a:solidFill>
+                  <a:srgbClr val="FFFFFF"/>
+                </a:solidFill>
+              </a14:hiddenFill>
+            </a:ext>
+          </a:extLst>
+        </p:spPr>
+        <p:txBody>
+          <a:bodyPr vert="horz" wrap="square" lIns="91440" tIns="45720" rIns="91440" bIns="45720" numCol="1" anchor="t" anchorCtr="0" compatLnSpc="1">
+            <a:prstTxWarp prst="textNoShape">
+              <a:avLst/>
+            </a:prstTxWarp>
+          </a:bodyPr>
+          <a:lstStyle/>
+          <a:p>
+            <a:endParaRPr lang="en-US"/>
+          </a:p>
+        </p:txBody>
+      </p:sp>
+      <p:sp>
+        <p:nvSpPr>
+          <p:cNvPr id="8" name="TextBox 7"/>
+          <p:cNvSpPr txBox="1"/>
+          <p:nvPr/>
+        </p:nvSpPr>
+        <p:spPr>
+          <a:xfrm>
+            <a:off x="785610" y="1916047"/>
+            <a:ext cx="10921285" cy="2862322"/>
+          </a:xfrm>
+          <a:prstGeom prst="rect">
+            <a:avLst/>
+          </a:prstGeom>
+          <a:noFill/>
+        </p:spPr>
+        <p:txBody>
+          <a:bodyPr wrap="square" rtlCol="0">
+            <a:spAutoFit/>
+          </a:bodyPr>
+          <a:lstStyle/>
+          <a:p>
+            <a:pPr marL="342900" indent="-342900">
+              <a:buFont typeface="Arial" panose="020B0604020202020204" pitchFamily="34" charset="0"/>
+              <a:buChar char="•"/>
+            </a:pPr>
+            <a:r>
+              <a:rPr lang="en-US" sz="2000" dirty="0"/>
+              <a:t>Operators may be used in building ___, which compute values.</a:t>
+            </a:r>
+          </a:p>
+          <a:p>
+            <a:pPr marL="342900" indent="-342900">
+              <a:buFont typeface="Arial" panose="020B0604020202020204" pitchFamily="34" charset="0"/>
+              <a:buChar char="•"/>
+            </a:pPr>
+            <a:r>
+              <a:rPr lang="en-US" sz="2000" dirty="0"/>
+              <a:t>Expressions are the core components of ___.</a:t>
+            </a:r>
+          </a:p>
+          <a:p>
+            <a:pPr marL="342900" indent="-342900">
+              <a:buFont typeface="Arial" panose="020B0604020202020204" pitchFamily="34" charset="0"/>
+              <a:buChar char="•"/>
+            </a:pPr>
+            <a:r>
+              <a:rPr lang="en-US" sz="2000" dirty="0"/>
+              <a:t>Statements may be grouped into ___.</a:t>
+            </a:r>
+          </a:p>
+          <a:p>
+            <a:pPr marL="342900" indent="-342900">
+              <a:buFont typeface="Arial" panose="020B0604020202020204" pitchFamily="34" charset="0"/>
+              <a:buChar char="•"/>
+            </a:pPr>
+            <a:r>
+              <a:rPr lang="en-US" sz="2000" dirty="0"/>
+              <a:t>The following code snippet is an example of a ___ expression.</a:t>
+            </a:r>
+          </a:p>
+          <a:p>
+            <a:r>
+              <a:rPr lang="en-US" sz="2000" dirty="0" smtClean="0"/>
+              <a:t>	1 </a:t>
+            </a:r>
+            <a:r>
+              <a:rPr lang="en-US" sz="2000" dirty="0"/>
+              <a:t>* 2 * 3</a:t>
+            </a:r>
+          </a:p>
+          <a:p>
+            <a:pPr marL="342900" indent="-342900">
+              <a:buFont typeface="Arial" panose="020B0604020202020204" pitchFamily="34" charset="0"/>
+              <a:buChar char="•"/>
+            </a:pPr>
+            <a:r>
+              <a:rPr lang="en-US" sz="2000" dirty="0"/>
+              <a:t>Statements are roughly equivalent to sentences in natural languages, but instead of ending with a period, a statement ends with a ___.</a:t>
+            </a:r>
+          </a:p>
+          <a:p>
+            <a:pPr marL="342900" indent="-342900">
+              <a:buFont typeface="Arial" panose="020B0604020202020204" pitchFamily="34" charset="0"/>
+              <a:buChar char="•"/>
+            </a:pPr>
+            <a:r>
+              <a:rPr lang="en-US" sz="2000" dirty="0"/>
+              <a:t>A block is a group of zero or more statements between balanced ___ and can be used anywhere a single statement is allowed.</a:t>
+            </a:r>
+            <a:endParaRPr lang="en-US" sz="2000" dirty="0" smtClean="0"/>
+          </a:p>
+        </p:txBody>
+      </p:sp>
+    </p:spTree>
+    <p:extLst>
+      <p:ext uri="{BB962C8B-B14F-4D97-AF65-F5344CB8AC3E}">
+        <p14:creationId xmlns:p14="http://schemas.microsoft.com/office/powerpoint/2010/main" val="3494904711"/>
+      </p:ext>
+    </p:extLst>
+  </p:cSld>
+  <p:clrMapOvr>
+    <a:masterClrMapping/>
+  </p:clrMapOvr>
+  <p:timing>
+    <p:tnLst>
+      <p:par>
+        <p:cTn id="1" dur="indefinite" restart="never" nodeType="tmRoot"/>
+      </p:par>
+    </p:tnLst>
+  </p:timing>
+</p:sld>
+</file>
+
+<file path=ppt/slides/slide36.xml><?xml version="1.0" encoding="utf-8"?>
+<p:sld xmlns:a="http://schemas.openxmlformats.org/drawingml/2006/main" xmlns:r="http://schemas.openxmlformats.org/officeDocument/2006/relationships" xmlns:p="http://schemas.openxmlformats.org/presentationml/2006/main">
+  <p:cSld>
+    <p:spTree>
+      <p:nvGrpSpPr>
+        <p:cNvPr id="1" name=""/>
+        <p:cNvGrpSpPr/>
+        <p:nvPr/>
+      </p:nvGrpSpPr>
+      <p:grpSpPr>
+        <a:xfrm>
+          <a:off x="0" y="0"/>
+          <a:ext cx="0" cy="0"/>
+          <a:chOff x="0" y="0"/>
+          <a:chExt cx="0" cy="0"/>
+        </a:xfrm>
+      </p:grpSpPr>
+      <p:sp>
+        <p:nvSpPr>
+          <p:cNvPr id="2" name="Title 1"/>
+          <p:cNvSpPr>
+            <a:spLocks noGrp="1"/>
+          </p:cNvSpPr>
+          <p:nvPr>
+            <p:ph type="title"/>
+          </p:nvPr>
+        </p:nvSpPr>
+        <p:spPr/>
+        <p:txBody>
+          <a:bodyPr/>
+          <a:lstStyle/>
+          <a:p>
+            <a:r>
+              <a:rPr lang="en-US" dirty="0" smtClean="0"/>
+              <a:t>Language basics- </a:t>
+            </a:r>
+            <a:r>
+              <a:rPr lang="en-US" dirty="0" smtClean="0"/>
+              <a:t>control flow statements</a:t>
+            </a:r>
+            <a:endParaRPr lang="en-US" dirty="0"/>
+          </a:p>
+        </p:txBody>
+      </p:sp>
+      <p:sp>
+        <p:nvSpPr>
+          <p:cNvPr id="6" name="TextBox 5"/>
+          <p:cNvSpPr txBox="1"/>
+          <p:nvPr/>
+        </p:nvSpPr>
+        <p:spPr>
+          <a:xfrm>
+            <a:off x="746975" y="2099256"/>
+            <a:ext cx="6645498" cy="646331"/>
+          </a:xfrm>
+          <a:prstGeom prst="rect">
+            <a:avLst/>
+          </a:prstGeom>
+          <a:noFill/>
+        </p:spPr>
+        <p:txBody>
+          <a:bodyPr wrap="square" rtlCol="0">
+            <a:spAutoFit/>
+          </a:bodyPr>
+          <a:lstStyle/>
+          <a:p>
+            <a:endParaRPr lang="en-US" b="1" dirty="0" smtClean="0"/>
+          </a:p>
+          <a:p>
+            <a:endParaRPr lang="en-US" dirty="0"/>
+          </a:p>
+        </p:txBody>
+      </p:sp>
+      <p:sp>
+        <p:nvSpPr>
+          <p:cNvPr id="4" name="AutoShape 8" descr="http://www.penjee.com/programming/wp-content/uploads/2014/05/parameter-vs-argument-diagram.png"/>
+          <p:cNvSpPr>
+            <a:spLocks noChangeAspect="1" noChangeArrowheads="1"/>
+          </p:cNvSpPr>
+          <p:nvPr/>
+        </p:nvSpPr>
+        <p:spPr bwMode="auto">
+          <a:xfrm>
+            <a:off x="155575" y="-144463"/>
+            <a:ext cx="304800" cy="304801"/>
+          </a:xfrm>
+          <a:prstGeom prst="rect">
+            <a:avLst/>
+          </a:prstGeom>
+          <a:noFill/>
+          <a:extLst>
+            <a:ext uri="{909E8E84-426E-40DD-AFC4-6F175D3DCCD1}">
+              <a14:hiddenFill xmlns:a14="http://schemas.microsoft.com/office/drawing/2010/main">
+                <a:solidFill>
+                  <a:srgbClr val="FFFFFF"/>
+                </a:solidFill>
+              </a14:hiddenFill>
+            </a:ext>
+          </a:extLst>
+        </p:spPr>
+        <p:txBody>
+          <a:bodyPr vert="horz" wrap="square" lIns="91440" tIns="45720" rIns="91440" bIns="45720" numCol="1" anchor="t" anchorCtr="0" compatLnSpc="1">
+            <a:prstTxWarp prst="textNoShape">
+              <a:avLst/>
+            </a:prstTxWarp>
+          </a:bodyPr>
+          <a:lstStyle/>
+          <a:p>
+            <a:endParaRPr lang="en-US"/>
+          </a:p>
+        </p:txBody>
+      </p:sp>
+      <p:sp>
+        <p:nvSpPr>
+          <p:cNvPr id="8" name="TextBox 7"/>
+          <p:cNvSpPr txBox="1"/>
+          <p:nvPr/>
+        </p:nvSpPr>
+        <p:spPr>
+          <a:xfrm>
+            <a:off x="785610" y="1916047"/>
+            <a:ext cx="10921285" cy="707886"/>
+          </a:xfrm>
+          <a:prstGeom prst="rect">
+            <a:avLst/>
+          </a:prstGeom>
+          <a:noFill/>
+        </p:spPr>
+        <p:txBody>
+          <a:bodyPr wrap="square" rtlCol="0">
+            <a:spAutoFit/>
+          </a:bodyPr>
+          <a:lstStyle/>
+          <a:p>
+            <a:r>
+              <a:rPr lang="en-US" sz="2000" dirty="0" smtClean="0"/>
+              <a:t>Control </a:t>
+            </a:r>
+            <a:r>
+              <a:rPr lang="en-US" sz="2000" dirty="0"/>
+              <a:t>flow statements</a:t>
+            </a:r>
+            <a:r>
+              <a:rPr lang="en-US" sz="2000" dirty="0" smtClean="0"/>
+              <a:t>, </a:t>
+            </a:r>
+            <a:r>
+              <a:rPr lang="en-US" sz="2000" dirty="0"/>
+              <a:t>break up the flow of execution by employing decision making, looping, and branching, enabling your program to conditionally execute particular blocks of code.</a:t>
+            </a:r>
+            <a:endParaRPr lang="en-US" sz="1600" dirty="0" smtClean="0"/>
+          </a:p>
+        </p:txBody>
+      </p:sp>
+      <p:sp>
+        <p:nvSpPr>
+          <p:cNvPr id="5" name="TextBox 4"/>
+          <p:cNvSpPr txBox="1"/>
+          <p:nvPr/>
+        </p:nvSpPr>
+        <p:spPr>
+          <a:xfrm>
+            <a:off x="953036" y="3039414"/>
+            <a:ext cx="7134895" cy="4031873"/>
+          </a:xfrm>
+          <a:prstGeom prst="rect">
+            <a:avLst/>
+          </a:prstGeom>
+          <a:noFill/>
+        </p:spPr>
+        <p:txBody>
+          <a:bodyPr wrap="square" rtlCol="0">
+            <a:spAutoFit/>
+          </a:bodyPr>
+          <a:lstStyle/>
+          <a:p>
+            <a:r>
+              <a:rPr lang="en-US" sz="3200" b="1" u="sng" dirty="0" smtClean="0"/>
+              <a:t>If-then</a:t>
+            </a:r>
+          </a:p>
+          <a:p>
+            <a:r>
+              <a:rPr lang="en-US" sz="2000" dirty="0"/>
+              <a:t>void </a:t>
+            </a:r>
+            <a:r>
+              <a:rPr lang="en-US" sz="2000" dirty="0" err="1"/>
+              <a:t>applyBrakes</a:t>
+            </a:r>
+            <a:r>
+              <a:rPr lang="en-US" sz="2000" dirty="0"/>
+              <a:t>() {</a:t>
+            </a:r>
+          </a:p>
+          <a:p>
+            <a:r>
+              <a:rPr lang="en-US" sz="2000" dirty="0"/>
+              <a:t>    // the "if" clause: bicycle must be moving</a:t>
+            </a:r>
+          </a:p>
+          <a:p>
+            <a:r>
+              <a:rPr lang="en-US" sz="2000" dirty="0"/>
+              <a:t>    if (</a:t>
+            </a:r>
+            <a:r>
+              <a:rPr lang="en-US" sz="2000" dirty="0" err="1"/>
+              <a:t>isMoving</a:t>
+            </a:r>
+            <a:r>
+              <a:rPr lang="en-US" sz="2000" dirty="0"/>
+              <a:t>){ </a:t>
+            </a:r>
+          </a:p>
+          <a:p>
+            <a:r>
+              <a:rPr lang="en-US" sz="2000" dirty="0"/>
+              <a:t>        // the "then" clause: decrease current speed</a:t>
+            </a:r>
+          </a:p>
+          <a:p>
+            <a:r>
+              <a:rPr lang="en-US" sz="2000" dirty="0"/>
+              <a:t>        </a:t>
+            </a:r>
+            <a:r>
+              <a:rPr lang="en-US" sz="2000" dirty="0" err="1"/>
+              <a:t>currentSpeed</a:t>
+            </a:r>
+            <a:r>
+              <a:rPr lang="en-US" sz="2000" dirty="0"/>
+              <a:t>--;</a:t>
+            </a:r>
+          </a:p>
+          <a:p>
+            <a:r>
+              <a:rPr lang="en-US" sz="2000" dirty="0"/>
+              <a:t>    }</a:t>
+            </a:r>
+          </a:p>
+          <a:p>
+            <a:r>
+              <a:rPr lang="en-US" sz="2800" dirty="0"/>
+              <a:t>}</a:t>
+            </a:r>
+            <a:endParaRPr lang="en-US" sz="2800" dirty="0" smtClean="0"/>
+          </a:p>
+          <a:p>
+            <a:endParaRPr lang="en-US" dirty="0"/>
+          </a:p>
+          <a:p>
+            <a:endParaRPr lang="en-US" dirty="0" smtClean="0"/>
+          </a:p>
+          <a:p>
+            <a:endParaRPr lang="en-US" dirty="0"/>
+          </a:p>
+          <a:p>
+            <a:endParaRPr lang="en-US" dirty="0"/>
+          </a:p>
+        </p:txBody>
+      </p:sp>
+    </p:spTree>
+    <p:extLst>
+      <p:ext uri="{BB962C8B-B14F-4D97-AF65-F5344CB8AC3E}">
+        <p14:creationId xmlns:p14="http://schemas.microsoft.com/office/powerpoint/2010/main" val="3627802878"/>
+      </p:ext>
+    </p:extLst>
+  </p:cSld>
+  <p:clrMapOvr>
+    <a:masterClrMapping/>
+  </p:clrMapOvr>
+  <p:timing>
+    <p:tnLst>
+      <p:par>
+        <p:cTn id="1" dur="indefinite" restart="never" nodeType="tmRoot"/>
+      </p:par>
+    </p:tnLst>
+  </p:timing>
+</p:sld>
+</file>
+
+<file path=ppt/slides/slide37.xml><?xml version="1.0" encoding="utf-8"?>
+<p:sld xmlns:a="http://schemas.openxmlformats.org/drawingml/2006/main" xmlns:r="http://schemas.openxmlformats.org/officeDocument/2006/relationships" xmlns:p="http://schemas.openxmlformats.org/presentationml/2006/main">
+  <p:cSld>
+    <p:spTree>
+      <p:nvGrpSpPr>
+        <p:cNvPr id="1" name=""/>
+        <p:cNvGrpSpPr/>
+        <p:nvPr/>
+      </p:nvGrpSpPr>
+      <p:grpSpPr>
+        <a:xfrm>
+          <a:off x="0" y="0"/>
+          <a:ext cx="0" cy="0"/>
+          <a:chOff x="0" y="0"/>
+          <a:chExt cx="0" cy="0"/>
+        </a:xfrm>
+      </p:grpSpPr>
+      <p:sp>
+        <p:nvSpPr>
+          <p:cNvPr id="2" name="Title 1"/>
+          <p:cNvSpPr>
+            <a:spLocks noGrp="1"/>
+          </p:cNvSpPr>
+          <p:nvPr>
+            <p:ph type="title"/>
+          </p:nvPr>
+        </p:nvSpPr>
+        <p:spPr/>
+        <p:txBody>
+          <a:bodyPr/>
+          <a:lstStyle/>
+          <a:p>
+            <a:r>
+              <a:rPr lang="en-US" dirty="0" smtClean="0"/>
+              <a:t>Language basics- </a:t>
+            </a:r>
+            <a:r>
+              <a:rPr lang="en-US" dirty="0" smtClean="0"/>
+              <a:t>control flow statements</a:t>
+            </a:r>
+            <a:endParaRPr lang="en-US" dirty="0"/>
+          </a:p>
+        </p:txBody>
+      </p:sp>
+      <p:sp>
+        <p:nvSpPr>
+          <p:cNvPr id="6" name="TextBox 5"/>
+          <p:cNvSpPr txBox="1"/>
+          <p:nvPr/>
+        </p:nvSpPr>
+        <p:spPr>
+          <a:xfrm>
+            <a:off x="746975" y="2099256"/>
+            <a:ext cx="6645498" cy="646331"/>
+          </a:xfrm>
+          <a:prstGeom prst="rect">
+            <a:avLst/>
+          </a:prstGeom>
+          <a:noFill/>
+        </p:spPr>
+        <p:txBody>
+          <a:bodyPr wrap="square" rtlCol="0">
+            <a:spAutoFit/>
+          </a:bodyPr>
+          <a:lstStyle/>
+          <a:p>
+            <a:endParaRPr lang="en-US" b="1" dirty="0" smtClean="0"/>
+          </a:p>
+          <a:p>
+            <a:endParaRPr lang="en-US" dirty="0"/>
+          </a:p>
+        </p:txBody>
+      </p:sp>
+      <p:sp>
+        <p:nvSpPr>
+          <p:cNvPr id="4" name="AutoShape 8" descr="http://www.penjee.com/programming/wp-content/uploads/2014/05/parameter-vs-argument-diagram.png"/>
+          <p:cNvSpPr>
+            <a:spLocks noChangeAspect="1" noChangeArrowheads="1"/>
+          </p:cNvSpPr>
+          <p:nvPr/>
+        </p:nvSpPr>
+        <p:spPr bwMode="auto">
+          <a:xfrm>
+            <a:off x="155575" y="-144463"/>
+            <a:ext cx="304800" cy="304801"/>
+          </a:xfrm>
+          <a:prstGeom prst="rect">
+            <a:avLst/>
+          </a:prstGeom>
+          <a:noFill/>
+          <a:extLst>
+            <a:ext uri="{909E8E84-426E-40DD-AFC4-6F175D3DCCD1}">
+              <a14:hiddenFill xmlns:a14="http://schemas.microsoft.com/office/drawing/2010/main">
+                <a:solidFill>
+                  <a:srgbClr val="FFFFFF"/>
+                </a:solidFill>
+              </a14:hiddenFill>
+            </a:ext>
+          </a:extLst>
+        </p:spPr>
+        <p:txBody>
+          <a:bodyPr vert="horz" wrap="square" lIns="91440" tIns="45720" rIns="91440" bIns="45720" numCol="1" anchor="t" anchorCtr="0" compatLnSpc="1">
+            <a:prstTxWarp prst="textNoShape">
+              <a:avLst/>
+            </a:prstTxWarp>
+          </a:bodyPr>
+          <a:lstStyle/>
+          <a:p>
+            <a:endParaRPr lang="en-US"/>
+          </a:p>
+        </p:txBody>
+      </p:sp>
+      <p:sp>
+        <p:nvSpPr>
+          <p:cNvPr id="5" name="TextBox 4"/>
+          <p:cNvSpPr txBox="1"/>
+          <p:nvPr/>
+        </p:nvSpPr>
+        <p:spPr>
+          <a:xfrm>
+            <a:off x="746975" y="2099256"/>
+            <a:ext cx="7662929" cy="4278094"/>
+          </a:xfrm>
+          <a:prstGeom prst="rect">
+            <a:avLst/>
+          </a:prstGeom>
+          <a:noFill/>
+        </p:spPr>
+        <p:txBody>
+          <a:bodyPr wrap="square" rtlCol="0">
+            <a:spAutoFit/>
+          </a:bodyPr>
+          <a:lstStyle/>
+          <a:p>
+            <a:r>
+              <a:rPr lang="en-US" sz="3200" b="1" u="sng" dirty="0" smtClean="0"/>
+              <a:t>If-then-else</a:t>
+            </a:r>
+          </a:p>
+          <a:p>
+            <a:r>
+              <a:rPr lang="en-US" sz="2400" dirty="0"/>
+              <a:t>void </a:t>
+            </a:r>
+            <a:r>
+              <a:rPr lang="en-US" sz="2400" dirty="0" err="1"/>
+              <a:t>applyBrakes</a:t>
+            </a:r>
+            <a:r>
+              <a:rPr lang="en-US" sz="2400" dirty="0"/>
+              <a:t>() {</a:t>
+            </a:r>
+          </a:p>
+          <a:p>
+            <a:r>
+              <a:rPr lang="en-US" sz="2400" dirty="0"/>
+              <a:t>    if (</a:t>
+            </a:r>
+            <a:r>
+              <a:rPr lang="en-US" sz="2400" dirty="0" err="1"/>
+              <a:t>isMoving</a:t>
+            </a:r>
+            <a:r>
+              <a:rPr lang="en-US" sz="2400" dirty="0"/>
+              <a:t>) {</a:t>
+            </a:r>
+          </a:p>
+          <a:p>
+            <a:r>
+              <a:rPr lang="en-US" sz="2400" dirty="0"/>
+              <a:t>        </a:t>
+            </a:r>
+            <a:r>
+              <a:rPr lang="en-US" sz="2400" dirty="0" err="1"/>
+              <a:t>currentSpeed</a:t>
+            </a:r>
+            <a:r>
+              <a:rPr lang="en-US" sz="2400" dirty="0"/>
+              <a:t>--;</a:t>
+            </a:r>
+          </a:p>
+          <a:p>
+            <a:r>
+              <a:rPr lang="en-US" sz="2400" dirty="0"/>
+              <a:t>    } else {</a:t>
+            </a:r>
+          </a:p>
+          <a:p>
+            <a:r>
+              <a:rPr lang="en-US" sz="2400" dirty="0"/>
+              <a:t>        </a:t>
+            </a:r>
+            <a:r>
+              <a:rPr lang="en-US" sz="2400" dirty="0" err="1"/>
+              <a:t>System.err.println</a:t>
+            </a:r>
+            <a:r>
+              <a:rPr lang="en-US" sz="2400" dirty="0"/>
+              <a:t>("The bicycle has already stopped!");</a:t>
+            </a:r>
+          </a:p>
+          <a:p>
+            <a:r>
+              <a:rPr lang="en-US" sz="2400" dirty="0"/>
+              <a:t>    } </a:t>
+            </a:r>
+          </a:p>
+          <a:p>
+            <a:r>
+              <a:rPr lang="en-US" sz="2400" dirty="0"/>
+              <a:t>}</a:t>
+            </a:r>
+            <a:endParaRPr lang="en-US" sz="2400" dirty="0" smtClean="0"/>
+          </a:p>
+          <a:p>
+            <a:endParaRPr lang="en-US" dirty="0"/>
+          </a:p>
+          <a:p>
+            <a:r>
+              <a:rPr lang="en-US" sz="2000" b="1" dirty="0" smtClean="0"/>
+              <a:t>Lab7.1 : </a:t>
+            </a:r>
+            <a:r>
+              <a:rPr lang="en-US" sz="2000" dirty="0"/>
+              <a:t>Demonstration of If Else control flow statements</a:t>
+            </a:r>
+            <a:endParaRPr lang="en-US" sz="2000" dirty="0" smtClean="0"/>
+          </a:p>
+          <a:p>
+            <a:endParaRPr lang="en-US" dirty="0"/>
+          </a:p>
+          <a:p>
+            <a:endParaRPr lang="en-US" dirty="0"/>
+          </a:p>
+        </p:txBody>
+      </p:sp>
+    </p:spTree>
+    <p:extLst>
+      <p:ext uri="{BB962C8B-B14F-4D97-AF65-F5344CB8AC3E}">
+        <p14:creationId xmlns:p14="http://schemas.microsoft.com/office/powerpoint/2010/main" val="1700689954"/>
+      </p:ext>
+    </p:extLst>
+  </p:cSld>
+  <p:clrMapOvr>
+    <a:masterClrMapping/>
+  </p:clrMapOvr>
+  <p:timing>
+    <p:tnLst>
+      <p:par>
+        <p:cTn id="1" dur="indefinite" restart="never" nodeType="tmRoot"/>
+      </p:par>
+    </p:tnLst>
+  </p:timing>
+</p:sld>
+</file>
+
+<file path=ppt/slides/slide38.xml><?xml version="1.0" encoding="utf-8"?>
+<p:sld xmlns:a="http://schemas.openxmlformats.org/drawingml/2006/main" xmlns:r="http://schemas.openxmlformats.org/officeDocument/2006/relationships" xmlns:p="http://schemas.openxmlformats.org/presentationml/2006/main">
+  <p:cSld>
+    <p:spTree>
+      <p:nvGrpSpPr>
+        <p:cNvPr id="1" name=""/>
+        <p:cNvGrpSpPr/>
+        <p:nvPr/>
+      </p:nvGrpSpPr>
+      <p:grpSpPr>
+        <a:xfrm>
+          <a:off x="0" y="0"/>
+          <a:ext cx="0" cy="0"/>
+          <a:chOff x="0" y="0"/>
+          <a:chExt cx="0" cy="0"/>
+        </a:xfrm>
+      </p:grpSpPr>
+      <p:sp>
+        <p:nvSpPr>
+          <p:cNvPr id="2" name="Title 1"/>
+          <p:cNvSpPr>
+            <a:spLocks noGrp="1"/>
+          </p:cNvSpPr>
+          <p:nvPr>
+            <p:ph type="title"/>
+          </p:nvPr>
+        </p:nvSpPr>
+        <p:spPr/>
+        <p:txBody>
+          <a:bodyPr/>
+          <a:lstStyle/>
+          <a:p>
+            <a:r>
+              <a:rPr lang="en-US" dirty="0" smtClean="0"/>
+              <a:t>Language basics- </a:t>
+            </a:r>
+            <a:r>
+              <a:rPr lang="en-US" dirty="0" smtClean="0"/>
+              <a:t>control flow statements</a:t>
+            </a:r>
+            <a:endParaRPr lang="en-US" dirty="0"/>
+          </a:p>
+        </p:txBody>
+      </p:sp>
+      <p:sp>
+        <p:nvSpPr>
+          <p:cNvPr id="6" name="TextBox 5"/>
+          <p:cNvSpPr txBox="1"/>
+          <p:nvPr/>
+        </p:nvSpPr>
+        <p:spPr>
+          <a:xfrm>
+            <a:off x="746975" y="2099256"/>
+            <a:ext cx="6645498" cy="646331"/>
+          </a:xfrm>
+          <a:prstGeom prst="rect">
+            <a:avLst/>
+          </a:prstGeom>
+          <a:noFill/>
+        </p:spPr>
+        <p:txBody>
+          <a:bodyPr wrap="square" rtlCol="0">
+            <a:spAutoFit/>
+          </a:bodyPr>
+          <a:lstStyle/>
+          <a:p>
+            <a:endParaRPr lang="en-US" b="1" dirty="0" smtClean="0"/>
+          </a:p>
+          <a:p>
+            <a:endParaRPr lang="en-US" dirty="0"/>
+          </a:p>
+        </p:txBody>
+      </p:sp>
+      <p:sp>
+        <p:nvSpPr>
+          <p:cNvPr id="4" name="AutoShape 8" descr="http://www.penjee.com/programming/wp-content/uploads/2014/05/parameter-vs-argument-diagram.png"/>
+          <p:cNvSpPr>
+            <a:spLocks noChangeAspect="1" noChangeArrowheads="1"/>
+          </p:cNvSpPr>
+          <p:nvPr/>
+        </p:nvSpPr>
+        <p:spPr bwMode="auto">
+          <a:xfrm>
+            <a:off x="155575" y="-144463"/>
+            <a:ext cx="304800" cy="304801"/>
+          </a:xfrm>
+          <a:prstGeom prst="rect">
+            <a:avLst/>
+          </a:prstGeom>
+          <a:noFill/>
+          <a:extLst>
+            <a:ext uri="{909E8E84-426E-40DD-AFC4-6F175D3DCCD1}">
+              <a14:hiddenFill xmlns:a14="http://schemas.microsoft.com/office/drawing/2010/main">
+                <a:solidFill>
+                  <a:srgbClr val="FFFFFF"/>
+                </a:solidFill>
+              </a14:hiddenFill>
+            </a:ext>
+          </a:extLst>
+        </p:spPr>
+        <p:txBody>
+          <a:bodyPr vert="horz" wrap="square" lIns="91440" tIns="45720" rIns="91440" bIns="45720" numCol="1" anchor="t" anchorCtr="0" compatLnSpc="1">
+            <a:prstTxWarp prst="textNoShape">
+              <a:avLst/>
+            </a:prstTxWarp>
+          </a:bodyPr>
+          <a:lstStyle/>
+          <a:p>
+            <a:endParaRPr lang="en-US"/>
+          </a:p>
+        </p:txBody>
+      </p:sp>
+      <p:sp>
+        <p:nvSpPr>
+          <p:cNvPr id="5" name="TextBox 4"/>
+          <p:cNvSpPr txBox="1"/>
+          <p:nvPr/>
+        </p:nvSpPr>
+        <p:spPr>
+          <a:xfrm>
+            <a:off x="460375" y="1792936"/>
+            <a:ext cx="10908405" cy="5355312"/>
+          </a:xfrm>
+          <a:prstGeom prst="rect">
+            <a:avLst/>
+          </a:prstGeom>
+          <a:noFill/>
+        </p:spPr>
+        <p:txBody>
+          <a:bodyPr wrap="square" rtlCol="0">
+            <a:spAutoFit/>
+          </a:bodyPr>
+          <a:lstStyle/>
+          <a:p>
+            <a:r>
+              <a:rPr lang="en-US" sz="2400" b="1" u="sng" dirty="0" smtClean="0"/>
+              <a:t>Switch Statement:</a:t>
+            </a:r>
+          </a:p>
+          <a:p>
+            <a:pPr marL="342900" indent="-342900">
+              <a:buFont typeface="Arial" panose="020B0604020202020204" pitchFamily="34" charset="0"/>
+              <a:buChar char="•"/>
+            </a:pPr>
+            <a:r>
+              <a:rPr lang="en-US" sz="2000" dirty="0"/>
+              <a:t>Switch statement can have a number of possible execution paths. </a:t>
+            </a:r>
+            <a:endParaRPr lang="en-US" sz="2000" dirty="0" smtClean="0"/>
+          </a:p>
+          <a:p>
+            <a:pPr marL="342900" indent="-342900">
+              <a:buFont typeface="Arial" panose="020B0604020202020204" pitchFamily="34" charset="0"/>
+              <a:buChar char="•"/>
+            </a:pPr>
+            <a:r>
+              <a:rPr lang="en-US" sz="2000" dirty="0" smtClean="0"/>
+              <a:t>Works with </a:t>
+            </a:r>
+            <a:r>
+              <a:rPr lang="en-US" sz="2000" dirty="0"/>
+              <a:t>the byte, short, char, and </a:t>
+            </a:r>
+            <a:r>
+              <a:rPr lang="en-US" sz="2000" dirty="0" err="1"/>
+              <a:t>int</a:t>
+            </a:r>
+            <a:r>
+              <a:rPr lang="en-US" sz="2000" dirty="0"/>
+              <a:t> primitive data types. It also works with enumerated </a:t>
+            </a:r>
+            <a:r>
+              <a:rPr lang="en-US" sz="2000" dirty="0" smtClean="0"/>
+              <a:t>types, </a:t>
+            </a:r>
+            <a:r>
+              <a:rPr lang="en-US" sz="2000" dirty="0"/>
+              <a:t>the String class, and a few special classes that wrap certain primitive types: Character, Byte, Short, and Integer </a:t>
+            </a:r>
+            <a:r>
+              <a:rPr lang="en-US" sz="2000" dirty="0" smtClean="0"/>
+              <a:t>.</a:t>
+            </a:r>
+          </a:p>
+          <a:p>
+            <a:pPr marL="342900" indent="-342900">
+              <a:buFont typeface="Arial" panose="020B0604020202020204" pitchFamily="34" charset="0"/>
+              <a:buChar char="•"/>
+            </a:pPr>
+            <a:r>
+              <a:rPr lang="en-US" sz="2000" dirty="0"/>
+              <a:t>All statements after the matching case label are executed in sequence, regardless of the expression of subsequent case labels, until a break statement is encountered</a:t>
+            </a:r>
+            <a:endParaRPr lang="en-US" sz="2000" dirty="0" smtClean="0"/>
+          </a:p>
+          <a:p>
+            <a:pPr lvl="1"/>
+            <a:r>
+              <a:rPr lang="en-US" u="sng" dirty="0" smtClean="0"/>
+              <a:t>Ex: </a:t>
+            </a:r>
+            <a:r>
+              <a:rPr lang="en-US" dirty="0" smtClean="0"/>
+              <a:t>switch </a:t>
+            </a:r>
+            <a:r>
+              <a:rPr lang="en-US" dirty="0"/>
+              <a:t>(month) {</a:t>
+            </a:r>
+          </a:p>
+          <a:p>
+            <a:pPr lvl="1"/>
+            <a:r>
+              <a:rPr lang="en-US" dirty="0"/>
+              <a:t>            case 1:  </a:t>
+            </a:r>
+            <a:r>
+              <a:rPr lang="en-US" dirty="0" err="1"/>
+              <a:t>monthString</a:t>
+            </a:r>
+            <a:r>
+              <a:rPr lang="en-US" dirty="0"/>
+              <a:t> = "January";</a:t>
+            </a:r>
+          </a:p>
+          <a:p>
+            <a:pPr lvl="1"/>
+            <a:r>
+              <a:rPr lang="en-US" dirty="0"/>
+              <a:t>                     break;</a:t>
+            </a:r>
+          </a:p>
+          <a:p>
+            <a:pPr lvl="1"/>
+            <a:r>
+              <a:rPr lang="en-US" dirty="0"/>
+              <a:t>            case 2:  </a:t>
+            </a:r>
+            <a:r>
+              <a:rPr lang="en-US" dirty="0" err="1"/>
+              <a:t>monthString</a:t>
+            </a:r>
+            <a:r>
+              <a:rPr lang="en-US" dirty="0"/>
+              <a:t> = "February";</a:t>
+            </a:r>
+          </a:p>
+          <a:p>
+            <a:pPr lvl="1"/>
+            <a:r>
+              <a:rPr lang="en-US" dirty="0"/>
+              <a:t>                     break;</a:t>
+            </a:r>
+          </a:p>
+          <a:p>
+            <a:pPr lvl="1"/>
+            <a:r>
+              <a:rPr lang="en-US" dirty="0"/>
+              <a:t>			............</a:t>
+            </a:r>
+          </a:p>
+          <a:p>
+            <a:pPr lvl="1"/>
+            <a:r>
+              <a:rPr lang="en-US" dirty="0"/>
+              <a:t>			default: </a:t>
+            </a:r>
+            <a:r>
+              <a:rPr lang="en-US" dirty="0" err="1"/>
+              <a:t>monthString</a:t>
+            </a:r>
+            <a:r>
+              <a:rPr lang="en-US" dirty="0"/>
+              <a:t> = "Invalid month";</a:t>
+            </a:r>
+          </a:p>
+          <a:p>
+            <a:pPr lvl="1"/>
+            <a:r>
+              <a:rPr lang="en-US" dirty="0"/>
+              <a:t>                     break;</a:t>
+            </a:r>
+          </a:p>
+          <a:p>
+            <a:pPr lvl="1"/>
+            <a:r>
+              <a:rPr lang="en-US" dirty="0" smtClean="0"/>
+              <a:t>}</a:t>
+            </a:r>
+            <a:r>
+              <a:rPr lang="en-US" sz="1600" dirty="0"/>
+              <a:t>	</a:t>
+            </a:r>
+            <a:endParaRPr lang="en-US" dirty="0"/>
+          </a:p>
+          <a:p>
+            <a:endParaRPr lang="en-US" dirty="0"/>
+          </a:p>
+          <a:p>
+            <a:endParaRPr lang="en-US" dirty="0"/>
+          </a:p>
+        </p:txBody>
+      </p:sp>
+    </p:spTree>
+    <p:extLst>
+      <p:ext uri="{BB962C8B-B14F-4D97-AF65-F5344CB8AC3E}">
+        <p14:creationId xmlns:p14="http://schemas.microsoft.com/office/powerpoint/2010/main" val="3953621253"/>
+      </p:ext>
+    </p:extLst>
+  </p:cSld>
+  <p:clrMapOvr>
+    <a:masterClrMapping/>
+  </p:clrMapOvr>
+  <p:timing>
+    <p:tnLst>
+      <p:par>
+        <p:cTn id="1" dur="indefinite" restart="never" nodeType="tmRoot"/>
+      </p:par>
+    </p:tnLst>
+  </p:timing>
+</p:sld>
+</file>
+
+<file path=ppt/slides/slide39.xml><?xml version="1.0" encoding="utf-8"?>
+<p:sld xmlns:a="http://schemas.openxmlformats.org/drawingml/2006/main" xmlns:r="http://schemas.openxmlformats.org/officeDocument/2006/relationships" xmlns:p="http://schemas.openxmlformats.org/presentationml/2006/main">
+  <p:cSld>
+    <p:spTree>
+      <p:nvGrpSpPr>
+        <p:cNvPr id="1" name=""/>
+        <p:cNvGrpSpPr/>
+        <p:nvPr/>
+      </p:nvGrpSpPr>
+      <p:grpSpPr>
+        <a:xfrm>
+          <a:off x="0" y="0"/>
+          <a:ext cx="0" cy="0"/>
+          <a:chOff x="0" y="0"/>
+          <a:chExt cx="0" cy="0"/>
+        </a:xfrm>
+      </p:grpSpPr>
+      <p:sp>
+        <p:nvSpPr>
+          <p:cNvPr id="2" name="Title 1"/>
+          <p:cNvSpPr>
+            <a:spLocks noGrp="1"/>
+          </p:cNvSpPr>
+          <p:nvPr>
+            <p:ph type="title"/>
+          </p:nvPr>
+        </p:nvSpPr>
+        <p:spPr/>
+        <p:txBody>
+          <a:bodyPr/>
+          <a:lstStyle/>
+          <a:p>
+            <a:r>
+              <a:rPr lang="en-US" dirty="0" smtClean="0"/>
+              <a:t>Language basics- </a:t>
+            </a:r>
+            <a:r>
+              <a:rPr lang="en-US" dirty="0" smtClean="0"/>
+              <a:t>control flow statements</a:t>
+            </a:r>
+            <a:endParaRPr lang="en-US" dirty="0"/>
+          </a:p>
+        </p:txBody>
+      </p:sp>
+      <p:sp>
+        <p:nvSpPr>
+          <p:cNvPr id="6" name="TextBox 5"/>
+          <p:cNvSpPr txBox="1"/>
+          <p:nvPr/>
+        </p:nvSpPr>
+        <p:spPr>
+          <a:xfrm>
+            <a:off x="746975" y="2099256"/>
+            <a:ext cx="6645498" cy="646331"/>
+          </a:xfrm>
+          <a:prstGeom prst="rect">
+            <a:avLst/>
+          </a:prstGeom>
+          <a:noFill/>
+        </p:spPr>
+        <p:txBody>
+          <a:bodyPr wrap="square" rtlCol="0">
+            <a:spAutoFit/>
+          </a:bodyPr>
+          <a:lstStyle/>
+          <a:p>
+            <a:endParaRPr lang="en-US" b="1" dirty="0" smtClean="0"/>
+          </a:p>
+          <a:p>
+            <a:endParaRPr lang="en-US" dirty="0"/>
+          </a:p>
+        </p:txBody>
+      </p:sp>
+      <p:sp>
+        <p:nvSpPr>
+          <p:cNvPr id="4" name="AutoShape 8" descr="http://www.penjee.com/programming/wp-content/uploads/2014/05/parameter-vs-argument-diagram.png"/>
+          <p:cNvSpPr>
+            <a:spLocks noChangeAspect="1" noChangeArrowheads="1"/>
+          </p:cNvSpPr>
+          <p:nvPr/>
+        </p:nvSpPr>
+        <p:spPr bwMode="auto">
+          <a:xfrm>
+            <a:off x="155575" y="-144463"/>
+            <a:ext cx="304800" cy="304801"/>
+          </a:xfrm>
+          <a:prstGeom prst="rect">
+            <a:avLst/>
+          </a:prstGeom>
+          <a:noFill/>
+          <a:extLst>
+            <a:ext uri="{909E8E84-426E-40DD-AFC4-6F175D3DCCD1}">
+              <a14:hiddenFill xmlns:a14="http://schemas.microsoft.com/office/drawing/2010/main">
+                <a:solidFill>
+                  <a:srgbClr val="FFFFFF"/>
+                </a:solidFill>
+              </a14:hiddenFill>
+            </a:ext>
+          </a:extLst>
+        </p:spPr>
+        <p:txBody>
+          <a:bodyPr vert="horz" wrap="square" lIns="91440" tIns="45720" rIns="91440" bIns="45720" numCol="1" anchor="t" anchorCtr="0" compatLnSpc="1">
+            <a:prstTxWarp prst="textNoShape">
+              <a:avLst/>
+            </a:prstTxWarp>
+          </a:bodyPr>
+          <a:lstStyle/>
+          <a:p>
+            <a:endParaRPr lang="en-US"/>
+          </a:p>
+        </p:txBody>
+      </p:sp>
+      <p:sp>
+        <p:nvSpPr>
+          <p:cNvPr id="5" name="TextBox 4"/>
+          <p:cNvSpPr txBox="1"/>
+          <p:nvPr/>
+        </p:nvSpPr>
+        <p:spPr>
+          <a:xfrm>
+            <a:off x="460375" y="1792936"/>
+            <a:ext cx="10908405" cy="2985433"/>
+          </a:xfrm>
+          <a:prstGeom prst="rect">
+            <a:avLst/>
+          </a:prstGeom>
+          <a:noFill/>
+        </p:spPr>
+        <p:txBody>
+          <a:bodyPr wrap="square" rtlCol="0">
+            <a:spAutoFit/>
+          </a:bodyPr>
+          <a:lstStyle/>
+          <a:p>
+            <a:r>
+              <a:rPr lang="en-US" sz="3200" b="1" u="sng" dirty="0" smtClean="0"/>
+              <a:t>Switch Statement:</a:t>
+            </a:r>
+          </a:p>
+          <a:p>
+            <a:endParaRPr lang="en-US" sz="2400" b="1" u="sng" dirty="0" smtClean="0"/>
+          </a:p>
+          <a:p>
+            <a:r>
+              <a:rPr lang="en-US" sz="2400" dirty="0"/>
+              <a:t>Lab7.2 : Demonstration of switch control flow statements</a:t>
+            </a:r>
+          </a:p>
+          <a:p>
+            <a:endParaRPr lang="en-US" sz="2400" dirty="0" smtClean="0"/>
+          </a:p>
+          <a:p>
+            <a:r>
+              <a:rPr lang="en-US" sz="2400" dirty="0" smtClean="0"/>
+              <a:t>Lab7.3</a:t>
+            </a:r>
+            <a:r>
+              <a:rPr lang="en-US" sz="2400" dirty="0"/>
+              <a:t>: Demonstration of Switch control flow statements without break statement</a:t>
+            </a:r>
+            <a:endParaRPr lang="en-US" sz="2400" dirty="0" smtClean="0"/>
+          </a:p>
+          <a:p>
+            <a:endParaRPr lang="en-US" sz="2400" b="1" u="sng" dirty="0" smtClean="0"/>
+          </a:p>
+          <a:p>
+            <a:endParaRPr lang="en-US" dirty="0"/>
+          </a:p>
+          <a:p>
+            <a:endParaRPr lang="en-US" dirty="0"/>
+          </a:p>
+        </p:txBody>
+      </p:sp>
+    </p:spTree>
+    <p:extLst>
+      <p:ext uri="{BB962C8B-B14F-4D97-AF65-F5344CB8AC3E}">
+        <p14:creationId xmlns:p14="http://schemas.microsoft.com/office/powerpoint/2010/main" val="274546073"/>
+      </p:ext>
+    </p:extLst>
+  </p:cSld>
+  <p:clrMapOvr>
+    <a:masterClrMapping/>
+  </p:clrMapOvr>
+  <p:timing>
+    <p:tnLst>
+      <p:par>
+        <p:cTn id="1" dur="indefinite" restart="never" nodeType="tmRoot"/>
+      </p:par>
+    </p:tnLst>
+  </p:timing>
+</p:sld>
+</file>
+
+<file path=ppt/slides/slide4.xml><?xml version="1.0" encoding="utf-8"?>
+<p:sld xmlns:a="http://schemas.openxmlformats.org/drawingml/2006/main" xmlns:r="http://schemas.openxmlformats.org/officeDocument/2006/relationships" xmlns:p="http://schemas.openxmlformats.org/presentationml/2006/main">
+  <p:cSld>
+    <p:spTree>
+      <p:nvGrpSpPr>
+        <p:cNvPr id="1" name=""/>
+        <p:cNvGrpSpPr/>
+        <p:nvPr/>
+      </p:nvGrpSpPr>
+      <p:grpSpPr>
+        <a:xfrm>
+          <a:off x="0" y="0"/>
+          <a:ext cx="0" cy="0"/>
+          <a:chOff x="0" y="0"/>
+          <a:chExt cx="0" cy="0"/>
+        </a:xfrm>
+      </p:grpSpPr>
+      <p:sp>
+        <p:nvSpPr>
+          <p:cNvPr id="2" name="Title 1"/>
+          <p:cNvSpPr>
+            <a:spLocks noGrp="1"/>
+          </p:cNvSpPr>
+          <p:nvPr>
+            <p:ph type="title"/>
+          </p:nvPr>
+        </p:nvSpPr>
+        <p:spPr/>
+        <p:txBody>
+          <a:bodyPr/>
+          <a:lstStyle/>
+          <a:p>
+            <a:r>
+              <a:rPr lang="en-US" dirty="0" smtClean="0"/>
+              <a:t>Java platform</a:t>
+            </a:r>
+            <a:endParaRPr lang="en-US" dirty="0"/>
+          </a:p>
+        </p:txBody>
+      </p:sp>
+      <p:sp>
+        <p:nvSpPr>
+          <p:cNvPr id="3" name="Content Placeholder 2"/>
+          <p:cNvSpPr>
+            <a:spLocks noGrp="1"/>
+          </p:cNvSpPr>
+          <p:nvPr>
+            <p:ph idx="1"/>
+          </p:nvPr>
+        </p:nvSpPr>
+        <p:spPr/>
+        <p:txBody>
+          <a:bodyPr/>
+          <a:lstStyle/>
+          <a:p>
+            <a:endParaRPr lang="en-US" dirty="0" smtClean="0"/>
+          </a:p>
+          <a:p>
+            <a:endParaRPr lang="en-US" dirty="0"/>
+          </a:p>
+          <a:p>
+            <a:endParaRPr lang="en-US" dirty="0" smtClean="0"/>
+          </a:p>
+          <a:p>
+            <a:endParaRPr lang="en-US" dirty="0"/>
+          </a:p>
+          <a:p>
+            <a:endParaRPr lang="en-US" dirty="0" smtClean="0"/>
+          </a:p>
+          <a:p>
+            <a:endParaRPr lang="en-US" dirty="0"/>
+          </a:p>
+        </p:txBody>
+      </p:sp>
+      <p:pic>
+        <p:nvPicPr>
+          <p:cNvPr id="2050" name="Picture 1" descr="Figure showing MyProgram.java, compiler, MyProgram.class, Java VM, and My Program running on a computer."/>
+          <p:cNvPicPr>
+            <a:picLocks noChangeAspect="1" noChangeArrowheads="1"/>
+          </p:cNvPicPr>
+          <p:nvPr/>
+        </p:nvPicPr>
+        <p:blipFill>
+          <a:blip r:embed="rId2">
+            <a:extLst>
+              <a:ext uri="{28A0092B-C50C-407E-A947-70E740481C1C}">
+                <a14:useLocalDpi xmlns:a14="http://schemas.microsoft.com/office/drawing/2010/main" val="0"/>
+              </a:ext>
+            </a:extLst>
+          </a:blip>
+          <a:srcRect/>
+          <a:stretch>
+            <a:fillRect/>
+          </a:stretch>
+        </p:blipFill>
+        <p:spPr bwMode="auto">
+          <a:xfrm>
+            <a:off x="1048373" y="2192613"/>
+            <a:ext cx="8671877" cy="2037817"/>
+          </a:xfrm>
+          <a:prstGeom prst="rect">
+            <a:avLst/>
+          </a:prstGeom>
+          <a:noFill/>
+          <a:ln>
+            <a:noFill/>
+          </a:ln>
+          <a:extLst>
+            <a:ext uri="{909E8E84-426E-40DD-AFC4-6F175D3DCCD1}">
+              <a14:hiddenFill xmlns:a14="http://schemas.microsoft.com/office/drawing/2010/main">
+                <a:solidFill>
+                  <a:srgbClr val="FFFFFF"/>
+                </a:solidFill>
+              </a14:hiddenFill>
+            </a:ext>
+            <a:ext uri="{91240B29-F687-4F45-9708-019B960494DF}">
+              <a14:hiddenLine xmlns:a14="http://schemas.microsoft.com/office/drawing/2010/main" w="9525">
+                <a:solidFill>
+                  <a:srgbClr val="000000"/>
+                </a:solidFill>
+                <a:miter lim="800000"/>
+                <a:headEnd/>
+                <a:tailEnd/>
+              </a14:hiddenLine>
+            </a:ext>
+          </a:extLst>
+        </p:spPr>
+      </p:pic>
+      <p:sp>
+        <p:nvSpPr>
+          <p:cNvPr id="4" name="TextBox 3"/>
+          <p:cNvSpPr txBox="1"/>
+          <p:nvPr/>
+        </p:nvSpPr>
+        <p:spPr>
+          <a:xfrm>
+            <a:off x="1202920" y="4726546"/>
+            <a:ext cx="7425926" cy="1477328"/>
+          </a:xfrm>
+          <a:prstGeom prst="rect">
+            <a:avLst/>
+          </a:prstGeom>
+          <a:noFill/>
+        </p:spPr>
+        <p:txBody>
+          <a:bodyPr wrap="square" rtlCol="0">
+            <a:spAutoFit/>
+          </a:bodyPr>
+          <a:lstStyle/>
+          <a:p>
+            <a:pPr marL="285750" indent="-285750">
+              <a:buFont typeface="Arial" panose="020B0604020202020204" pitchFamily="34" charset="0"/>
+              <a:buChar char="•"/>
+            </a:pPr>
+            <a:r>
+              <a:rPr lang="en-US" dirty="0"/>
+              <a:t>A </a:t>
+            </a:r>
+            <a:r>
+              <a:rPr lang="en-US" i="1" dirty="0"/>
+              <a:t>platform</a:t>
+            </a:r>
+            <a:r>
+              <a:rPr lang="en-US" dirty="0"/>
+              <a:t> is the hardware or software environment in which a program runs. </a:t>
+            </a:r>
+            <a:endParaRPr lang="en-US" dirty="0" smtClean="0"/>
+          </a:p>
+          <a:p>
+            <a:pPr marL="285750" indent="-285750">
+              <a:buFont typeface="Arial" panose="020B0604020202020204" pitchFamily="34" charset="0"/>
+              <a:buChar char="•"/>
+            </a:pPr>
+            <a:r>
+              <a:rPr lang="en-US" dirty="0"/>
+              <a:t>The Java platform differs from most other platforms in that it's a software-only platform that runs on top of other hardware-based platforms</a:t>
+            </a:r>
+          </a:p>
+        </p:txBody>
+      </p:sp>
+    </p:spTree>
+    <p:extLst>
+      <p:ext uri="{BB962C8B-B14F-4D97-AF65-F5344CB8AC3E}">
+        <p14:creationId xmlns:p14="http://schemas.microsoft.com/office/powerpoint/2010/main" val="1155656445"/>
+      </p:ext>
+    </p:extLst>
+  </p:cSld>
+  <p:clrMapOvr>
+    <a:masterClrMapping/>
+  </p:clrMapOvr>
+  <p:timing>
+    <p:tnLst>
+      <p:par>
+        <p:cTn id="1" dur="indefinite" restart="never" nodeType="tmRoot"/>
+      </p:par>
+    </p:tnLst>
+  </p:timing>
+</p:sld>
+</file>
+
+<file path=ppt/slides/slide40.xml><?xml version="1.0" encoding="utf-8"?>
+<p:sld xmlns:a="http://schemas.openxmlformats.org/drawingml/2006/main" xmlns:r="http://schemas.openxmlformats.org/officeDocument/2006/relationships" xmlns:p="http://schemas.openxmlformats.org/presentationml/2006/main">
+  <p:cSld>
+    <p:spTree>
+      <p:nvGrpSpPr>
+        <p:cNvPr id="1" name=""/>
+        <p:cNvGrpSpPr/>
+        <p:nvPr/>
+      </p:nvGrpSpPr>
+      <p:grpSpPr>
+        <a:xfrm>
+          <a:off x="0" y="0"/>
+          <a:ext cx="0" cy="0"/>
+          <a:chOff x="0" y="0"/>
+          <a:chExt cx="0" cy="0"/>
+        </a:xfrm>
+      </p:grpSpPr>
+      <p:sp>
+        <p:nvSpPr>
+          <p:cNvPr id="2" name="Title 1"/>
+          <p:cNvSpPr>
+            <a:spLocks noGrp="1"/>
+          </p:cNvSpPr>
+          <p:nvPr>
+            <p:ph type="title"/>
+          </p:nvPr>
+        </p:nvSpPr>
+        <p:spPr/>
+        <p:txBody>
+          <a:bodyPr/>
+          <a:lstStyle/>
+          <a:p>
+            <a:r>
+              <a:rPr lang="en-US" dirty="0" smtClean="0"/>
+              <a:t>Language basics- </a:t>
+            </a:r>
+            <a:r>
+              <a:rPr lang="en-US" dirty="0" smtClean="0"/>
+              <a:t>control flow statements</a:t>
+            </a:r>
+            <a:endParaRPr lang="en-US" dirty="0"/>
+          </a:p>
+        </p:txBody>
+      </p:sp>
+      <p:sp>
+        <p:nvSpPr>
+          <p:cNvPr id="6" name="TextBox 5"/>
+          <p:cNvSpPr txBox="1"/>
+          <p:nvPr/>
+        </p:nvSpPr>
+        <p:spPr>
+          <a:xfrm>
+            <a:off x="746975" y="2099256"/>
+            <a:ext cx="6645498" cy="646331"/>
+          </a:xfrm>
+          <a:prstGeom prst="rect">
+            <a:avLst/>
+          </a:prstGeom>
+          <a:noFill/>
+        </p:spPr>
+        <p:txBody>
+          <a:bodyPr wrap="square" rtlCol="0">
+            <a:spAutoFit/>
+          </a:bodyPr>
+          <a:lstStyle/>
+          <a:p>
+            <a:endParaRPr lang="en-US" b="1" dirty="0" smtClean="0"/>
+          </a:p>
+          <a:p>
+            <a:endParaRPr lang="en-US" dirty="0"/>
+          </a:p>
+        </p:txBody>
+      </p:sp>
+      <p:sp>
+        <p:nvSpPr>
+          <p:cNvPr id="4" name="AutoShape 8" descr="http://www.penjee.com/programming/wp-content/uploads/2014/05/parameter-vs-argument-diagram.png"/>
+          <p:cNvSpPr>
+            <a:spLocks noChangeAspect="1" noChangeArrowheads="1"/>
+          </p:cNvSpPr>
+          <p:nvPr/>
+        </p:nvSpPr>
+        <p:spPr bwMode="auto">
+          <a:xfrm>
+            <a:off x="155575" y="-144463"/>
+            <a:ext cx="304800" cy="304801"/>
+          </a:xfrm>
+          <a:prstGeom prst="rect">
+            <a:avLst/>
+          </a:prstGeom>
+          <a:noFill/>
+          <a:extLst>
+            <a:ext uri="{909E8E84-426E-40DD-AFC4-6F175D3DCCD1}">
+              <a14:hiddenFill xmlns:a14="http://schemas.microsoft.com/office/drawing/2010/main">
+                <a:solidFill>
+                  <a:srgbClr val="FFFFFF"/>
+                </a:solidFill>
+              </a14:hiddenFill>
+            </a:ext>
+          </a:extLst>
+        </p:spPr>
+        <p:txBody>
+          <a:bodyPr vert="horz" wrap="square" lIns="91440" tIns="45720" rIns="91440" bIns="45720" numCol="1" anchor="t" anchorCtr="0" compatLnSpc="1">
+            <a:prstTxWarp prst="textNoShape">
+              <a:avLst/>
+            </a:prstTxWarp>
+          </a:bodyPr>
+          <a:lstStyle/>
+          <a:p>
+            <a:endParaRPr lang="en-US"/>
+          </a:p>
+        </p:txBody>
+      </p:sp>
+      <p:sp>
+        <p:nvSpPr>
+          <p:cNvPr id="5" name="TextBox 4"/>
+          <p:cNvSpPr txBox="1"/>
+          <p:nvPr/>
+        </p:nvSpPr>
+        <p:spPr>
+          <a:xfrm>
+            <a:off x="460375" y="1792936"/>
+            <a:ext cx="10908405" cy="5078313"/>
+          </a:xfrm>
+          <a:prstGeom prst="rect">
+            <a:avLst/>
+          </a:prstGeom>
+          <a:noFill/>
+        </p:spPr>
+        <p:txBody>
+          <a:bodyPr wrap="square" rtlCol="0">
+            <a:spAutoFit/>
+          </a:bodyPr>
+          <a:lstStyle/>
+          <a:p>
+            <a:r>
+              <a:rPr lang="en-US" sz="3200" b="1" u="sng" dirty="0"/>
+              <a:t>w</a:t>
+            </a:r>
+            <a:r>
+              <a:rPr lang="en-US" sz="3200" b="1" u="sng" dirty="0" smtClean="0"/>
+              <a:t>hile and do-while Statements:</a:t>
+            </a:r>
+          </a:p>
+          <a:p>
+            <a:endParaRPr lang="en-US" sz="3200" b="1" u="sng" dirty="0" smtClean="0"/>
+          </a:p>
+          <a:p>
+            <a:pPr lvl="2"/>
+            <a:r>
+              <a:rPr lang="en-US" sz="2800" dirty="0"/>
+              <a:t>while (expression) {</a:t>
+            </a:r>
+          </a:p>
+          <a:p>
+            <a:pPr lvl="2"/>
+            <a:r>
+              <a:rPr lang="en-US" sz="2800" dirty="0"/>
+              <a:t>     statement(s)</a:t>
+            </a:r>
+          </a:p>
+          <a:p>
+            <a:pPr lvl="2"/>
+            <a:r>
+              <a:rPr lang="en-US" sz="2800" dirty="0" smtClean="0"/>
+              <a:t>}</a:t>
+            </a:r>
+          </a:p>
+          <a:p>
+            <a:pPr lvl="2"/>
+            <a:endParaRPr lang="en-US" sz="2800" dirty="0"/>
+          </a:p>
+          <a:p>
+            <a:pPr lvl="2"/>
+            <a:endParaRPr lang="en-US" sz="2800" dirty="0" smtClean="0"/>
+          </a:p>
+          <a:p>
+            <a:pPr lvl="2"/>
+            <a:endParaRPr lang="en-US" dirty="0" smtClean="0"/>
+          </a:p>
+          <a:p>
+            <a:pPr lvl="2"/>
+            <a:r>
+              <a:rPr lang="en-US" sz="2800" dirty="0"/>
+              <a:t>do {</a:t>
+            </a:r>
+          </a:p>
+          <a:p>
+            <a:pPr lvl="2"/>
+            <a:r>
+              <a:rPr lang="en-US" sz="2800" dirty="0"/>
+              <a:t>     statement(s)</a:t>
+            </a:r>
+          </a:p>
+          <a:p>
+            <a:pPr lvl="2"/>
+            <a:r>
+              <a:rPr lang="en-US" sz="2800" dirty="0"/>
+              <a:t>} while (expression);</a:t>
+            </a:r>
+          </a:p>
+          <a:p>
+            <a:endParaRPr lang="en-US" dirty="0"/>
+          </a:p>
+        </p:txBody>
+      </p:sp>
+    </p:spTree>
+    <p:extLst>
+      <p:ext uri="{BB962C8B-B14F-4D97-AF65-F5344CB8AC3E}">
+        <p14:creationId xmlns:p14="http://schemas.microsoft.com/office/powerpoint/2010/main" val="899521119"/>
+      </p:ext>
+    </p:extLst>
+  </p:cSld>
+  <p:clrMapOvr>
+    <a:masterClrMapping/>
+  </p:clrMapOvr>
+  <p:timing>
+    <p:tnLst>
+      <p:par>
+        <p:cTn id="1" dur="indefinite" restart="never" nodeType="tmRoot"/>
+      </p:par>
+    </p:tnLst>
+  </p:timing>
+</p:sld>
+</file>
+
+<file path=ppt/slides/slide41.xml><?xml version="1.0" encoding="utf-8"?>
+<p:sld xmlns:a="http://schemas.openxmlformats.org/drawingml/2006/main" xmlns:r="http://schemas.openxmlformats.org/officeDocument/2006/relationships" xmlns:p="http://schemas.openxmlformats.org/presentationml/2006/main">
+  <p:cSld>
+    <p:spTree>
+      <p:nvGrpSpPr>
+        <p:cNvPr id="1" name=""/>
+        <p:cNvGrpSpPr/>
+        <p:nvPr/>
+      </p:nvGrpSpPr>
+      <p:grpSpPr>
+        <a:xfrm>
+          <a:off x="0" y="0"/>
+          <a:ext cx="0" cy="0"/>
+          <a:chOff x="0" y="0"/>
+          <a:chExt cx="0" cy="0"/>
+        </a:xfrm>
+      </p:grpSpPr>
+      <p:sp>
+        <p:nvSpPr>
+          <p:cNvPr id="2" name="Title 1"/>
+          <p:cNvSpPr>
+            <a:spLocks noGrp="1"/>
+          </p:cNvSpPr>
+          <p:nvPr>
+            <p:ph type="title"/>
+          </p:nvPr>
+        </p:nvSpPr>
+        <p:spPr/>
+        <p:txBody>
+          <a:bodyPr/>
+          <a:lstStyle/>
+          <a:p>
+            <a:r>
+              <a:rPr lang="en-US" dirty="0" smtClean="0"/>
               <a:t>Language basics- operator</a:t>
             </a:r>
             <a:endParaRPr lang="en-US" dirty="0"/>
@@ -9311,7 +11642,7 @@
 </p:sld>
 </file>
 
-<file path=ppt/slides/slide34.xml><?xml version="1.0" encoding="utf-8"?>
+<file path=ppt/slides/slide42.xml><?xml version="1.0" encoding="utf-8"?>
 <p:sld xmlns:a="http://schemas.openxmlformats.org/drawingml/2006/main" xmlns:r="http://schemas.openxmlformats.org/officeDocument/2006/relationships" xmlns:p="http://schemas.openxmlformats.org/presentationml/2006/main">
   <p:cSld>
     <p:spTree>
@@ -9425,206 +11756,6 @@
     <p:extLst>
       <p:ext uri="{BB962C8B-B14F-4D97-AF65-F5344CB8AC3E}">
         <p14:creationId xmlns:p14="http://schemas.microsoft.com/office/powerpoint/2010/main" val="3290681883"/>
-      </p:ext>
-    </p:extLst>
-  </p:cSld>
-  <p:clrMapOvr>
-    <a:masterClrMapping/>
-  </p:clrMapOvr>
-  <p:timing>
-    <p:tnLst>
-      <p:par>
-        <p:cTn id="1" dur="indefinite" restart="never" nodeType="tmRoot"/>
-      </p:par>
-    </p:tnLst>
-  </p:timing>
-</p:sld>
-</file>
-
-<file path=ppt/slides/slide4.xml><?xml version="1.0" encoding="utf-8"?>
-<p:sld xmlns:a="http://schemas.openxmlformats.org/drawingml/2006/main" xmlns:r="http://schemas.openxmlformats.org/officeDocument/2006/relationships" xmlns:p="http://schemas.openxmlformats.org/presentationml/2006/main">
-  <p:cSld>
-    <p:spTree>
-      <p:nvGrpSpPr>
-        <p:cNvPr id="1" name=""/>
-        <p:cNvGrpSpPr/>
-        <p:nvPr/>
-      </p:nvGrpSpPr>
-      <p:grpSpPr>
-        <a:xfrm>
-          <a:off x="0" y="0"/>
-          <a:ext cx="0" cy="0"/>
-          <a:chOff x="0" y="0"/>
-          <a:chExt cx="0" cy="0"/>
-        </a:xfrm>
-      </p:grpSpPr>
-      <p:sp>
-        <p:nvSpPr>
-          <p:cNvPr id="2" name="Title 1"/>
-          <p:cNvSpPr>
-            <a:spLocks noGrp="1"/>
-          </p:cNvSpPr>
-          <p:nvPr>
-            <p:ph type="title"/>
-          </p:nvPr>
-        </p:nvSpPr>
-        <p:spPr/>
-        <p:txBody>
-          <a:bodyPr/>
-          <a:lstStyle/>
-          <a:p>
-            <a:r>
-              <a:rPr lang="en-US" dirty="0" smtClean="0"/>
-              <a:t>Java platform</a:t>
-            </a:r>
-            <a:endParaRPr lang="en-US" dirty="0"/>
-          </a:p>
-        </p:txBody>
-      </p:sp>
-      <p:sp>
-        <p:nvSpPr>
-          <p:cNvPr id="3" name="Content Placeholder 2"/>
-          <p:cNvSpPr>
-            <a:spLocks noGrp="1"/>
-          </p:cNvSpPr>
-          <p:nvPr>
-            <p:ph idx="1"/>
-          </p:nvPr>
-        </p:nvSpPr>
-        <p:spPr/>
-        <p:txBody>
-          <a:bodyPr/>
-          <a:lstStyle/>
-          <a:p>
-            <a:endParaRPr lang="en-US" dirty="0" smtClean="0"/>
-          </a:p>
-          <a:p>
-            <a:endParaRPr lang="en-US" dirty="0"/>
-          </a:p>
-          <a:p>
-            <a:endParaRPr lang="en-US" dirty="0" smtClean="0"/>
-          </a:p>
-          <a:p>
-            <a:endParaRPr lang="en-US" dirty="0"/>
-          </a:p>
-          <a:p>
-            <a:endParaRPr lang="en-US" dirty="0" smtClean="0"/>
-          </a:p>
-          <a:p>
-            <a:endParaRPr lang="en-US" dirty="0"/>
-          </a:p>
-        </p:txBody>
-      </p:sp>
-      <p:pic>
-        <p:nvPicPr>
-          <p:cNvPr id="2050" name="Picture 1" descr="Figure showing MyProgram.java, compiler, MyProgram.class, Java VM, and My Program running on a computer."/>
-          <p:cNvPicPr>
-            <a:picLocks noChangeAspect="1" noChangeArrowheads="1"/>
-          </p:cNvPicPr>
-          <p:nvPr/>
-        </p:nvPicPr>
-        <p:blipFill>
-          <a:blip r:embed="rId2">
-            <a:extLst>
-              <a:ext uri="{28A0092B-C50C-407E-A947-70E740481C1C}">
-                <a14:useLocalDpi xmlns:a14="http://schemas.microsoft.com/office/drawing/2010/main" val="0"/>
-              </a:ext>
-            </a:extLst>
-          </a:blip>
-          <a:srcRect/>
-          <a:stretch>
-            <a:fillRect/>
-          </a:stretch>
-        </p:blipFill>
-        <p:spPr bwMode="auto">
-          <a:xfrm>
-            <a:off x="1048373" y="2192613"/>
-            <a:ext cx="8671877" cy="2037817"/>
-          </a:xfrm>
-          <a:prstGeom prst="rect">
-            <a:avLst/>
-          </a:prstGeom>
-          <a:noFill/>
-          <a:ln>
-            <a:noFill/>
-          </a:ln>
-          <a:extLst>
-            <a:ext uri="{909E8E84-426E-40DD-AFC4-6F175D3DCCD1}">
-              <a14:hiddenFill xmlns:a14="http://schemas.microsoft.com/office/drawing/2010/main">
-                <a:solidFill>
-                  <a:srgbClr val="FFFFFF"/>
-                </a:solidFill>
-              </a14:hiddenFill>
-            </a:ext>
-            <a:ext uri="{91240B29-F687-4F45-9708-019B960494DF}">
-              <a14:hiddenLine xmlns:a14="http://schemas.microsoft.com/office/drawing/2010/main" w="9525">
-                <a:solidFill>
-                  <a:srgbClr val="000000"/>
-                </a:solidFill>
-                <a:miter lim="800000"/>
-                <a:headEnd/>
-                <a:tailEnd/>
-              </a14:hiddenLine>
-            </a:ext>
-          </a:extLst>
-        </p:spPr>
-      </p:pic>
-      <p:sp>
-        <p:nvSpPr>
-          <p:cNvPr id="4" name="TextBox 3"/>
-          <p:cNvSpPr txBox="1"/>
-          <p:nvPr/>
-        </p:nvSpPr>
-        <p:spPr>
-          <a:xfrm>
-            <a:off x="1202920" y="4726546"/>
-            <a:ext cx="7425926" cy="1477328"/>
-          </a:xfrm>
-          <a:prstGeom prst="rect">
-            <a:avLst/>
-          </a:prstGeom>
-          <a:noFill/>
-        </p:spPr>
-        <p:txBody>
-          <a:bodyPr wrap="square" rtlCol="0">
-            <a:spAutoFit/>
-          </a:bodyPr>
-          <a:lstStyle/>
-          <a:p>
-            <a:pPr marL="285750" indent="-285750">
-              <a:buFont typeface="Arial" panose="020B0604020202020204" pitchFamily="34" charset="0"/>
-              <a:buChar char="•"/>
-            </a:pPr>
-            <a:r>
-              <a:rPr lang="en-US" dirty="0"/>
-              <a:t>A </a:t>
-            </a:r>
-            <a:r>
-              <a:rPr lang="en-US" i="1" dirty="0"/>
-              <a:t>platform</a:t>
-            </a:r>
-            <a:r>
-              <a:rPr lang="en-US" dirty="0"/>
-              <a:t> is the hardware or software environment in which a program runs. </a:t>
-            </a:r>
-            <a:endParaRPr lang="en-US" dirty="0" smtClean="0"/>
-          </a:p>
-          <a:p>
-            <a:pPr marL="285750" indent="-285750">
-              <a:buFont typeface="Arial" panose="020B0604020202020204" pitchFamily="34" charset="0"/>
-              <a:buChar char="•"/>
-            </a:pPr>
-            <a:r>
-              <a:rPr lang="en-US" dirty="0"/>
-              <a:t>The Java platform differs from most other platforms in that it's a software-only platform that runs on top of other hardware-based platforms</a:t>
-            </a:r>
-          </a:p>
-        </p:txBody>
-      </p:sp>
-    </p:spTree>
-    <p:extLst>
-      <p:ext uri="{BB962C8B-B14F-4D97-AF65-F5344CB8AC3E}">
-        <p14:creationId xmlns:p14="http://schemas.microsoft.com/office/powerpoint/2010/main" val="1155656445"/>
       </p:ext>
     </p:extLst>
   </p:cSld>

--- a/training/core_java/core_java.pptx
+++ b/training/core_java/core_java.pptx
@@ -69,11 +69,28 @@
     <p:sldId id="327" r:id="rId63"/>
     <p:sldId id="328" r:id="rId64"/>
     <p:sldId id="329" r:id="rId65"/>
-    <p:sldId id="293" r:id="rId66"/>
-    <p:sldId id="313" r:id="rId67"/>
-    <p:sldId id="320" r:id="rId68"/>
-    <p:sldId id="316" r:id="rId69"/>
-    <p:sldId id="261" r:id="rId70"/>
+    <p:sldId id="330" r:id="rId66"/>
+    <p:sldId id="331" r:id="rId67"/>
+    <p:sldId id="334" r:id="rId68"/>
+    <p:sldId id="333" r:id="rId69"/>
+    <p:sldId id="335" r:id="rId70"/>
+    <p:sldId id="338" r:id="rId71"/>
+    <p:sldId id="336" r:id="rId72"/>
+    <p:sldId id="337" r:id="rId73"/>
+    <p:sldId id="339" r:id="rId74"/>
+    <p:sldId id="340" r:id="rId75"/>
+    <p:sldId id="332" r:id="rId76"/>
+    <p:sldId id="341" r:id="rId77"/>
+    <p:sldId id="346" r:id="rId78"/>
+    <p:sldId id="345" r:id="rId79"/>
+    <p:sldId id="342" r:id="rId80"/>
+    <p:sldId id="343" r:id="rId81"/>
+    <p:sldId id="344" r:id="rId82"/>
+    <p:sldId id="293" r:id="rId83"/>
+    <p:sldId id="313" r:id="rId84"/>
+    <p:sldId id="320" r:id="rId85"/>
+    <p:sldId id="316" r:id="rId86"/>
+    <p:sldId id="261" r:id="rId87"/>
   </p:sldIdLst>
   <p:sldSz cx="12192000" cy="6858000"/>
   <p:notesSz cx="6858000" cy="9144000"/>
@@ -356,7 +373,7 @@
           <a:p>
             <a:fld id="{96DFF08F-DC6B-4601-B491-B0F83F6DD2DA}" type="datetimeFigureOut">
               <a:rPr lang="en-US" dirty="0"/>
-              <a:t>9/1/2015</a:t>
+              <a:t>9/2/2015</a:t>
             </a:fld>
             <a:endParaRPr lang="en-US" dirty="0"/>
           </a:p>
@@ -521,7 +538,7 @@
           <a:p>
             <a:fld id="{96DFF08F-DC6B-4601-B491-B0F83F6DD2DA}" type="datetimeFigureOut">
               <a:rPr lang="en-US" dirty="0"/>
-              <a:t>9/1/2015</a:t>
+              <a:t>9/2/2015</a:t>
             </a:fld>
             <a:endParaRPr lang="en-US" dirty="0"/>
           </a:p>
@@ -739,7 +756,7 @@
           <a:p>
             <a:fld id="{96DFF08F-DC6B-4601-B491-B0F83F6DD2DA}" type="datetimeFigureOut">
               <a:rPr lang="en-US" dirty="0"/>
-              <a:t>9/1/2015</a:t>
+              <a:t>9/2/2015</a:t>
             </a:fld>
             <a:endParaRPr lang="en-US" dirty="0"/>
           </a:p>
@@ -914,7 +931,7 @@
           <a:p>
             <a:fld id="{96DFF08F-DC6B-4601-B491-B0F83F6DD2DA}" type="datetimeFigureOut">
               <a:rPr lang="en-US" dirty="0"/>
-              <a:t>9/1/2015</a:t>
+              <a:t>9/2/2015</a:t>
             </a:fld>
             <a:endParaRPr lang="en-US" dirty="0"/>
           </a:p>
@@ -1216,7 +1233,7 @@
             <a:fld id="{96DFF08F-DC6B-4601-B491-B0F83F6DD2DA}" type="datetimeFigureOut">
               <a:rPr lang="en-US" dirty="0"/>
               <a:pPr/>
-              <a:t>9/1/2015</a:t>
+              <a:t>9/2/2015</a:t>
             </a:fld>
             <a:endParaRPr lang="en-US" dirty="0"/>
           </a:p>
@@ -1516,7 +1533,7 @@
           <a:p>
             <a:fld id="{96DFF08F-DC6B-4601-B491-B0F83F6DD2DA}" type="datetimeFigureOut">
               <a:rPr lang="en-US" dirty="0"/>
-              <a:t>9/1/2015</a:t>
+              <a:t>9/2/2015</a:t>
             </a:fld>
             <a:endParaRPr lang="en-US" dirty="0"/>
           </a:p>
@@ -1933,7 +1950,7 @@
           <a:p>
             <a:fld id="{96DFF08F-DC6B-4601-B491-B0F83F6DD2DA}" type="datetimeFigureOut">
               <a:rPr lang="en-US" dirty="0"/>
-              <a:t>9/1/2015</a:t>
+              <a:t>9/2/2015</a:t>
             </a:fld>
             <a:endParaRPr lang="en-US" dirty="0"/>
           </a:p>
@@ -2046,7 +2063,7 @@
           <a:p>
             <a:fld id="{96DFF08F-DC6B-4601-B491-B0F83F6DD2DA}" type="datetimeFigureOut">
               <a:rPr lang="en-US" dirty="0"/>
-              <a:t>9/1/2015</a:t>
+              <a:t>9/2/2015</a:t>
             </a:fld>
             <a:endParaRPr lang="en-US" dirty="0"/>
           </a:p>
@@ -2136,7 +2153,7 @@
           <a:p>
             <a:fld id="{96DFF08F-DC6B-4601-B491-B0F83F6DD2DA}" type="datetimeFigureOut">
               <a:rPr lang="en-US" dirty="0"/>
-              <a:t>9/1/2015</a:t>
+              <a:t>9/2/2015</a:t>
             </a:fld>
             <a:endParaRPr lang="en-US" dirty="0"/>
           </a:p>
@@ -2404,7 +2421,7 @@
           <a:p>
             <a:fld id="{96DFF08F-DC6B-4601-B491-B0F83F6DD2DA}" type="datetimeFigureOut">
               <a:rPr lang="en-US" dirty="0"/>
-              <a:t>9/1/2015</a:t>
+              <a:t>9/2/2015</a:t>
             </a:fld>
             <a:endParaRPr lang="en-US" dirty="0"/>
           </a:p>
@@ -2664,7 +2681,7 @@
           <a:p>
             <a:fld id="{96DFF08F-DC6B-4601-B491-B0F83F6DD2DA}" type="datetimeFigureOut">
               <a:rPr lang="en-US" dirty="0"/>
-              <a:t>9/1/2015</a:t>
+              <a:t>9/2/2015</a:t>
             </a:fld>
             <a:endParaRPr lang="en-US" dirty="0"/>
           </a:p>
@@ -2909,7 +2926,7 @@
             <a:fld id="{96DFF08F-DC6B-4601-B491-B0F83F6DD2DA}" type="datetimeFigureOut">
               <a:rPr lang="en-US" dirty="0"/>
               <a:pPr/>
-              <a:t>9/1/2015</a:t>
+              <a:t>9/2/2015</a:t>
             </a:fld>
             <a:endParaRPr lang="en-US" dirty="0"/>
           </a:p>
@@ -5538,7 +5555,23 @@
           <a:p>
             <a:r>
               <a:rPr lang="en-US" dirty="0" smtClean="0"/>
-              <a:t>Classes and Objects</a:t>
+              <a:t>Classes and </a:t>
+            </a:r>
+            <a:r>
+              <a:rPr lang="en-US" dirty="0" smtClean="0"/>
+              <a:t>Objects</a:t>
+            </a:r>
+          </a:p>
+          <a:p>
+            <a:r>
+              <a:rPr lang="en-US" dirty="0" smtClean="0"/>
+              <a:t>Nested Classes</a:t>
+            </a:r>
+          </a:p>
+          <a:p>
+            <a:r>
+              <a:rPr lang="en-US" dirty="0" smtClean="0"/>
+              <a:t>Interfaces and Inheritance</a:t>
             </a:r>
             <a:endParaRPr lang="en-US" dirty="0"/>
           </a:p>
@@ -15777,11 +15810,7 @@
           <a:p>
             <a:r>
               <a:rPr lang="en-US" sz="3200" i="1" dirty="0" smtClean="0"/>
-              <a:t>Classes: Overloading </a:t>
-            </a:r>
-            <a:r>
-              <a:rPr lang="en-US" sz="3200" i="1" dirty="0" smtClean="0"/>
-              <a:t>Methods</a:t>
+              <a:t>Classes: Overloading Methods</a:t>
             </a:r>
           </a:p>
           <a:p>
@@ -16706,7 +16735,6 @@
               <a:rPr lang="en-US" sz="3200" i="1" dirty="0" smtClean="0"/>
               <a:t>Classes: Constructors</a:t>
             </a:r>
-            <a:endParaRPr lang="en-US" sz="3200" i="1" dirty="0" smtClean="0"/>
           </a:p>
           <a:p>
             <a:pPr marL="342900" indent="-342900">
@@ -18705,11 +18733,7 @@
           <a:p>
             <a:r>
               <a:rPr lang="en-US" dirty="0" smtClean="0"/>
-              <a:t>Classes and </a:t>
-            </a:r>
-            <a:r>
-              <a:rPr lang="en-US" dirty="0" smtClean="0"/>
-              <a:t>objects - Packages</a:t>
+              <a:t>Classes and objects - Packages</a:t>
             </a:r>
             <a:endParaRPr lang="en-US" dirty="0"/>
           </a:p>
@@ -19110,11 +19134,7 @@
           <a:p>
             <a:r>
               <a:rPr lang="en-US" dirty="0" smtClean="0"/>
-              <a:t>Classes and </a:t>
-            </a:r>
-            <a:r>
-              <a:rPr lang="en-US" dirty="0" smtClean="0"/>
-              <a:t>objects – Access modifiers</a:t>
+              <a:t>Classes and objects – Access modifiers</a:t>
             </a:r>
             <a:endParaRPr lang="en-US" dirty="0"/>
           </a:p>
@@ -19325,11 +19345,7 @@
           <a:p>
             <a:r>
               <a:rPr lang="en-US" dirty="0" smtClean="0"/>
-              <a:t>Classes and </a:t>
-            </a:r>
-            <a:r>
-              <a:rPr lang="en-US" dirty="0" smtClean="0"/>
-              <a:t>objects - Packages</a:t>
+              <a:t>Classes and objects - Packages</a:t>
             </a:r>
             <a:endParaRPr lang="en-US" dirty="0"/>
           </a:p>
@@ -19659,11 +19675,7 @@
           <a:p>
             <a:r>
               <a:rPr lang="en-US" dirty="0" smtClean="0"/>
-              <a:t>Classes and </a:t>
-            </a:r>
-            <a:r>
-              <a:rPr lang="en-US" dirty="0" smtClean="0"/>
-              <a:t>objects - Packages</a:t>
+              <a:t>Classes and objects - Packages</a:t>
             </a:r>
             <a:endParaRPr lang="en-US" dirty="0"/>
           </a:p>
@@ -20567,11 +20579,7 @@
           <a:p>
             <a:r>
               <a:rPr lang="en-US" dirty="0" smtClean="0"/>
-              <a:t>Classes and </a:t>
-            </a:r>
-            <a:r>
-              <a:rPr lang="en-US" dirty="0" smtClean="0"/>
-              <a:t>objects</a:t>
+              <a:t>Classes and objects</a:t>
             </a:r>
             <a:endParaRPr lang="en-US" dirty="0"/>
           </a:p>
@@ -20828,11 +20836,7 @@
           <a:p>
             <a:r>
               <a:rPr lang="en-US" dirty="0" smtClean="0"/>
-              <a:t>Classes and </a:t>
-            </a:r>
-            <a:r>
-              <a:rPr lang="en-US" dirty="0" smtClean="0"/>
-              <a:t>objects</a:t>
+              <a:t>Classes and objects</a:t>
             </a:r>
             <a:endParaRPr lang="en-US" dirty="0"/>
           </a:p>
@@ -21245,11 +21249,7 @@
           <a:p>
             <a:r>
               <a:rPr lang="en-US" dirty="0" smtClean="0"/>
-              <a:t>Classes and </a:t>
-            </a:r>
-            <a:r>
-              <a:rPr lang="en-US" dirty="0" smtClean="0"/>
-              <a:t>objects</a:t>
+              <a:t>Classes and objects</a:t>
             </a:r>
             <a:endParaRPr lang="en-US" dirty="0"/>
           </a:p>
@@ -21518,11 +21518,7 @@
           <a:p>
             <a:r>
               <a:rPr lang="en-US" dirty="0" smtClean="0"/>
-              <a:t>Classes and </a:t>
-            </a:r>
-            <a:r>
-              <a:rPr lang="en-US" dirty="0" smtClean="0"/>
-              <a:t>objects</a:t>
+              <a:t>Classes and objects</a:t>
             </a:r>
             <a:endParaRPr lang="en-US" dirty="0"/>
           </a:p>
@@ -21791,11 +21787,7 @@
           <a:p>
             <a:r>
               <a:rPr lang="en-US" dirty="0" smtClean="0"/>
-              <a:t>Classes and </a:t>
-            </a:r>
-            <a:r>
-              <a:rPr lang="en-US" dirty="0" smtClean="0"/>
-              <a:t>objects</a:t>
+              <a:t>Classes and objects</a:t>
             </a:r>
             <a:endParaRPr lang="en-US" dirty="0"/>
           </a:p>
@@ -22158,37 +22150,24 @@
           <a:p>
             <a:r>
               <a:rPr lang="en-US" dirty="0" smtClean="0"/>
-              <a:t>Java - miscellaneous</a:t>
-            </a:r>
-            <a:endParaRPr lang="en-US" dirty="0"/>
-          </a:p>
-        </p:txBody>
-      </p:sp>
-      <p:sp>
-        <p:nvSpPr>
-          <p:cNvPr id="6" name="TextBox 5"/>
-          <p:cNvSpPr txBox="1"/>
-          <p:nvPr/>
-        </p:nvSpPr>
-        <p:spPr>
-          <a:xfrm>
-            <a:off x="746975" y="2099256"/>
-            <a:ext cx="6645498" cy="646331"/>
-          </a:xfrm>
-          <a:prstGeom prst="rect">
-            <a:avLst/>
-          </a:prstGeom>
-          <a:noFill/>
-        </p:spPr>
-        <p:txBody>
-          <a:bodyPr wrap="square" rtlCol="0">
-            <a:spAutoFit/>
-          </a:bodyPr>
-          <a:lstStyle/>
-          <a:p>
-            <a:endParaRPr lang="en-US" b="1" dirty="0" smtClean="0"/>
-          </a:p>
-          <a:p>
+              <a:t>Classes and </a:t>
+            </a:r>
+            <a:r>
+              <a:rPr lang="en-US" dirty="0" smtClean="0"/>
+              <a:t>objects [</a:t>
+            </a:r>
+            <a:r>
+              <a:rPr lang="en-US" dirty="0" err="1" smtClean="0">
+                <a:solidFill>
+                  <a:srgbClr val="FF0000"/>
+                </a:solidFill>
+              </a:rPr>
+              <a:t>Todo</a:t>
+            </a:r>
+            <a:r>
+              <a:rPr lang="en-US" dirty="0" smtClean="0"/>
+              <a:t>]</a:t>
+            </a:r>
             <a:endParaRPr lang="en-US" dirty="0"/>
           </a:p>
         </p:txBody>
@@ -22240,8 +22219,8 @@
         </p:nvSpPr>
         <p:spPr>
           <a:xfrm>
-            <a:off x="1202919" y="2575775"/>
-            <a:ext cx="8224416" cy="523220"/>
+            <a:off x="7495504" y="2240924"/>
+            <a:ext cx="4456090" cy="400110"/>
           </a:xfrm>
           <a:prstGeom prst="rect">
             <a:avLst/>
@@ -22254,28 +22233,20 @@
           </a:bodyPr>
           <a:lstStyle/>
           <a:p>
-            <a:r>
-              <a:rPr lang="en-US" sz="2800" b="1" dirty="0"/>
-              <a:t>Type Comparison Operator </a:t>
-            </a:r>
-            <a:r>
-              <a:rPr lang="en-US" sz="2800" b="1" dirty="0" err="1"/>
-              <a:t>instanceof</a:t>
-            </a:r>
-            <a:endParaRPr lang="en-US" sz="2800" b="1" dirty="0"/>
-          </a:p>
-        </p:txBody>
-      </p:sp>
-      <p:sp>
-        <p:nvSpPr>
-          <p:cNvPr id="9" name="TextBox 8"/>
+            <a:endParaRPr lang="en-US" sz="2000" u="sng" dirty="0"/>
+          </a:p>
+        </p:txBody>
+      </p:sp>
+      <p:sp>
+        <p:nvSpPr>
+          <p:cNvPr id="7" name="TextBox 6"/>
           <p:cNvSpPr txBox="1"/>
           <p:nvPr/>
         </p:nvSpPr>
         <p:spPr>
           <a:xfrm>
-            <a:off x="1300766" y="3098995"/>
-            <a:ext cx="9440214" cy="3198774"/>
+            <a:off x="695459" y="2240924"/>
+            <a:ext cx="9375820" cy="369332"/>
           </a:xfrm>
           <a:prstGeom prst="rect">
             <a:avLst/>
@@ -22288,161 +22259,26 @@
           </a:bodyPr>
           <a:lstStyle/>
           <a:p>
+            <a:r>
+              <a:rPr lang="en-US" dirty="0" smtClean="0"/>
+              <a:t>Sample </a:t>
+            </a:r>
+            <a:r>
+              <a:rPr lang="en-US" dirty="0" err="1" smtClean="0"/>
+              <a:t>programmes</a:t>
+            </a:r>
+            <a:r>
+              <a:rPr lang="en-US" dirty="0" smtClean="0"/>
+              <a:t> to display the correct output</a:t>
+            </a:r>
             <a:endParaRPr lang="en-US" dirty="0"/>
-          </a:p>
-        </p:txBody>
-      </p:sp>
-      <p:sp>
-        <p:nvSpPr>
-          <p:cNvPr id="12" name="Rectangle 11"/>
-          <p:cNvSpPr/>
-          <p:nvPr/>
-        </p:nvSpPr>
-        <p:spPr>
-          <a:xfrm>
-            <a:off x="1202919" y="3222106"/>
-            <a:ext cx="8224416" cy="3354765"/>
-          </a:xfrm>
-          <a:prstGeom prst="rect">
-            <a:avLst/>
-          </a:prstGeom>
-        </p:spPr>
-        <p:txBody>
-          <a:bodyPr wrap="square">
-            <a:spAutoFit/>
-          </a:bodyPr>
-          <a:lstStyle/>
-          <a:p>
-            <a:pPr marL="285750" indent="-285750">
-              <a:buFont typeface="Arial" panose="020B0604020202020204" pitchFamily="34" charset="0"/>
-              <a:buChar char="•"/>
-            </a:pPr>
-            <a:r>
-              <a:rPr lang="en-US" sz="2000" dirty="0"/>
-              <a:t>The </a:t>
-            </a:r>
-            <a:r>
-              <a:rPr lang="en-US" sz="2000" dirty="0" err="1"/>
-              <a:t>instanceof</a:t>
-            </a:r>
-            <a:r>
-              <a:rPr lang="en-US" sz="2000" dirty="0"/>
-              <a:t> operator compares an object to a specified type. </a:t>
-            </a:r>
-            <a:endParaRPr lang="en-US" sz="2000" dirty="0" smtClean="0"/>
-          </a:p>
-          <a:p>
-            <a:pPr marL="285750" indent="-285750">
-              <a:buFont typeface="Arial" panose="020B0604020202020204" pitchFamily="34" charset="0"/>
-              <a:buChar char="•"/>
-            </a:pPr>
-            <a:endParaRPr lang="en-US" sz="2000" dirty="0"/>
-          </a:p>
-          <a:p>
-            <a:pPr marL="285750" indent="-285750">
-              <a:buFont typeface="Arial" panose="020B0604020202020204" pitchFamily="34" charset="0"/>
-              <a:buChar char="•"/>
-            </a:pPr>
-            <a:r>
-              <a:rPr lang="en-US" sz="2000" dirty="0" smtClean="0"/>
-              <a:t>You </a:t>
-            </a:r>
-            <a:r>
-              <a:rPr lang="en-US" sz="2000" dirty="0"/>
-              <a:t>can use it to test if an object is an instance of a class, an instance of a subclass, or an instance of a class that implements a particular </a:t>
-            </a:r>
-            <a:r>
-              <a:rPr lang="en-US" sz="2000" dirty="0" smtClean="0"/>
-              <a:t>interface</a:t>
-            </a:r>
-          </a:p>
-          <a:p>
-            <a:pPr marL="285750" indent="-285750">
-              <a:buFont typeface="Arial" panose="020B0604020202020204" pitchFamily="34" charset="0"/>
-              <a:buChar char="•"/>
-            </a:pPr>
-            <a:endParaRPr lang="en-US" sz="2000" dirty="0"/>
-          </a:p>
-          <a:p>
-            <a:pPr marL="285750" indent="-285750">
-              <a:buFont typeface="Arial" panose="020B0604020202020204" pitchFamily="34" charset="0"/>
-              <a:buChar char="•"/>
-            </a:pPr>
-            <a:r>
-              <a:rPr lang="en-US" sz="3200" dirty="0" smtClean="0"/>
-              <a:t>Classes implementing interfaces</a:t>
-            </a:r>
-          </a:p>
-          <a:p>
-            <a:pPr marL="285750" indent="-285750">
-              <a:buFont typeface="Arial" panose="020B0604020202020204" pitchFamily="34" charset="0"/>
-              <a:buChar char="•"/>
-            </a:pPr>
-            <a:r>
-              <a:rPr lang="en-US" sz="2000" dirty="0"/>
-              <a:t>class </a:t>
-            </a:r>
-            <a:r>
-              <a:rPr lang="en-US" sz="2000" dirty="0" err="1"/>
-              <a:t>MyClass</a:t>
-            </a:r>
-            <a:r>
-              <a:rPr lang="en-US" sz="2000" dirty="0"/>
-              <a:t> extends </a:t>
-            </a:r>
-            <a:r>
-              <a:rPr lang="en-US" sz="2000" dirty="0" err="1"/>
-              <a:t>MySuperClass</a:t>
-            </a:r>
-            <a:r>
-              <a:rPr lang="en-US" sz="2000" dirty="0"/>
-              <a:t> implements </a:t>
-            </a:r>
-            <a:r>
-              <a:rPr lang="en-US" sz="2000" dirty="0" err="1"/>
-              <a:t>YourInterface</a:t>
-            </a:r>
-            <a:r>
-              <a:rPr lang="en-US" sz="2000" dirty="0"/>
-              <a:t> {</a:t>
-            </a:r>
-          </a:p>
-          <a:p>
-            <a:pPr marL="285750" indent="-285750">
-              <a:buFont typeface="Arial" panose="020B0604020202020204" pitchFamily="34" charset="0"/>
-              <a:buChar char="•"/>
-            </a:pPr>
-            <a:r>
-              <a:rPr lang="en-US" sz="2000" dirty="0"/>
-              <a:t>    // field, constructor, and</a:t>
-            </a:r>
-          </a:p>
-          <a:p>
-            <a:pPr marL="285750" indent="-285750">
-              <a:buFont typeface="Arial" panose="020B0604020202020204" pitchFamily="34" charset="0"/>
-              <a:buChar char="•"/>
-            </a:pPr>
-            <a:r>
-              <a:rPr lang="en-US" sz="2000" dirty="0"/>
-              <a:t>    // method declarations</a:t>
-            </a:r>
-          </a:p>
-          <a:p>
-            <a:pPr marL="285750" indent="-285750">
-              <a:buFont typeface="Arial" panose="020B0604020202020204" pitchFamily="34" charset="0"/>
-              <a:buChar char="•"/>
-            </a:pPr>
-            <a:r>
-              <a:rPr lang="en-US" sz="2000" dirty="0"/>
-              <a:t>}</a:t>
-            </a:r>
           </a:p>
         </p:txBody>
       </p:sp>
     </p:spTree>
     <p:extLst>
       <p:ext uri="{BB962C8B-B14F-4D97-AF65-F5344CB8AC3E}">
-        <p14:creationId xmlns:p14="http://schemas.microsoft.com/office/powerpoint/2010/main" val="86288042"/>
+        <p14:creationId xmlns:p14="http://schemas.microsoft.com/office/powerpoint/2010/main" val="1334420060"/>
       </p:ext>
     </p:extLst>
   </p:cSld>
@@ -22493,37 +22329,8 @@
           <a:p>
             <a:r>
               <a:rPr lang="en-US" dirty="0" smtClean="0"/>
-              <a:t>Java - miscellaneous</a:t>
-            </a:r>
-            <a:endParaRPr lang="en-US" dirty="0"/>
-          </a:p>
-        </p:txBody>
-      </p:sp>
-      <p:sp>
-        <p:nvSpPr>
-          <p:cNvPr id="6" name="TextBox 5"/>
-          <p:cNvSpPr txBox="1"/>
-          <p:nvPr/>
-        </p:nvSpPr>
-        <p:spPr>
-          <a:xfrm>
-            <a:off x="746975" y="2099256"/>
-            <a:ext cx="6645498" cy="646331"/>
-          </a:xfrm>
-          <a:prstGeom prst="rect">
-            <a:avLst/>
-          </a:prstGeom>
-          <a:noFill/>
-        </p:spPr>
-        <p:txBody>
-          <a:bodyPr wrap="square" rtlCol="0">
-            <a:spAutoFit/>
-          </a:bodyPr>
-          <a:lstStyle/>
-          <a:p>
-            <a:endParaRPr lang="en-US" b="1" dirty="0" smtClean="0"/>
-          </a:p>
-          <a:p>
+              <a:t>Nested classes</a:t>
+            </a:r>
             <a:endParaRPr lang="en-US" dirty="0"/>
           </a:p>
         </p:txBody>
@@ -22575,8 +22382,8 @@
         </p:nvSpPr>
         <p:spPr>
           <a:xfrm>
-            <a:off x="460375" y="1792936"/>
-            <a:ext cx="9994005" cy="4985980"/>
+            <a:off x="7495504" y="2240924"/>
+            <a:ext cx="4456090" cy="400110"/>
           </a:xfrm>
           <a:prstGeom prst="rect">
             <a:avLst/>
@@ -22589,299 +22396,128 @@
           </a:bodyPr>
           <a:lstStyle/>
           <a:p>
-            <a:r>
-              <a:rPr lang="en-US" sz="3200" b="1" u="sng" dirty="0" err="1" smtClean="0"/>
-              <a:t>Varargs</a:t>
-            </a:r>
-            <a:r>
-              <a:rPr lang="en-US" sz="3200" b="1" u="sng" dirty="0" smtClean="0"/>
-              <a:t> – Specifying Arbitrary number of arguments</a:t>
-            </a:r>
-          </a:p>
-          <a:p>
-            <a:r>
-              <a:rPr lang="en-US" dirty="0"/>
-              <a:t>public Polygon </a:t>
-            </a:r>
-            <a:r>
-              <a:rPr lang="en-US" dirty="0" err="1"/>
-              <a:t>polygonFrom</a:t>
-            </a:r>
-            <a:r>
-              <a:rPr lang="en-US" dirty="0"/>
-              <a:t>(Point... corners) {</a:t>
-            </a:r>
-          </a:p>
-          <a:p>
-            <a:r>
-              <a:rPr lang="en-US" dirty="0"/>
-              <a:t>    </a:t>
-            </a:r>
-            <a:r>
-              <a:rPr lang="en-US" dirty="0" err="1"/>
-              <a:t>int</a:t>
-            </a:r>
-            <a:r>
-              <a:rPr lang="en-US" dirty="0"/>
-              <a:t> </a:t>
-            </a:r>
-            <a:r>
-              <a:rPr lang="en-US" dirty="0" err="1"/>
-              <a:t>numberOfSides</a:t>
-            </a:r>
-            <a:r>
-              <a:rPr lang="en-US" dirty="0"/>
-              <a:t> = </a:t>
-            </a:r>
-            <a:r>
-              <a:rPr lang="en-US" dirty="0" err="1"/>
-              <a:t>corners.length</a:t>
-            </a:r>
-            <a:r>
-              <a:rPr lang="en-US" dirty="0"/>
-              <a:t>;</a:t>
-            </a:r>
-          </a:p>
-          <a:p>
-            <a:r>
-              <a:rPr lang="en-US" dirty="0"/>
-              <a:t>    double squareOfSide1, lengthOfSide1;</a:t>
-            </a:r>
-          </a:p>
-          <a:p>
-            <a:r>
-              <a:rPr lang="en-US" dirty="0"/>
-              <a:t>    squareOfSide1 = (corners[1].x - corners[0].x)</a:t>
-            </a:r>
-          </a:p>
-          <a:p>
-            <a:r>
-              <a:rPr lang="en-US" dirty="0"/>
-              <a:t>                     * (corners[1].x - corners[0].x) </a:t>
-            </a:r>
-          </a:p>
-          <a:p>
-            <a:r>
-              <a:rPr lang="en-US" dirty="0"/>
-              <a:t>                     + (corners[1].y - corners[0].y)</a:t>
-            </a:r>
-          </a:p>
-          <a:p>
-            <a:r>
-              <a:rPr lang="en-US" dirty="0"/>
-              <a:t>                     * (corners[1].y - corners[0].y);</a:t>
-            </a:r>
-          </a:p>
-          <a:p>
-            <a:r>
-              <a:rPr lang="en-US" dirty="0"/>
-              <a:t>    lengthOfSide1 = </a:t>
-            </a:r>
-            <a:r>
-              <a:rPr lang="en-US" dirty="0" err="1"/>
-              <a:t>Math.sqrt</a:t>
-            </a:r>
-            <a:r>
-              <a:rPr lang="en-US" dirty="0"/>
-              <a:t>(squareOfSide1);</a:t>
-            </a:r>
-          </a:p>
-          <a:p>
-            <a:endParaRPr lang="en-US" dirty="0"/>
-          </a:p>
-          <a:p>
-            <a:r>
-              <a:rPr lang="en-US" dirty="0"/>
-              <a:t>    // more method body code follows that creates and returns a </a:t>
-            </a:r>
-          </a:p>
-          <a:p>
-            <a:r>
-              <a:rPr lang="en-US" dirty="0"/>
-              <a:t>    // polygon connecting the Points</a:t>
-            </a:r>
-          </a:p>
-          <a:p>
-            <a:r>
-              <a:rPr lang="en-US" dirty="0" smtClean="0"/>
-              <a:t>}</a:t>
-            </a:r>
-          </a:p>
-          <a:p>
-            <a:r>
-              <a:rPr lang="en-US" sz="1400" dirty="0"/>
-              <a:t>You will most commonly see </a:t>
-            </a:r>
-            <a:r>
-              <a:rPr lang="en-US" sz="1400" dirty="0" err="1"/>
-              <a:t>varargs</a:t>
-            </a:r>
-            <a:r>
-              <a:rPr lang="en-US" sz="1400" dirty="0"/>
-              <a:t> with the printing methods; for example, this </a:t>
-            </a:r>
-            <a:r>
-              <a:rPr lang="en-US" sz="1400" dirty="0" err="1"/>
-              <a:t>printf</a:t>
-            </a:r>
-            <a:r>
-              <a:rPr lang="en-US" sz="1400" dirty="0"/>
-              <a:t> method:</a:t>
-            </a:r>
-          </a:p>
-          <a:p>
-            <a:endParaRPr lang="en-US" sz="1400" dirty="0"/>
-          </a:p>
-          <a:p>
-            <a:r>
-              <a:rPr lang="en-US" sz="1400" dirty="0">
-                <a:solidFill>
-                  <a:schemeClr val="accent6">
-                    <a:lumMod val="75000"/>
-                  </a:schemeClr>
-                </a:solidFill>
-              </a:rPr>
-              <a:t>public </a:t>
-            </a:r>
-            <a:r>
-              <a:rPr lang="en-US" sz="1400" dirty="0" err="1">
-                <a:solidFill>
-                  <a:schemeClr val="accent6">
-                    <a:lumMod val="75000"/>
-                  </a:schemeClr>
-                </a:solidFill>
-              </a:rPr>
-              <a:t>PrintStream</a:t>
-            </a:r>
-            <a:r>
-              <a:rPr lang="en-US" sz="1400" dirty="0">
-                <a:solidFill>
-                  <a:schemeClr val="accent6">
-                    <a:lumMod val="75000"/>
-                  </a:schemeClr>
-                </a:solidFill>
-              </a:rPr>
-              <a:t> </a:t>
-            </a:r>
-            <a:r>
-              <a:rPr lang="en-US" sz="1400" dirty="0" err="1">
-                <a:solidFill>
-                  <a:schemeClr val="accent6">
-                    <a:lumMod val="75000"/>
-                  </a:schemeClr>
-                </a:solidFill>
-              </a:rPr>
-              <a:t>printf</a:t>
-            </a:r>
-            <a:r>
-              <a:rPr lang="en-US" sz="1400" dirty="0">
-                <a:solidFill>
-                  <a:schemeClr val="accent6">
-                    <a:lumMod val="75000"/>
-                  </a:schemeClr>
-                </a:solidFill>
-              </a:rPr>
-              <a:t>(String format, Object... </a:t>
-            </a:r>
-            <a:r>
-              <a:rPr lang="en-US" sz="1400" dirty="0" err="1">
-                <a:solidFill>
-                  <a:schemeClr val="accent6">
-                    <a:lumMod val="75000"/>
-                  </a:schemeClr>
-                </a:solidFill>
-              </a:rPr>
-              <a:t>args</a:t>
-            </a:r>
-            <a:r>
-              <a:rPr lang="en-US" sz="1400" dirty="0">
-                <a:solidFill>
-                  <a:schemeClr val="accent6">
-                    <a:lumMod val="75000"/>
-                  </a:schemeClr>
-                </a:solidFill>
-              </a:rPr>
-              <a:t>)</a:t>
-            </a:r>
-          </a:p>
-          <a:p>
-            <a:r>
-              <a:rPr lang="en-US" sz="1400" dirty="0"/>
-              <a:t>allows you to print an arbitrary number of objects. It can be called like this:</a:t>
-            </a:r>
-          </a:p>
-          <a:p>
-            <a:r>
-              <a:rPr lang="en-US" sz="1400" dirty="0" err="1" smtClean="0">
-                <a:solidFill>
-                  <a:schemeClr val="accent6">
-                    <a:lumMod val="75000"/>
-                  </a:schemeClr>
-                </a:solidFill>
-              </a:rPr>
-              <a:t>System.out.printf</a:t>
-            </a:r>
-            <a:r>
-              <a:rPr lang="en-US" sz="1400" dirty="0">
-                <a:solidFill>
-                  <a:schemeClr val="accent6">
-                    <a:lumMod val="75000"/>
-                  </a:schemeClr>
-                </a:solidFill>
-              </a:rPr>
-              <a:t>("%s: %d, %</a:t>
-            </a:r>
-            <a:r>
-              <a:rPr lang="en-US" sz="1400" dirty="0" err="1">
-                <a:solidFill>
-                  <a:schemeClr val="accent6">
-                    <a:lumMod val="75000"/>
-                  </a:schemeClr>
-                </a:solidFill>
-              </a:rPr>
-              <a:t>s%n</a:t>
-            </a:r>
-            <a:r>
-              <a:rPr lang="en-US" sz="1400" dirty="0">
-                <a:solidFill>
-                  <a:schemeClr val="accent6">
-                    <a:lumMod val="75000"/>
-                  </a:schemeClr>
-                </a:solidFill>
-              </a:rPr>
-              <a:t>", name, </a:t>
-            </a:r>
-            <a:r>
-              <a:rPr lang="en-US" sz="1400" dirty="0" err="1">
-                <a:solidFill>
-                  <a:schemeClr val="accent6">
-                    <a:lumMod val="75000"/>
-                  </a:schemeClr>
-                </a:solidFill>
-              </a:rPr>
-              <a:t>idnum</a:t>
-            </a:r>
-            <a:r>
-              <a:rPr lang="en-US" sz="1400" dirty="0">
-                <a:solidFill>
-                  <a:schemeClr val="accent6">
-                    <a:lumMod val="75000"/>
-                  </a:schemeClr>
-                </a:solidFill>
-              </a:rPr>
-              <a:t>, address</a:t>
-            </a:r>
-            <a:r>
-              <a:rPr lang="en-US" sz="1400" dirty="0" smtClean="0">
-                <a:solidFill>
-                  <a:schemeClr val="accent6">
-                    <a:lumMod val="75000"/>
-                  </a:schemeClr>
-                </a:solidFill>
-              </a:rPr>
-              <a:t>);</a:t>
-            </a:r>
-            <a:endParaRPr lang="en-US" sz="1400" dirty="0">
+            <a:endParaRPr lang="en-US" sz="2000" u="sng" dirty="0"/>
+          </a:p>
+        </p:txBody>
+      </p:sp>
+      <p:sp>
+        <p:nvSpPr>
+          <p:cNvPr id="7" name="TextBox 6"/>
+          <p:cNvSpPr txBox="1"/>
+          <p:nvPr/>
+        </p:nvSpPr>
+        <p:spPr>
+          <a:xfrm>
+            <a:off x="695459" y="2240924"/>
+            <a:ext cx="6941713" cy="3785652"/>
+          </a:xfrm>
+          <a:prstGeom prst="rect">
+            <a:avLst/>
+          </a:prstGeom>
+          <a:noFill/>
+        </p:spPr>
+        <p:txBody>
+          <a:bodyPr wrap="square" rtlCol="0">
+            <a:spAutoFit/>
+          </a:bodyPr>
+          <a:lstStyle/>
+          <a:p>
+            <a:pPr marL="285750" indent="-285750">
+              <a:buFont typeface="Arial" panose="020B0604020202020204" pitchFamily="34" charset="0"/>
+              <a:buChar char="•"/>
+            </a:pPr>
+            <a:r>
+              <a:rPr lang="en-US" sz="2000" dirty="0" smtClean="0"/>
+              <a:t>Class within a class</a:t>
+            </a:r>
+          </a:p>
+          <a:p>
+            <a:pPr marL="285750" indent="-285750">
+              <a:buFont typeface="Arial" panose="020B0604020202020204" pitchFamily="34" charset="0"/>
+              <a:buChar char="•"/>
+            </a:pPr>
+            <a:endParaRPr lang="en-US" sz="2000" dirty="0" smtClean="0"/>
+          </a:p>
+          <a:p>
+            <a:pPr marL="285750" indent="-285750">
+              <a:buFont typeface="Arial" panose="020B0604020202020204" pitchFamily="34" charset="0"/>
+              <a:buChar char="•"/>
+            </a:pPr>
+            <a:r>
+              <a:rPr lang="en-US" sz="2000" dirty="0" smtClean="0"/>
+              <a:t>Why Nested class?</a:t>
+            </a:r>
+          </a:p>
+          <a:p>
+            <a:pPr marL="742950" lvl="1" indent="-285750">
+              <a:buFont typeface="Arial" panose="020B0604020202020204" pitchFamily="34" charset="0"/>
+              <a:buChar char="•"/>
+            </a:pPr>
+            <a:r>
+              <a:rPr lang="en-US" sz="2000" dirty="0" smtClean="0"/>
+              <a:t>For logically </a:t>
+            </a:r>
+            <a:r>
+              <a:rPr lang="en-US" sz="2000" dirty="0"/>
+              <a:t>grouping classes that are only used in one </a:t>
+            </a:r>
+            <a:r>
+              <a:rPr lang="en-US" sz="2000" dirty="0" smtClean="0"/>
+              <a:t>place.</a:t>
+            </a:r>
+          </a:p>
+          <a:p>
+            <a:pPr marL="742950" lvl="1" indent="-285750">
+              <a:buFont typeface="Arial" panose="020B0604020202020204" pitchFamily="34" charset="0"/>
+              <a:buChar char="•"/>
+            </a:pPr>
+            <a:r>
+              <a:rPr lang="en-US" sz="2000" dirty="0"/>
+              <a:t>It increases </a:t>
+            </a:r>
+            <a:r>
+              <a:rPr lang="en-US" sz="2000" dirty="0" smtClean="0"/>
+              <a:t>encapsulation</a:t>
+            </a:r>
+          </a:p>
+          <a:p>
+            <a:pPr marL="742950" lvl="1" indent="-285750">
+              <a:buFont typeface="Arial" panose="020B0604020202020204" pitchFamily="34" charset="0"/>
+              <a:buChar char="•"/>
+            </a:pPr>
+            <a:r>
+              <a:rPr lang="en-US" sz="2000" dirty="0" smtClean="0"/>
+              <a:t>More </a:t>
+            </a:r>
+            <a:r>
+              <a:rPr lang="en-US" sz="2000" dirty="0"/>
+              <a:t>readable and maintainable </a:t>
+            </a:r>
+            <a:r>
+              <a:rPr lang="en-US" sz="2000" dirty="0" smtClean="0"/>
+              <a:t>code</a:t>
+            </a:r>
+          </a:p>
+          <a:p>
+            <a:pPr marL="742950" lvl="1" indent="-285750">
+              <a:buFont typeface="Arial" panose="020B0604020202020204" pitchFamily="34" charset="0"/>
+              <a:buChar char="•"/>
+            </a:pPr>
+            <a:r>
+              <a:rPr lang="en-US" sz="2000" dirty="0"/>
+              <a:t> inner classes have to be used where things belong </a:t>
+            </a:r>
+            <a:r>
+              <a:rPr lang="en-US" sz="2000" dirty="0" smtClean="0"/>
+              <a:t>together</a:t>
+            </a:r>
+          </a:p>
+          <a:p>
+            <a:pPr marL="285750" indent="-285750">
+              <a:buFont typeface="Arial" panose="020B0604020202020204" pitchFamily="34" charset="0"/>
+              <a:buChar char="•"/>
+            </a:pPr>
+            <a:endParaRPr lang="en-US" sz="2000" dirty="0" smtClean="0">
               <a:solidFill>
                 <a:schemeClr val="accent6">
                   <a:lumMod val="75000"/>
@@ -22889,6 +22525,24 @@
               </a:solidFill>
             </a:endParaRPr>
           </a:p>
+          <a:p>
+            <a:pPr marL="285750" indent="-285750">
+              <a:buFont typeface="Arial" panose="020B0604020202020204" pitchFamily="34" charset="0"/>
+              <a:buChar char="•"/>
+            </a:pPr>
+            <a:endParaRPr lang="en-US" sz="2000" dirty="0"/>
+          </a:p>
+          <a:p>
+            <a:pPr marL="285750" indent="-285750">
+              <a:buFont typeface="Arial" panose="020B0604020202020204" pitchFamily="34" charset="0"/>
+              <a:buChar char="•"/>
+            </a:pPr>
+            <a:r>
+              <a:rPr lang="en-US" sz="2000" dirty="0" smtClean="0"/>
+              <a:t>Static and Non-static (inner class) nested classes</a:t>
+            </a:r>
+            <a:endParaRPr lang="en-US" sz="2000" dirty="0"/>
+          </a:p>
         </p:txBody>
       </p:sp>
       <p:sp>
@@ -22899,8 +22553,8 @@
         </p:nvSpPr>
         <p:spPr>
           <a:xfrm>
-            <a:off x="1300766" y="3098995"/>
-            <a:ext cx="9440214" cy="3198774"/>
+            <a:off x="7495504" y="2240924"/>
+            <a:ext cx="4456090" cy="1754326"/>
           </a:xfrm>
           <a:prstGeom prst="rect">
             <a:avLst/>
@@ -22913,14 +22567,314 @@
           </a:bodyPr>
           <a:lstStyle/>
           <a:p>
-            <a:endParaRPr lang="en-US" dirty="0"/>
+            <a:r>
+              <a:rPr lang="en-US" dirty="0">
+                <a:solidFill>
+                  <a:schemeClr val="accent6">
+                    <a:lumMod val="75000"/>
+                  </a:schemeClr>
+                </a:solidFill>
+              </a:rPr>
+              <a:t>class </a:t>
+            </a:r>
+            <a:r>
+              <a:rPr lang="en-US" dirty="0" err="1">
+                <a:solidFill>
+                  <a:schemeClr val="accent6">
+                    <a:lumMod val="75000"/>
+                  </a:schemeClr>
+                </a:solidFill>
+              </a:rPr>
+              <a:t>OuterClass</a:t>
+            </a:r>
+            <a:r>
+              <a:rPr lang="en-US" dirty="0">
+                <a:solidFill>
+                  <a:schemeClr val="accent6">
+                    <a:lumMod val="75000"/>
+                  </a:schemeClr>
+                </a:solidFill>
+              </a:rPr>
+              <a:t> {</a:t>
+            </a:r>
+          </a:p>
+          <a:p>
+            <a:r>
+              <a:rPr lang="en-US" dirty="0">
+                <a:solidFill>
+                  <a:schemeClr val="accent6">
+                    <a:lumMod val="75000"/>
+                  </a:schemeClr>
+                </a:solidFill>
+              </a:rPr>
+              <a:t>    ...</a:t>
+            </a:r>
+          </a:p>
+          <a:p>
+            <a:r>
+              <a:rPr lang="en-US" dirty="0">
+                <a:solidFill>
+                  <a:schemeClr val="accent6">
+                    <a:lumMod val="75000"/>
+                  </a:schemeClr>
+                </a:solidFill>
+              </a:rPr>
+              <a:t>    class </a:t>
+            </a:r>
+            <a:r>
+              <a:rPr lang="en-US" dirty="0" err="1">
+                <a:solidFill>
+                  <a:schemeClr val="accent6">
+                    <a:lumMod val="75000"/>
+                  </a:schemeClr>
+                </a:solidFill>
+              </a:rPr>
+              <a:t>NestedClass</a:t>
+            </a:r>
+            <a:r>
+              <a:rPr lang="en-US" dirty="0">
+                <a:solidFill>
+                  <a:schemeClr val="accent6">
+                    <a:lumMod val="75000"/>
+                  </a:schemeClr>
+                </a:solidFill>
+              </a:rPr>
+              <a:t> {</a:t>
+            </a:r>
+          </a:p>
+          <a:p>
+            <a:r>
+              <a:rPr lang="en-US" dirty="0">
+                <a:solidFill>
+                  <a:schemeClr val="accent6">
+                    <a:lumMod val="75000"/>
+                  </a:schemeClr>
+                </a:solidFill>
+              </a:rPr>
+              <a:t>        ...</a:t>
+            </a:r>
+          </a:p>
+          <a:p>
+            <a:r>
+              <a:rPr lang="en-US" dirty="0">
+                <a:solidFill>
+                  <a:schemeClr val="accent6">
+                    <a:lumMod val="75000"/>
+                  </a:schemeClr>
+                </a:solidFill>
+              </a:rPr>
+              <a:t>    }</a:t>
+            </a:r>
+          </a:p>
+          <a:p>
+            <a:r>
+              <a:rPr lang="en-US" dirty="0">
+                <a:solidFill>
+                  <a:schemeClr val="accent6">
+                    <a:lumMod val="75000"/>
+                  </a:schemeClr>
+                </a:solidFill>
+              </a:rPr>
+              <a:t>}</a:t>
+            </a:r>
+          </a:p>
+        </p:txBody>
+      </p:sp>
+      <p:sp>
+        <p:nvSpPr>
+          <p:cNvPr id="10" name="TextBox 9"/>
+          <p:cNvSpPr txBox="1"/>
+          <p:nvPr/>
+        </p:nvSpPr>
+        <p:spPr>
+          <a:xfrm>
+            <a:off x="6709893" y="3995250"/>
+            <a:ext cx="4713668" cy="2663127"/>
+          </a:xfrm>
+          <a:prstGeom prst="rect">
+            <a:avLst/>
+          </a:prstGeom>
+          <a:noFill/>
+        </p:spPr>
+        <p:txBody>
+          <a:bodyPr wrap="square" rtlCol="0">
+            <a:spAutoFit/>
+          </a:bodyPr>
+          <a:lstStyle/>
+          <a:p>
+            <a:r>
+              <a:rPr lang="en-US" dirty="0">
+                <a:solidFill>
+                  <a:schemeClr val="accent4">
+                    <a:lumMod val="50000"/>
+                  </a:schemeClr>
+                </a:solidFill>
+              </a:rPr>
+              <a:t>class </a:t>
+            </a:r>
+            <a:r>
+              <a:rPr lang="en-US" dirty="0" err="1">
+                <a:solidFill>
+                  <a:schemeClr val="accent4">
+                    <a:lumMod val="50000"/>
+                  </a:schemeClr>
+                </a:solidFill>
+              </a:rPr>
+              <a:t>OuterClass</a:t>
+            </a:r>
+            <a:r>
+              <a:rPr lang="en-US" dirty="0">
+                <a:solidFill>
+                  <a:schemeClr val="accent4">
+                    <a:lumMod val="50000"/>
+                  </a:schemeClr>
+                </a:solidFill>
+              </a:rPr>
+              <a:t> {</a:t>
+            </a:r>
+          </a:p>
+          <a:p>
+            <a:r>
+              <a:rPr lang="en-US" dirty="0">
+                <a:solidFill>
+                  <a:schemeClr val="accent4">
+                    <a:lumMod val="50000"/>
+                  </a:schemeClr>
+                </a:solidFill>
+              </a:rPr>
+              <a:t>    ...</a:t>
+            </a:r>
+          </a:p>
+          <a:p>
+            <a:r>
+              <a:rPr lang="en-US" dirty="0">
+                <a:solidFill>
+                  <a:schemeClr val="accent4">
+                    <a:lumMod val="50000"/>
+                  </a:schemeClr>
+                </a:solidFill>
+              </a:rPr>
+              <a:t>    static class </a:t>
+            </a:r>
+            <a:r>
+              <a:rPr lang="en-US" dirty="0" err="1">
+                <a:solidFill>
+                  <a:schemeClr val="accent4">
+                    <a:lumMod val="50000"/>
+                  </a:schemeClr>
+                </a:solidFill>
+              </a:rPr>
+              <a:t>StaticNestedClass</a:t>
+            </a:r>
+            <a:r>
+              <a:rPr lang="en-US" dirty="0">
+                <a:solidFill>
+                  <a:schemeClr val="accent4">
+                    <a:lumMod val="50000"/>
+                  </a:schemeClr>
+                </a:solidFill>
+              </a:rPr>
+              <a:t> {</a:t>
+            </a:r>
+          </a:p>
+          <a:p>
+            <a:r>
+              <a:rPr lang="en-US" dirty="0">
+                <a:solidFill>
+                  <a:schemeClr val="accent4">
+                    <a:lumMod val="50000"/>
+                  </a:schemeClr>
+                </a:solidFill>
+              </a:rPr>
+              <a:t>        ...</a:t>
+            </a:r>
+          </a:p>
+          <a:p>
+            <a:r>
+              <a:rPr lang="en-US" dirty="0">
+                <a:solidFill>
+                  <a:schemeClr val="accent4">
+                    <a:lumMod val="50000"/>
+                  </a:schemeClr>
+                </a:solidFill>
+              </a:rPr>
+              <a:t>    }</a:t>
+            </a:r>
+          </a:p>
+          <a:p>
+            <a:r>
+              <a:rPr lang="en-US" dirty="0">
+                <a:solidFill>
+                  <a:schemeClr val="accent4">
+                    <a:lumMod val="50000"/>
+                  </a:schemeClr>
+                </a:solidFill>
+              </a:rPr>
+              <a:t>    class </a:t>
+            </a:r>
+            <a:r>
+              <a:rPr lang="en-US" dirty="0" err="1">
+                <a:solidFill>
+                  <a:schemeClr val="accent4">
+                    <a:lumMod val="50000"/>
+                  </a:schemeClr>
+                </a:solidFill>
+              </a:rPr>
+              <a:t>InnerClass</a:t>
+            </a:r>
+            <a:r>
+              <a:rPr lang="en-US" dirty="0">
+                <a:solidFill>
+                  <a:schemeClr val="accent4">
+                    <a:lumMod val="50000"/>
+                  </a:schemeClr>
+                </a:solidFill>
+              </a:rPr>
+              <a:t> {</a:t>
+            </a:r>
+          </a:p>
+          <a:p>
+            <a:r>
+              <a:rPr lang="en-US" dirty="0">
+                <a:solidFill>
+                  <a:schemeClr val="accent4">
+                    <a:lumMod val="50000"/>
+                  </a:schemeClr>
+                </a:solidFill>
+              </a:rPr>
+              <a:t>        ...</a:t>
+            </a:r>
+          </a:p>
+          <a:p>
+            <a:r>
+              <a:rPr lang="en-US" dirty="0">
+                <a:solidFill>
+                  <a:schemeClr val="accent4">
+                    <a:lumMod val="50000"/>
+                  </a:schemeClr>
+                </a:solidFill>
+              </a:rPr>
+              <a:t>    }</a:t>
+            </a:r>
+          </a:p>
+          <a:p>
+            <a:r>
+              <a:rPr lang="en-US" dirty="0">
+                <a:solidFill>
+                  <a:schemeClr val="accent4">
+                    <a:lumMod val="50000"/>
+                  </a:schemeClr>
+                </a:solidFill>
+              </a:rPr>
+              <a:t>}</a:t>
+            </a:r>
           </a:p>
         </p:txBody>
       </p:sp>
     </p:spTree>
     <p:extLst>
       <p:ext uri="{BB962C8B-B14F-4D97-AF65-F5344CB8AC3E}">
-        <p14:creationId xmlns:p14="http://schemas.microsoft.com/office/powerpoint/2010/main" val="3614015230"/>
+        <p14:creationId xmlns:p14="http://schemas.microsoft.com/office/powerpoint/2010/main" val="880644737"/>
       </p:ext>
     </p:extLst>
   </p:cSld>
@@ -22971,37 +22925,8 @@
           <a:p>
             <a:r>
               <a:rPr lang="en-US" dirty="0" smtClean="0"/>
-              <a:t>Java - miscellaneous</a:t>
-            </a:r>
-            <a:endParaRPr lang="en-US" dirty="0"/>
-          </a:p>
-        </p:txBody>
-      </p:sp>
-      <p:sp>
-        <p:nvSpPr>
-          <p:cNvPr id="6" name="TextBox 5"/>
-          <p:cNvSpPr txBox="1"/>
-          <p:nvPr/>
-        </p:nvSpPr>
-        <p:spPr>
-          <a:xfrm>
-            <a:off x="746975" y="2099256"/>
-            <a:ext cx="6645498" cy="646331"/>
-          </a:xfrm>
-          <a:prstGeom prst="rect">
-            <a:avLst/>
-          </a:prstGeom>
-          <a:noFill/>
-        </p:spPr>
-        <p:txBody>
-          <a:bodyPr wrap="square" rtlCol="0">
-            <a:spAutoFit/>
-          </a:bodyPr>
-          <a:lstStyle/>
-          <a:p>
-            <a:endParaRPr lang="en-US" b="1" dirty="0" smtClean="0"/>
-          </a:p>
-          <a:p>
+              <a:t>Nested classes</a:t>
+            </a:r>
             <a:endParaRPr lang="en-US" dirty="0"/>
           </a:p>
         </p:txBody>
@@ -23053,8 +22978,8 @@
         </p:nvSpPr>
         <p:spPr>
           <a:xfrm>
-            <a:off x="460375" y="1792936"/>
-            <a:ext cx="9994005" cy="1631216"/>
+            <a:off x="7495504" y="2240924"/>
+            <a:ext cx="4456090" cy="400110"/>
           </a:xfrm>
           <a:prstGeom prst="rect">
             <a:avLst/>
@@ -23067,64 +22992,10 @@
           </a:bodyPr>
           <a:lstStyle/>
           <a:p>
-            <a:r>
-              <a:rPr lang="en-US" sz="2800" u="sng" dirty="0"/>
-              <a:t>Returning a Class or </a:t>
-            </a:r>
-            <a:r>
-              <a:rPr lang="en-US" sz="2800" u="sng" dirty="0" smtClean="0"/>
-              <a:t>Interface</a:t>
-            </a:r>
-          </a:p>
-          <a:p>
-            <a:pPr marL="457200" indent="-457200">
-              <a:buFont typeface="Arial" panose="020B0604020202020204" pitchFamily="34" charset="0"/>
-              <a:buChar char="•"/>
-            </a:pPr>
-            <a:r>
-              <a:rPr lang="en-US" sz="2400" i="1" dirty="0"/>
-              <a:t>When a method uses a class name as its return </a:t>
-            </a:r>
-            <a:r>
-              <a:rPr lang="en-US" sz="2400" i="1" dirty="0" smtClean="0"/>
-              <a:t>type </a:t>
-            </a:r>
-            <a:r>
-              <a:rPr lang="en-US" sz="2400" i="1" dirty="0"/>
-              <a:t>the class of the type of the returned object must be either a subclass of, or the exact class of, the return </a:t>
-            </a:r>
-            <a:r>
-              <a:rPr lang="en-US" sz="2400" i="1" dirty="0" smtClean="0"/>
-              <a:t>type.</a:t>
-            </a:r>
-            <a:endParaRPr lang="en-US" sz="2400" i="1" dirty="0"/>
-          </a:p>
-        </p:txBody>
-      </p:sp>
-      <p:pic>
-        <p:nvPicPr>
-          <p:cNvPr id="3" name="Picture 2"/>
-          <p:cNvPicPr>
-            <a:picLocks noChangeAspect="1"/>
-          </p:cNvPicPr>
-          <p:nvPr/>
-        </p:nvPicPr>
-        <p:blipFill>
-          <a:blip r:embed="rId2"/>
-          <a:stretch>
-            <a:fillRect/>
-          </a:stretch>
-        </p:blipFill>
-        <p:spPr>
-          <a:xfrm>
-            <a:off x="746974" y="4512753"/>
-            <a:ext cx="2150771" cy="2253890"/>
-          </a:xfrm>
-          <a:prstGeom prst="rect">
-            <a:avLst/>
-          </a:prstGeom>
-        </p:spPr>
-      </p:pic>
+            <a:endParaRPr lang="en-US" sz="2000" u="sng" dirty="0"/>
+          </a:p>
+        </p:txBody>
+      </p:sp>
       <p:sp>
         <p:nvSpPr>
           <p:cNvPr id="7" name="TextBox 6"/>
@@ -23133,8 +23004,8 @@
         </p:nvSpPr>
         <p:spPr>
           <a:xfrm>
-            <a:off x="3593206" y="3608818"/>
-            <a:ext cx="8598794" cy="2585323"/>
+            <a:off x="669701" y="1852508"/>
+            <a:ext cx="6941713" cy="461665"/>
           </a:xfrm>
           <a:prstGeom prst="rect">
             <a:avLst/>
@@ -23148,106 +23019,552 @@
           <a:lstStyle/>
           <a:p>
             <a:r>
+              <a:rPr lang="en-US" sz="2400" b="1" dirty="0" smtClean="0"/>
+              <a:t>Non-static Nested class (Inner class):</a:t>
+            </a:r>
+            <a:endParaRPr lang="en-US" sz="2400" b="1" dirty="0"/>
+          </a:p>
+        </p:txBody>
+      </p:sp>
+      <p:sp>
+        <p:nvSpPr>
+          <p:cNvPr id="9" name="TextBox 8"/>
+          <p:cNvSpPr txBox="1"/>
+          <p:nvPr/>
+        </p:nvSpPr>
+        <p:spPr>
+          <a:xfrm>
+            <a:off x="856444" y="2240924"/>
+            <a:ext cx="6007995" cy="4247317"/>
+          </a:xfrm>
+          <a:prstGeom prst="rect">
+            <a:avLst/>
+          </a:prstGeom>
+          <a:noFill/>
+        </p:spPr>
+        <p:txBody>
+          <a:bodyPr wrap="square" rtlCol="0">
+            <a:spAutoFit/>
+          </a:bodyPr>
+          <a:lstStyle/>
+          <a:p>
+            <a:r>
+              <a:rPr lang="en-US" dirty="0">
+                <a:solidFill>
+                  <a:schemeClr val="accent6">
+                    <a:lumMod val="75000"/>
+                  </a:schemeClr>
+                </a:solidFill>
+              </a:rPr>
+              <a:t>class </a:t>
+            </a:r>
+            <a:r>
+              <a:rPr lang="en-US" dirty="0" err="1">
+                <a:solidFill>
+                  <a:schemeClr val="accent6">
+                    <a:lumMod val="75000"/>
+                  </a:schemeClr>
+                </a:solidFill>
+              </a:rPr>
+              <a:t>ScreenCapture</a:t>
+            </a:r>
+            <a:r>
+              <a:rPr lang="en-US" dirty="0">
+                <a:solidFill>
+                  <a:schemeClr val="accent6">
+                    <a:lumMod val="75000"/>
+                  </a:schemeClr>
+                </a:solidFill>
+              </a:rPr>
+              <a:t> {</a:t>
+            </a:r>
+          </a:p>
+          <a:p>
+            <a:r>
+              <a:rPr lang="en-US" dirty="0">
+                <a:solidFill>
+                  <a:schemeClr val="accent6">
+                    <a:lumMod val="75000"/>
+                  </a:schemeClr>
+                </a:solidFill>
+              </a:rPr>
+              <a:t>  class </a:t>
+            </a:r>
+            <a:r>
+              <a:rPr lang="en-US" dirty="0" err="1">
+                <a:solidFill>
+                  <a:schemeClr val="accent6">
+                    <a:lumMod val="75000"/>
+                  </a:schemeClr>
+                </a:solidFill>
+              </a:rPr>
+              <a:t>CaptureButtonListener</a:t>
+            </a:r>
+            <a:r>
+              <a:rPr lang="en-US" dirty="0">
+                <a:solidFill>
+                  <a:schemeClr val="accent6">
+                    <a:lumMod val="75000"/>
+                  </a:schemeClr>
+                </a:solidFill>
+              </a:rPr>
+              <a:t> implements </a:t>
+            </a:r>
+            <a:r>
+              <a:rPr lang="en-US" dirty="0" err="1">
+                <a:solidFill>
+                  <a:schemeClr val="accent6">
+                    <a:lumMod val="75000"/>
+                  </a:schemeClr>
+                </a:solidFill>
+              </a:rPr>
+              <a:t>ClickListener</a:t>
+            </a:r>
+            <a:r>
+              <a:rPr lang="en-US" dirty="0">
+                <a:solidFill>
+                  <a:schemeClr val="accent6">
+                    <a:lumMod val="75000"/>
+                  </a:schemeClr>
+                </a:solidFill>
+              </a:rPr>
+              <a:t> {</a:t>
+            </a:r>
+          </a:p>
+          <a:p>
+            <a:r>
+              <a:rPr lang="en-US" dirty="0">
+                <a:solidFill>
+                  <a:schemeClr val="accent6">
+                    <a:lumMod val="75000"/>
+                  </a:schemeClr>
+                </a:solidFill>
+              </a:rPr>
+              <a:t>     public void </a:t>
+            </a:r>
+            <a:r>
+              <a:rPr lang="en-US" dirty="0" err="1">
+                <a:solidFill>
+                  <a:schemeClr val="accent6">
+                    <a:lumMod val="75000"/>
+                  </a:schemeClr>
+                </a:solidFill>
+              </a:rPr>
+              <a:t>onClick</a:t>
+            </a:r>
+            <a:r>
+              <a:rPr lang="en-US" dirty="0">
+                <a:solidFill>
+                  <a:schemeClr val="accent6">
+                    <a:lumMod val="75000"/>
+                  </a:schemeClr>
+                </a:solidFill>
+              </a:rPr>
+              <a:t>( </a:t>
+            </a:r>
+            <a:r>
+              <a:rPr lang="en-US" dirty="0" err="1">
+                <a:solidFill>
+                  <a:schemeClr val="accent6">
+                    <a:lumMod val="75000"/>
+                  </a:schemeClr>
+                </a:solidFill>
+              </a:rPr>
+              <a:t>ClickEvent</a:t>
+            </a:r>
+            <a:r>
+              <a:rPr lang="en-US" dirty="0">
+                <a:solidFill>
+                  <a:schemeClr val="accent6">
+                    <a:lumMod val="75000"/>
+                  </a:schemeClr>
+                </a:solidFill>
+              </a:rPr>
+              <a:t> click ) {</a:t>
+            </a:r>
+          </a:p>
+          <a:p>
+            <a:r>
+              <a:rPr lang="en-US" dirty="0">
+                <a:solidFill>
+                  <a:schemeClr val="accent6">
+                    <a:lumMod val="75000"/>
+                  </a:schemeClr>
+                </a:solidFill>
+              </a:rPr>
+              <a:t>       //..capture</a:t>
+            </a:r>
+          </a:p>
+          <a:p>
+            <a:r>
+              <a:rPr lang="en-US" dirty="0">
+                <a:solidFill>
+                  <a:schemeClr val="accent6">
+                    <a:lumMod val="75000"/>
+                  </a:schemeClr>
+                </a:solidFill>
+              </a:rPr>
+              <a:t>       </a:t>
+            </a:r>
+            <a:r>
+              <a:rPr lang="en-US" dirty="0" err="1">
+                <a:solidFill>
+                  <a:schemeClr val="accent6">
+                    <a:lumMod val="75000"/>
+                  </a:schemeClr>
+                </a:solidFill>
+              </a:rPr>
+              <a:t>pressCount</a:t>
+            </a:r>
+            <a:r>
+              <a:rPr lang="en-US" dirty="0">
+                <a:solidFill>
+                  <a:schemeClr val="accent6">
+                    <a:lumMod val="75000"/>
+                  </a:schemeClr>
+                </a:solidFill>
+              </a:rPr>
+              <a:t>++;</a:t>
+            </a:r>
+          </a:p>
+          <a:p>
+            <a:r>
+              <a:rPr lang="en-US" dirty="0">
+                <a:solidFill>
+                  <a:schemeClr val="accent6">
+                    <a:lumMod val="75000"/>
+                  </a:schemeClr>
+                </a:solidFill>
+              </a:rPr>
+              <a:t>     }</a:t>
+            </a:r>
+          </a:p>
+          <a:p>
+            <a:r>
+              <a:rPr lang="en-US" dirty="0">
+                <a:solidFill>
+                  <a:schemeClr val="accent6">
+                    <a:lumMod val="75000"/>
+                  </a:schemeClr>
+                </a:solidFill>
+              </a:rPr>
+              <a:t>  }</a:t>
+            </a:r>
+          </a:p>
+          <a:p>
+            <a:endParaRPr lang="en-US" dirty="0">
+              <a:solidFill>
+                <a:schemeClr val="accent6">
+                  <a:lumMod val="75000"/>
+                </a:schemeClr>
+              </a:solidFill>
+            </a:endParaRPr>
+          </a:p>
+          <a:p>
+            <a:r>
+              <a:rPr lang="en-US" dirty="0">
+                <a:solidFill>
+                  <a:schemeClr val="accent6">
+                    <a:lumMod val="75000"/>
+                  </a:schemeClr>
+                </a:solidFill>
+              </a:rPr>
+              <a:t>  Button </a:t>
+            </a:r>
+            <a:r>
+              <a:rPr lang="en-US" dirty="0" err="1">
+                <a:solidFill>
+                  <a:schemeClr val="accent6">
+                    <a:lumMod val="75000"/>
+                  </a:schemeClr>
+                </a:solidFill>
+              </a:rPr>
+              <a:t>button</a:t>
+            </a:r>
+            <a:r>
+              <a:rPr lang="en-US" dirty="0">
+                <a:solidFill>
+                  <a:schemeClr val="accent6">
+                    <a:lumMod val="75000"/>
+                  </a:schemeClr>
+                </a:solidFill>
+              </a:rPr>
+              <a:t> = new Button("capture");</a:t>
+            </a:r>
+          </a:p>
+          <a:p>
+            <a:r>
+              <a:rPr lang="en-US" dirty="0">
+                <a:solidFill>
+                  <a:schemeClr val="accent6">
+                    <a:lumMod val="75000"/>
+                  </a:schemeClr>
+                </a:solidFill>
+              </a:rPr>
+              <a:t>  </a:t>
+            </a:r>
+            <a:r>
+              <a:rPr lang="en-US" dirty="0" err="1">
+                <a:solidFill>
+                  <a:schemeClr val="accent6">
+                    <a:lumMod val="75000"/>
+                  </a:schemeClr>
+                </a:solidFill>
+              </a:rPr>
+              <a:t>int</a:t>
+            </a:r>
+            <a:r>
+              <a:rPr lang="en-US" dirty="0">
+                <a:solidFill>
+                  <a:schemeClr val="accent6">
+                    <a:lumMod val="75000"/>
+                  </a:schemeClr>
+                </a:solidFill>
+              </a:rPr>
+              <a:t> </a:t>
+            </a:r>
+            <a:r>
+              <a:rPr lang="en-US" dirty="0" err="1">
+                <a:solidFill>
+                  <a:schemeClr val="accent6">
+                    <a:lumMod val="75000"/>
+                  </a:schemeClr>
+                </a:solidFill>
+              </a:rPr>
+              <a:t>pressCount</a:t>
+            </a:r>
+            <a:r>
+              <a:rPr lang="en-US" dirty="0">
+                <a:solidFill>
+                  <a:schemeClr val="accent6">
+                    <a:lumMod val="75000"/>
+                  </a:schemeClr>
+                </a:solidFill>
+              </a:rPr>
+              <a:t> = 0;</a:t>
+            </a:r>
+          </a:p>
+          <a:p>
+            <a:endParaRPr lang="en-US" dirty="0">
+              <a:solidFill>
+                <a:schemeClr val="accent6">
+                  <a:lumMod val="75000"/>
+                </a:schemeClr>
+              </a:solidFill>
+            </a:endParaRPr>
+          </a:p>
+          <a:p>
+            <a:r>
+              <a:rPr lang="en-US" dirty="0">
+                <a:solidFill>
+                  <a:schemeClr val="accent6">
+                    <a:lumMod val="75000"/>
+                  </a:schemeClr>
+                </a:solidFill>
+              </a:rPr>
+              <a:t>  void </a:t>
+            </a:r>
+            <a:r>
+              <a:rPr lang="en-US" dirty="0" err="1">
+                <a:solidFill>
+                  <a:schemeClr val="accent6">
+                    <a:lumMod val="75000"/>
+                  </a:schemeClr>
+                </a:solidFill>
+              </a:rPr>
+              <a:t>addListeners</a:t>
+            </a:r>
+            <a:r>
+              <a:rPr lang="en-US" dirty="0">
+                <a:solidFill>
+                  <a:schemeClr val="accent6">
+                    <a:lumMod val="75000"/>
+                  </a:schemeClr>
+                </a:solidFill>
+              </a:rPr>
+              <a:t>() {</a:t>
+            </a:r>
+          </a:p>
+          <a:p>
+            <a:r>
+              <a:rPr lang="en-US" dirty="0">
+                <a:solidFill>
+                  <a:schemeClr val="accent6">
+                    <a:lumMod val="75000"/>
+                  </a:schemeClr>
+                </a:solidFill>
+              </a:rPr>
+              <a:t>    </a:t>
+            </a:r>
+            <a:r>
+              <a:rPr lang="en-US" dirty="0" err="1">
+                <a:solidFill>
+                  <a:schemeClr val="accent6">
+                    <a:lumMod val="75000"/>
+                  </a:schemeClr>
+                </a:solidFill>
+              </a:rPr>
+              <a:t>button.addClickListener</a:t>
+            </a:r>
+            <a:r>
+              <a:rPr lang="en-US" dirty="0">
+                <a:solidFill>
+                  <a:schemeClr val="accent6">
+                    <a:lumMod val="75000"/>
+                  </a:schemeClr>
+                </a:solidFill>
+              </a:rPr>
+              <a:t>( new </a:t>
+            </a:r>
+            <a:r>
+              <a:rPr lang="en-US" dirty="0" err="1">
+                <a:solidFill>
+                  <a:schemeClr val="accent6">
+                    <a:lumMod val="75000"/>
+                  </a:schemeClr>
+                </a:solidFill>
+              </a:rPr>
+              <a:t>CaptureButtonListener</a:t>
+            </a:r>
+            <a:r>
+              <a:rPr lang="en-US" dirty="0">
+                <a:solidFill>
+                  <a:schemeClr val="accent6">
+                    <a:lumMod val="75000"/>
+                  </a:schemeClr>
+                </a:solidFill>
+              </a:rPr>
+              <a:t>() );</a:t>
+            </a:r>
+          </a:p>
+          <a:p>
+            <a:r>
+              <a:rPr lang="en-US" dirty="0">
+                <a:solidFill>
+                  <a:schemeClr val="accent6">
+                    <a:lumMod val="75000"/>
+                  </a:schemeClr>
+                </a:solidFill>
+              </a:rPr>
+              <a:t>  }</a:t>
+            </a:r>
+          </a:p>
+          <a:p>
+            <a:r>
+              <a:rPr lang="en-US" dirty="0">
+                <a:solidFill>
+                  <a:schemeClr val="accent6">
+                    <a:lumMod val="75000"/>
+                  </a:schemeClr>
+                </a:solidFill>
+              </a:rPr>
+              <a:t>}</a:t>
+            </a:r>
+          </a:p>
+        </p:txBody>
+      </p:sp>
+      <p:sp>
+        <p:nvSpPr>
+          <p:cNvPr id="3" name="TextBox 2"/>
+          <p:cNvSpPr txBox="1"/>
+          <p:nvPr/>
+        </p:nvSpPr>
+        <p:spPr>
+          <a:xfrm>
+            <a:off x="6568225" y="2314173"/>
+            <a:ext cx="5203065" cy="1231106"/>
+          </a:xfrm>
+          <a:prstGeom prst="rect">
+            <a:avLst/>
+          </a:prstGeom>
+          <a:noFill/>
+        </p:spPr>
+        <p:txBody>
+          <a:bodyPr wrap="square" rtlCol="0">
+            <a:spAutoFit/>
+          </a:bodyPr>
+          <a:lstStyle/>
+          <a:p>
+            <a:r>
+              <a:rPr lang="en-US" sz="2000" dirty="0" smtClean="0"/>
+              <a:t>Inner classes can be instantiated as following:</a:t>
+            </a:r>
+          </a:p>
+          <a:p>
+            <a:endParaRPr lang="en-US" dirty="0" smtClean="0"/>
+          </a:p>
+          <a:p>
+            <a:r>
+              <a:rPr lang="en-US" dirty="0" err="1" smtClean="0">
+                <a:solidFill>
+                  <a:srgbClr val="7030A0"/>
+                </a:solidFill>
+              </a:rPr>
+              <a:t>OuterClass.InnerClass</a:t>
+            </a:r>
+            <a:r>
               <a:rPr lang="en-US" dirty="0" smtClean="0">
                 <a:solidFill>
-                  <a:schemeClr val="accent6">
-                    <a:lumMod val="75000"/>
-                  </a:schemeClr>
-                </a:solidFill>
-              </a:rPr>
-              <a:t>public Number </a:t>
-            </a:r>
-            <a:r>
-              <a:rPr lang="en-US" dirty="0" err="1" smtClean="0">
-                <a:solidFill>
-                  <a:schemeClr val="accent6">
-                    <a:lumMod val="75000"/>
-                  </a:schemeClr>
-                </a:solidFill>
-              </a:rPr>
-              <a:t>returnANumber</a:t>
-            </a:r>
-            <a:r>
-              <a:rPr lang="en-US" dirty="0" smtClean="0">
-                <a:solidFill>
-                  <a:schemeClr val="accent6">
-                    <a:lumMod val="75000"/>
-                  </a:schemeClr>
-                </a:solidFill>
-              </a:rPr>
-              <a:t>() {</a:t>
-            </a:r>
-          </a:p>
-          <a:p>
-            <a:r>
-              <a:rPr lang="en-US" dirty="0" smtClean="0">
-                <a:solidFill>
-                  <a:schemeClr val="accent6">
-                    <a:lumMod val="75000"/>
-                  </a:schemeClr>
-                </a:solidFill>
-              </a:rPr>
-              <a:t>    ...</a:t>
-            </a:r>
-          </a:p>
-          <a:p>
-            <a:r>
-              <a:rPr lang="en-US" dirty="0" smtClean="0">
-                <a:solidFill>
-                  <a:schemeClr val="accent6">
-                    <a:lumMod val="75000"/>
-                  </a:schemeClr>
-                </a:solidFill>
-              </a:rPr>
-              <a:t>}</a:t>
-            </a:r>
-          </a:p>
-          <a:p>
-            <a:endParaRPr lang="en-US" dirty="0"/>
-          </a:p>
-          <a:p>
-            <a:r>
-              <a:rPr lang="en-US" dirty="0"/>
-              <a:t>The </a:t>
-            </a:r>
-            <a:r>
-              <a:rPr lang="en-US" dirty="0" err="1"/>
-              <a:t>returnANumber</a:t>
-            </a:r>
-            <a:r>
-              <a:rPr lang="en-US" dirty="0"/>
-              <a:t> method can return an </a:t>
-            </a:r>
-            <a:r>
-              <a:rPr lang="en-US" dirty="0" err="1"/>
-              <a:t>ImaginaryNumber</a:t>
-            </a:r>
-            <a:r>
-              <a:rPr lang="en-US" dirty="0"/>
-              <a:t> but not an Object. </a:t>
-            </a:r>
-            <a:r>
-              <a:rPr lang="en-US" dirty="0" err="1"/>
-              <a:t>ImaginaryNumber</a:t>
-            </a:r>
-            <a:r>
-              <a:rPr lang="en-US" dirty="0"/>
-              <a:t> is a Number because it's a subclass of Number. However, an Object is not necessarily a Number — it could be a String or another type</a:t>
-            </a:r>
-            <a:endParaRPr lang="en-US" dirty="0" smtClean="0"/>
-          </a:p>
-          <a:p>
-            <a:endParaRPr lang="en-US" dirty="0"/>
-          </a:p>
-          <a:p>
-            <a:endParaRPr lang="en-US" dirty="0"/>
+                  <a:srgbClr val="7030A0"/>
+                </a:solidFill>
+              </a:rPr>
+              <a:t> </a:t>
+            </a:r>
+            <a:r>
+              <a:rPr lang="en-US" dirty="0" err="1">
+                <a:solidFill>
+                  <a:srgbClr val="7030A0"/>
+                </a:solidFill>
+              </a:rPr>
+              <a:t>innerObject</a:t>
+            </a:r>
+            <a:r>
+              <a:rPr lang="en-US" dirty="0">
+                <a:solidFill>
+                  <a:srgbClr val="7030A0"/>
+                </a:solidFill>
+              </a:rPr>
+              <a:t> = </a:t>
+            </a:r>
+            <a:r>
+              <a:rPr lang="en-US" dirty="0" err="1">
+                <a:solidFill>
+                  <a:srgbClr val="7030A0"/>
+                </a:solidFill>
+              </a:rPr>
+              <a:t>outerObject.new</a:t>
+            </a:r>
+            <a:r>
+              <a:rPr lang="en-US" dirty="0">
+                <a:solidFill>
+                  <a:srgbClr val="7030A0"/>
+                </a:solidFill>
+              </a:rPr>
+              <a:t> </a:t>
+            </a:r>
+            <a:r>
+              <a:rPr lang="en-US" dirty="0" err="1">
+                <a:solidFill>
+                  <a:srgbClr val="7030A0"/>
+                </a:solidFill>
+              </a:rPr>
+              <a:t>InnerClass</a:t>
+            </a:r>
+            <a:r>
+              <a:rPr lang="en-US" dirty="0">
+                <a:solidFill>
+                  <a:srgbClr val="7030A0"/>
+                </a:solidFill>
+              </a:rPr>
+              <a:t>();</a:t>
+            </a:r>
           </a:p>
         </p:txBody>
       </p:sp>
     </p:spTree>
     <p:extLst>
       <p:ext uri="{BB962C8B-B14F-4D97-AF65-F5344CB8AC3E}">
-        <p14:creationId xmlns:p14="http://schemas.microsoft.com/office/powerpoint/2010/main" val="1271906606"/>
+        <p14:creationId xmlns:p14="http://schemas.microsoft.com/office/powerpoint/2010/main" val="2202553638"/>
       </p:ext>
     </p:extLst>
   </p:cSld>
@@ -23298,37 +23615,8 @@
           <a:p>
             <a:r>
               <a:rPr lang="en-US" dirty="0" smtClean="0"/>
-              <a:t>Advanced java</a:t>
-            </a:r>
-            <a:endParaRPr lang="en-US" dirty="0"/>
-          </a:p>
-        </p:txBody>
-      </p:sp>
-      <p:sp>
-        <p:nvSpPr>
-          <p:cNvPr id="6" name="TextBox 5"/>
-          <p:cNvSpPr txBox="1"/>
-          <p:nvPr/>
-        </p:nvSpPr>
-        <p:spPr>
-          <a:xfrm>
-            <a:off x="746975" y="2099256"/>
-            <a:ext cx="6645498" cy="646331"/>
-          </a:xfrm>
-          <a:prstGeom prst="rect">
-            <a:avLst/>
-          </a:prstGeom>
-          <a:noFill/>
-        </p:spPr>
-        <p:txBody>
-          <a:bodyPr wrap="square" rtlCol="0">
-            <a:spAutoFit/>
-          </a:bodyPr>
-          <a:lstStyle/>
-          <a:p>
-            <a:endParaRPr lang="en-US" b="1" dirty="0" smtClean="0"/>
-          </a:p>
-          <a:p>
+              <a:t>Nested classes</a:t>
+            </a:r>
             <a:endParaRPr lang="en-US" dirty="0"/>
           </a:p>
         </p:txBody>
@@ -23380,8 +23668,8 @@
         </p:nvSpPr>
         <p:spPr>
           <a:xfrm>
-            <a:off x="460375" y="1792936"/>
-            <a:ext cx="9994005" cy="523220"/>
+            <a:off x="7495504" y="2240924"/>
+            <a:ext cx="4456090" cy="400110"/>
           </a:xfrm>
           <a:prstGeom prst="rect">
             <a:avLst/>
@@ -23394,29 +23682,275 @@
           </a:bodyPr>
           <a:lstStyle/>
           <a:p>
-            <a:r>
-              <a:rPr lang="en-US" sz="1400" dirty="0" smtClean="0">
-                <a:solidFill>
-                  <a:schemeClr val="accent6">
-                    <a:lumMod val="75000"/>
-                  </a:schemeClr>
-                </a:solidFill>
-              </a:rPr>
-              <a:t>Garbage collection</a:t>
-            </a:r>
-          </a:p>
-          <a:p>
-            <a:r>
-              <a:rPr lang="en-US" sz="1400" dirty="0" smtClean="0">
-                <a:solidFill>
-                  <a:schemeClr val="accent6">
-                    <a:lumMod val="75000"/>
-                  </a:schemeClr>
-                </a:solidFill>
-              </a:rPr>
-              <a:t>JDBC</a:t>
-            </a:r>
-            <a:endParaRPr lang="en-US" sz="1400" dirty="0">
+            <a:endParaRPr lang="en-US" sz="2000" u="sng" dirty="0"/>
+          </a:p>
+        </p:txBody>
+      </p:sp>
+      <p:sp>
+        <p:nvSpPr>
+          <p:cNvPr id="7" name="TextBox 6"/>
+          <p:cNvSpPr txBox="1"/>
+          <p:nvPr/>
+        </p:nvSpPr>
+        <p:spPr>
+          <a:xfrm>
+            <a:off x="669701" y="1852508"/>
+            <a:ext cx="6941713" cy="461665"/>
+          </a:xfrm>
+          <a:prstGeom prst="rect">
+            <a:avLst/>
+          </a:prstGeom>
+          <a:noFill/>
+        </p:spPr>
+        <p:txBody>
+          <a:bodyPr wrap="square" rtlCol="0">
+            <a:spAutoFit/>
+          </a:bodyPr>
+          <a:lstStyle/>
+          <a:p>
+            <a:r>
+              <a:rPr lang="en-US" sz="2400" b="1" dirty="0" smtClean="0"/>
+              <a:t>Static Nested class:</a:t>
+            </a:r>
+            <a:endParaRPr lang="en-US" sz="2400" b="1" dirty="0"/>
+          </a:p>
+        </p:txBody>
+      </p:sp>
+      <p:sp>
+        <p:nvSpPr>
+          <p:cNvPr id="9" name="TextBox 8"/>
+          <p:cNvSpPr txBox="1"/>
+          <p:nvPr/>
+        </p:nvSpPr>
+        <p:spPr>
+          <a:xfrm>
+            <a:off x="856444" y="2240924"/>
+            <a:ext cx="6007995" cy="3693319"/>
+          </a:xfrm>
+          <a:prstGeom prst="rect">
+            <a:avLst/>
+          </a:prstGeom>
+          <a:noFill/>
+        </p:spPr>
+        <p:txBody>
+          <a:bodyPr wrap="square" rtlCol="0">
+            <a:spAutoFit/>
+          </a:bodyPr>
+          <a:lstStyle/>
+          <a:p>
+            <a:r>
+              <a:rPr lang="en-US" dirty="0">
+                <a:solidFill>
+                  <a:schemeClr val="accent6">
+                    <a:lumMod val="75000"/>
+                  </a:schemeClr>
+                </a:solidFill>
+              </a:rPr>
+              <a:t>public class </a:t>
+            </a:r>
+            <a:r>
+              <a:rPr lang="en-US" dirty="0" err="1">
+                <a:solidFill>
+                  <a:schemeClr val="accent6">
+                    <a:lumMod val="75000"/>
+                  </a:schemeClr>
+                </a:solidFill>
+              </a:rPr>
+              <a:t>ScreenCapture</a:t>
+            </a:r>
+            <a:r>
+              <a:rPr lang="en-US" dirty="0">
+                <a:solidFill>
+                  <a:schemeClr val="accent6">
+                    <a:lumMod val="75000"/>
+                  </a:schemeClr>
+                </a:solidFill>
+              </a:rPr>
+              <a:t> {</a:t>
+            </a:r>
+          </a:p>
+          <a:p>
+            <a:r>
+              <a:rPr lang="en-US" dirty="0">
+                <a:solidFill>
+                  <a:schemeClr val="accent6">
+                    <a:lumMod val="75000"/>
+                  </a:schemeClr>
+                </a:solidFill>
+              </a:rPr>
+              <a:t>  public static class </a:t>
+            </a:r>
+            <a:r>
+              <a:rPr lang="en-US" dirty="0" err="1">
+                <a:solidFill>
+                  <a:schemeClr val="accent6">
+                    <a:lumMod val="75000"/>
+                  </a:schemeClr>
+                </a:solidFill>
+              </a:rPr>
+              <a:t>CaptureButtonListener</a:t>
+            </a:r>
+            <a:r>
+              <a:rPr lang="en-US" dirty="0">
+                <a:solidFill>
+                  <a:schemeClr val="accent6">
+                    <a:lumMod val="75000"/>
+                  </a:schemeClr>
+                </a:solidFill>
+              </a:rPr>
+              <a:t> implements </a:t>
+            </a:r>
+            <a:r>
+              <a:rPr lang="en-US" dirty="0" err="1">
+                <a:solidFill>
+                  <a:schemeClr val="accent6">
+                    <a:lumMod val="75000"/>
+                  </a:schemeClr>
+                </a:solidFill>
+              </a:rPr>
+              <a:t>ClickListener</a:t>
+            </a:r>
+            <a:r>
+              <a:rPr lang="en-US" dirty="0">
+                <a:solidFill>
+                  <a:schemeClr val="accent6">
+                    <a:lumMod val="75000"/>
+                  </a:schemeClr>
+                </a:solidFill>
+              </a:rPr>
+              <a:t> {</a:t>
+            </a:r>
+          </a:p>
+          <a:p>
+            <a:r>
+              <a:rPr lang="en-US" dirty="0">
+                <a:solidFill>
+                  <a:schemeClr val="accent6">
+                    <a:lumMod val="75000"/>
+                  </a:schemeClr>
+                </a:solidFill>
+              </a:rPr>
+              <a:t>    protected </a:t>
+            </a:r>
+            <a:r>
+              <a:rPr lang="en-US" dirty="0" err="1">
+                <a:solidFill>
+                  <a:schemeClr val="accent6">
+                    <a:lumMod val="75000"/>
+                  </a:schemeClr>
+                </a:solidFill>
+              </a:rPr>
+              <a:t>ScreenCapture</a:t>
+            </a:r>
+            <a:r>
+              <a:rPr lang="en-US" dirty="0">
+                <a:solidFill>
+                  <a:schemeClr val="accent6">
+                    <a:lumMod val="75000"/>
+                  </a:schemeClr>
+                </a:solidFill>
+              </a:rPr>
+              <a:t> controller;</a:t>
+            </a:r>
+          </a:p>
+          <a:p>
+            <a:r>
+              <a:rPr lang="en-US" dirty="0">
+                <a:solidFill>
+                  <a:schemeClr val="accent6">
+                    <a:lumMod val="75000"/>
+                  </a:schemeClr>
+                </a:solidFill>
+              </a:rPr>
+              <a:t>    public </a:t>
+            </a:r>
+            <a:r>
+              <a:rPr lang="en-US" dirty="0" err="1">
+                <a:solidFill>
+                  <a:schemeClr val="accent6">
+                    <a:lumMod val="75000"/>
+                  </a:schemeClr>
+                </a:solidFill>
+              </a:rPr>
+              <a:t>CaptureButtonListener</a:t>
+            </a:r>
+            <a:r>
+              <a:rPr lang="en-US" dirty="0">
+                <a:solidFill>
+                  <a:schemeClr val="accent6">
+                    <a:lumMod val="75000"/>
+                  </a:schemeClr>
+                </a:solidFill>
+              </a:rPr>
+              <a:t>( </a:t>
+            </a:r>
+            <a:r>
+              <a:rPr lang="en-US" dirty="0" err="1">
+                <a:solidFill>
+                  <a:schemeClr val="accent6">
+                    <a:lumMod val="75000"/>
+                  </a:schemeClr>
+                </a:solidFill>
+              </a:rPr>
+              <a:t>ScreenCapture</a:t>
+            </a:r>
+            <a:r>
+              <a:rPr lang="en-US" dirty="0">
+                <a:solidFill>
+                  <a:schemeClr val="accent6">
+                    <a:lumMod val="75000"/>
+                  </a:schemeClr>
+                </a:solidFill>
+              </a:rPr>
+              <a:t> controller ) {</a:t>
+            </a:r>
+          </a:p>
+          <a:p>
+            <a:r>
+              <a:rPr lang="en-US" dirty="0">
+                <a:solidFill>
+                  <a:schemeClr val="accent6">
+                    <a:lumMod val="75000"/>
+                  </a:schemeClr>
+                </a:solidFill>
+              </a:rPr>
+              <a:t>      </a:t>
+            </a:r>
+            <a:r>
+              <a:rPr lang="en-US" dirty="0" err="1">
+                <a:solidFill>
+                  <a:schemeClr val="accent6">
+                    <a:lumMod val="75000"/>
+                  </a:schemeClr>
+                </a:solidFill>
+              </a:rPr>
+              <a:t>this.controller</a:t>
+            </a:r>
+            <a:r>
+              <a:rPr lang="en-US" dirty="0">
+                <a:solidFill>
+                  <a:schemeClr val="accent6">
+                    <a:lumMod val="75000"/>
+                  </a:schemeClr>
+                </a:solidFill>
+              </a:rPr>
+              <a:t> = controller;</a:t>
+            </a:r>
+          </a:p>
+          <a:p>
+            <a:r>
+              <a:rPr lang="en-US" dirty="0">
+                <a:solidFill>
+                  <a:schemeClr val="accent6">
+                    <a:lumMod val="75000"/>
+                  </a:schemeClr>
+                </a:solidFill>
+              </a:rPr>
+              <a:t>    }</a:t>
+            </a:r>
+          </a:p>
+          <a:p>
+            <a:endParaRPr lang="en-US" dirty="0">
               <a:solidFill>
                 <a:schemeClr val="accent6">
                   <a:lumMod val="75000"/>
@@ -23424,18 +23958,155 @@
               </a:solidFill>
             </a:endParaRPr>
           </a:p>
-        </p:txBody>
-      </p:sp>
-      <p:sp>
-        <p:nvSpPr>
-          <p:cNvPr id="9" name="TextBox 8"/>
+          <a:p>
+            <a:r>
+              <a:rPr lang="en-US" dirty="0">
+                <a:solidFill>
+                  <a:schemeClr val="accent6">
+                    <a:lumMod val="75000"/>
+                  </a:schemeClr>
+                </a:solidFill>
+              </a:rPr>
+              <a:t>     public void </a:t>
+            </a:r>
+            <a:r>
+              <a:rPr lang="en-US" dirty="0" err="1">
+                <a:solidFill>
+                  <a:schemeClr val="accent6">
+                    <a:lumMod val="75000"/>
+                  </a:schemeClr>
+                </a:solidFill>
+              </a:rPr>
+              <a:t>onClick</a:t>
+            </a:r>
+            <a:r>
+              <a:rPr lang="en-US" dirty="0">
+                <a:solidFill>
+                  <a:schemeClr val="accent6">
+                    <a:lumMod val="75000"/>
+                  </a:schemeClr>
+                </a:solidFill>
+              </a:rPr>
+              <a:t>( </a:t>
+            </a:r>
+            <a:r>
+              <a:rPr lang="en-US" dirty="0" err="1">
+                <a:solidFill>
+                  <a:schemeClr val="accent6">
+                    <a:lumMod val="75000"/>
+                  </a:schemeClr>
+                </a:solidFill>
+              </a:rPr>
+              <a:t>ClickEvent</a:t>
+            </a:r>
+            <a:r>
+              <a:rPr lang="en-US" dirty="0">
+                <a:solidFill>
+                  <a:schemeClr val="accent6">
+                    <a:lumMod val="75000"/>
+                  </a:schemeClr>
+                </a:solidFill>
+              </a:rPr>
+              <a:t> click ) {</a:t>
+            </a:r>
+          </a:p>
+          <a:p>
+            <a:r>
+              <a:rPr lang="en-US" dirty="0">
+                <a:solidFill>
+                  <a:schemeClr val="accent6">
+                    <a:lumMod val="75000"/>
+                  </a:schemeClr>
+                </a:solidFill>
+              </a:rPr>
+              <a:t>       //..capture</a:t>
+            </a:r>
+          </a:p>
+          <a:p>
+            <a:r>
+              <a:rPr lang="en-US" dirty="0">
+                <a:solidFill>
+                  <a:schemeClr val="accent6">
+                    <a:lumMod val="75000"/>
+                  </a:schemeClr>
+                </a:solidFill>
+              </a:rPr>
+              <a:t>       </a:t>
+            </a:r>
+            <a:r>
+              <a:rPr lang="en-US" dirty="0" err="1">
+                <a:solidFill>
+                  <a:schemeClr val="accent6">
+                    <a:lumMod val="75000"/>
+                  </a:schemeClr>
+                </a:solidFill>
+              </a:rPr>
+              <a:t>controller.pressCount</a:t>
+            </a:r>
+            <a:r>
+              <a:rPr lang="en-US" dirty="0">
+                <a:solidFill>
+                  <a:schemeClr val="accent6">
+                    <a:lumMod val="75000"/>
+                  </a:schemeClr>
+                </a:solidFill>
+              </a:rPr>
+              <a:t>++;</a:t>
+            </a:r>
+          </a:p>
+          <a:p>
+            <a:r>
+              <a:rPr lang="en-US" dirty="0">
+                <a:solidFill>
+                  <a:schemeClr val="accent6">
+                    <a:lumMod val="75000"/>
+                  </a:schemeClr>
+                </a:solidFill>
+              </a:rPr>
+              <a:t>     }</a:t>
+            </a:r>
+          </a:p>
+          <a:p>
+            <a:r>
+              <a:rPr lang="en-US" dirty="0">
+                <a:solidFill>
+                  <a:schemeClr val="accent6">
+                    <a:lumMod val="75000"/>
+                  </a:schemeClr>
+                </a:solidFill>
+              </a:rPr>
+              <a:t>  </a:t>
+            </a:r>
+            <a:r>
+              <a:rPr lang="en-US" dirty="0" smtClean="0">
+                <a:solidFill>
+                  <a:schemeClr val="accent6">
+                    <a:lumMod val="75000"/>
+                  </a:schemeClr>
+                </a:solidFill>
+              </a:rPr>
+              <a:t>}</a:t>
+            </a:r>
+            <a:endParaRPr lang="en-US" dirty="0">
+              <a:solidFill>
+                <a:schemeClr val="accent6">
+                  <a:lumMod val="75000"/>
+                </a:schemeClr>
+              </a:solidFill>
+            </a:endParaRPr>
+          </a:p>
+        </p:txBody>
+      </p:sp>
+      <p:sp>
+        <p:nvSpPr>
+          <p:cNvPr id="6" name="TextBox 5"/>
           <p:cNvSpPr txBox="1"/>
           <p:nvPr/>
         </p:nvSpPr>
         <p:spPr>
           <a:xfrm>
-            <a:off x="1300766" y="3098995"/>
-            <a:ext cx="9440214" cy="3198774"/>
+            <a:off x="6864439" y="1983346"/>
+            <a:ext cx="5087155" cy="3693319"/>
           </a:xfrm>
           <a:prstGeom prst="rect">
             <a:avLst/>
@@ -23448,14 +24119,435 @@
           </a:bodyPr>
           <a:lstStyle/>
           <a:p>
-            <a:endParaRPr lang="en-US" dirty="0"/>
+            <a:r>
+              <a:rPr lang="en-US" dirty="0" smtClean="0">
+                <a:solidFill>
+                  <a:schemeClr val="accent6">
+                    <a:lumMod val="75000"/>
+                  </a:schemeClr>
+                </a:solidFill>
+              </a:rPr>
+              <a:t>  </a:t>
+            </a:r>
+            <a:r>
+              <a:rPr lang="en-US" dirty="0">
+                <a:solidFill>
+                  <a:schemeClr val="accent6">
+                    <a:lumMod val="75000"/>
+                  </a:schemeClr>
+                </a:solidFill>
+              </a:rPr>
+              <a:t>Button </a:t>
+            </a:r>
+            <a:r>
+              <a:rPr lang="en-US" dirty="0" err="1">
+                <a:solidFill>
+                  <a:schemeClr val="accent6">
+                    <a:lumMod val="75000"/>
+                  </a:schemeClr>
+                </a:solidFill>
+              </a:rPr>
+              <a:t>button</a:t>
+            </a:r>
+            <a:r>
+              <a:rPr lang="en-US" dirty="0">
+                <a:solidFill>
+                  <a:schemeClr val="accent6">
+                    <a:lumMod val="75000"/>
+                  </a:schemeClr>
+                </a:solidFill>
+              </a:rPr>
+              <a:t> = new Button("capture");</a:t>
+            </a:r>
+          </a:p>
+          <a:p>
+            <a:r>
+              <a:rPr lang="en-US" dirty="0">
+                <a:solidFill>
+                  <a:schemeClr val="accent6">
+                    <a:lumMod val="75000"/>
+                  </a:schemeClr>
+                </a:solidFill>
+              </a:rPr>
+              <a:t>  </a:t>
+            </a:r>
+            <a:r>
+              <a:rPr lang="en-US" dirty="0" err="1">
+                <a:solidFill>
+                  <a:schemeClr val="accent6">
+                    <a:lumMod val="75000"/>
+                  </a:schemeClr>
+                </a:solidFill>
+              </a:rPr>
+              <a:t>int</a:t>
+            </a:r>
+            <a:r>
+              <a:rPr lang="en-US" dirty="0">
+                <a:solidFill>
+                  <a:schemeClr val="accent6">
+                    <a:lumMod val="75000"/>
+                  </a:schemeClr>
+                </a:solidFill>
+              </a:rPr>
+              <a:t> </a:t>
+            </a:r>
+            <a:r>
+              <a:rPr lang="en-US" dirty="0" err="1">
+                <a:solidFill>
+                  <a:schemeClr val="accent6">
+                    <a:lumMod val="75000"/>
+                  </a:schemeClr>
+                </a:solidFill>
+              </a:rPr>
+              <a:t>pressCount</a:t>
+            </a:r>
+            <a:r>
+              <a:rPr lang="en-US" dirty="0">
+                <a:solidFill>
+                  <a:schemeClr val="accent6">
+                    <a:lumMod val="75000"/>
+                  </a:schemeClr>
+                </a:solidFill>
+              </a:rPr>
+              <a:t> = 0;</a:t>
+            </a:r>
+          </a:p>
+          <a:p>
+            <a:endParaRPr lang="en-US" dirty="0">
+              <a:solidFill>
+                <a:schemeClr val="accent6">
+                  <a:lumMod val="75000"/>
+                </a:schemeClr>
+              </a:solidFill>
+            </a:endParaRPr>
+          </a:p>
+          <a:p>
+            <a:r>
+              <a:rPr lang="en-US" dirty="0">
+                <a:solidFill>
+                  <a:schemeClr val="accent6">
+                    <a:lumMod val="75000"/>
+                  </a:schemeClr>
+                </a:solidFill>
+              </a:rPr>
+              <a:t>  public void </a:t>
+            </a:r>
+            <a:r>
+              <a:rPr lang="en-US" dirty="0" err="1">
+                <a:solidFill>
+                  <a:schemeClr val="accent6">
+                    <a:lumMod val="75000"/>
+                  </a:schemeClr>
+                </a:solidFill>
+              </a:rPr>
+              <a:t>captureRequested</a:t>
+            </a:r>
+            <a:r>
+              <a:rPr lang="en-US" dirty="0">
+                <a:solidFill>
+                  <a:schemeClr val="accent6">
+                    <a:lumMod val="75000"/>
+                  </a:schemeClr>
+                </a:solidFill>
+              </a:rPr>
+              <a:t>() {</a:t>
+            </a:r>
+          </a:p>
+          <a:p>
+            <a:r>
+              <a:rPr lang="en-US" dirty="0">
+                <a:solidFill>
+                  <a:schemeClr val="accent6">
+                    <a:lumMod val="75000"/>
+                  </a:schemeClr>
+                </a:solidFill>
+              </a:rPr>
+              <a:t>    //do capture...</a:t>
+            </a:r>
+          </a:p>
+          <a:p>
+            <a:r>
+              <a:rPr lang="en-US" dirty="0">
+                <a:solidFill>
+                  <a:schemeClr val="accent6">
+                    <a:lumMod val="75000"/>
+                  </a:schemeClr>
+                </a:solidFill>
+              </a:rPr>
+              <a:t>    </a:t>
+            </a:r>
+            <a:r>
+              <a:rPr lang="en-US" dirty="0" err="1">
+                <a:solidFill>
+                  <a:schemeClr val="accent6">
+                    <a:lumMod val="75000"/>
+                  </a:schemeClr>
+                </a:solidFill>
+              </a:rPr>
+              <a:t>pressCount</a:t>
+            </a:r>
+            <a:r>
+              <a:rPr lang="en-US" dirty="0">
+                <a:solidFill>
+                  <a:schemeClr val="accent6">
+                    <a:lumMod val="75000"/>
+                  </a:schemeClr>
+                </a:solidFill>
+              </a:rPr>
+              <a:t>++;</a:t>
+            </a:r>
+          </a:p>
+          <a:p>
+            <a:r>
+              <a:rPr lang="en-US" dirty="0">
+                <a:solidFill>
+                  <a:schemeClr val="accent6">
+                    <a:lumMod val="75000"/>
+                  </a:schemeClr>
+                </a:solidFill>
+              </a:rPr>
+              <a:t>  }</a:t>
+            </a:r>
+          </a:p>
+          <a:p>
+            <a:endParaRPr lang="en-US" dirty="0">
+              <a:solidFill>
+                <a:schemeClr val="accent6">
+                  <a:lumMod val="75000"/>
+                </a:schemeClr>
+              </a:solidFill>
+            </a:endParaRPr>
+          </a:p>
+          <a:p>
+            <a:r>
+              <a:rPr lang="en-US" dirty="0">
+                <a:solidFill>
+                  <a:schemeClr val="accent6">
+                    <a:lumMod val="75000"/>
+                  </a:schemeClr>
+                </a:solidFill>
+              </a:rPr>
+              <a:t>  void </a:t>
+            </a:r>
+            <a:r>
+              <a:rPr lang="en-US" dirty="0" err="1">
+                <a:solidFill>
+                  <a:schemeClr val="accent6">
+                    <a:lumMod val="75000"/>
+                  </a:schemeClr>
+                </a:solidFill>
+              </a:rPr>
+              <a:t>addListeners</a:t>
+            </a:r>
+            <a:r>
+              <a:rPr lang="en-US" dirty="0">
+                <a:solidFill>
+                  <a:schemeClr val="accent6">
+                    <a:lumMod val="75000"/>
+                  </a:schemeClr>
+                </a:solidFill>
+              </a:rPr>
+              <a:t>() {</a:t>
+            </a:r>
+          </a:p>
+          <a:p>
+            <a:r>
+              <a:rPr lang="en-US" dirty="0">
+                <a:solidFill>
+                  <a:schemeClr val="accent6">
+                    <a:lumMod val="75000"/>
+                  </a:schemeClr>
+                </a:solidFill>
+              </a:rPr>
+              <a:t>    </a:t>
+            </a:r>
+            <a:r>
+              <a:rPr lang="en-US" dirty="0" err="1">
+                <a:solidFill>
+                  <a:schemeClr val="accent6">
+                    <a:lumMod val="75000"/>
+                  </a:schemeClr>
+                </a:solidFill>
+              </a:rPr>
+              <a:t>button.addClickListener</a:t>
+            </a:r>
+            <a:r>
+              <a:rPr lang="en-US" dirty="0">
+                <a:solidFill>
+                  <a:schemeClr val="accent6">
+                    <a:lumMod val="75000"/>
+                  </a:schemeClr>
+                </a:solidFill>
+              </a:rPr>
+              <a:t>( new </a:t>
+            </a:r>
+            <a:r>
+              <a:rPr lang="en-US" dirty="0" err="1">
+                <a:solidFill>
+                  <a:schemeClr val="accent6">
+                    <a:lumMod val="75000"/>
+                  </a:schemeClr>
+                </a:solidFill>
+              </a:rPr>
+              <a:t>CaptureButtonListener</a:t>
+            </a:r>
+            <a:r>
+              <a:rPr lang="en-US" dirty="0">
+                <a:solidFill>
+                  <a:schemeClr val="accent6">
+                    <a:lumMod val="75000"/>
+                  </a:schemeClr>
+                </a:solidFill>
+              </a:rPr>
+              <a:t>(this) );</a:t>
+            </a:r>
+          </a:p>
+          <a:p>
+            <a:r>
+              <a:rPr lang="en-US" dirty="0">
+                <a:solidFill>
+                  <a:schemeClr val="accent6">
+                    <a:lumMod val="75000"/>
+                  </a:schemeClr>
+                </a:solidFill>
+              </a:rPr>
+              <a:t>  }</a:t>
+            </a:r>
+          </a:p>
+          <a:p>
+            <a:r>
+              <a:rPr lang="en-US" dirty="0">
+                <a:solidFill>
+                  <a:schemeClr val="accent6">
+                    <a:lumMod val="75000"/>
+                  </a:schemeClr>
+                </a:solidFill>
+              </a:rPr>
+              <a:t>}</a:t>
+            </a:r>
+          </a:p>
+        </p:txBody>
+      </p:sp>
+      <p:sp>
+        <p:nvSpPr>
+          <p:cNvPr id="11" name="TextBox 10"/>
+          <p:cNvSpPr txBox="1"/>
+          <p:nvPr/>
+        </p:nvSpPr>
+        <p:spPr>
+          <a:xfrm>
+            <a:off x="1980082" y="5591656"/>
+            <a:ext cx="8490442" cy="1200329"/>
+          </a:xfrm>
+          <a:prstGeom prst="rect">
+            <a:avLst/>
+          </a:prstGeom>
+          <a:noFill/>
+        </p:spPr>
+        <p:txBody>
+          <a:bodyPr wrap="square" rtlCol="0">
+            <a:spAutoFit/>
+          </a:bodyPr>
+          <a:lstStyle/>
+          <a:p>
+            <a:r>
+              <a:rPr lang="en-US" dirty="0"/>
+              <a:t>Static nested classes are accessed using the enclosing class name:</a:t>
+            </a:r>
+          </a:p>
+          <a:p>
+            <a:r>
+              <a:rPr lang="en-US" dirty="0" err="1" smtClean="0">
+                <a:solidFill>
+                  <a:srgbClr val="7030A0"/>
+                </a:solidFill>
+              </a:rPr>
+              <a:t>OuterClass.StaticNestedClass</a:t>
+            </a:r>
+            <a:endParaRPr lang="en-US" dirty="0">
+              <a:solidFill>
+                <a:srgbClr val="7030A0"/>
+              </a:solidFill>
+            </a:endParaRPr>
+          </a:p>
+          <a:p>
+            <a:r>
+              <a:rPr lang="en-US" dirty="0"/>
+              <a:t>For example, to create an object for the static nested class, use this syntax:</a:t>
+            </a:r>
+          </a:p>
+          <a:p>
+            <a:r>
+              <a:rPr lang="en-US" dirty="0" err="1" smtClean="0">
+                <a:solidFill>
+                  <a:srgbClr val="7030A0"/>
+                </a:solidFill>
+              </a:rPr>
+              <a:t>OuterClass.StaticNestedClass</a:t>
+            </a:r>
+            <a:r>
+              <a:rPr lang="en-US" dirty="0" smtClean="0">
+                <a:solidFill>
+                  <a:srgbClr val="7030A0"/>
+                </a:solidFill>
+              </a:rPr>
+              <a:t> </a:t>
+            </a:r>
+            <a:r>
+              <a:rPr lang="en-US" dirty="0" err="1">
+                <a:solidFill>
+                  <a:srgbClr val="7030A0"/>
+                </a:solidFill>
+              </a:rPr>
+              <a:t>nestedObject</a:t>
+            </a:r>
+            <a:r>
+              <a:rPr lang="en-US" dirty="0">
+                <a:solidFill>
+                  <a:srgbClr val="7030A0"/>
+                </a:solidFill>
+              </a:rPr>
+              <a:t> </a:t>
+            </a:r>
+            <a:r>
+              <a:rPr lang="en-US" dirty="0" smtClean="0">
+                <a:solidFill>
+                  <a:srgbClr val="7030A0"/>
+                </a:solidFill>
+              </a:rPr>
+              <a:t>=      </a:t>
+            </a:r>
+            <a:r>
+              <a:rPr lang="en-US" dirty="0">
+                <a:solidFill>
+                  <a:srgbClr val="7030A0"/>
+                </a:solidFill>
+              </a:rPr>
+              <a:t>new </a:t>
+            </a:r>
+            <a:r>
+              <a:rPr lang="en-US" dirty="0" err="1">
+                <a:solidFill>
+                  <a:srgbClr val="7030A0"/>
+                </a:solidFill>
+              </a:rPr>
+              <a:t>OuterClass.StaticNestedClass</a:t>
+            </a:r>
+            <a:r>
+              <a:rPr lang="en-US" dirty="0">
+                <a:solidFill>
+                  <a:srgbClr val="7030A0"/>
+                </a:solidFill>
+              </a:rPr>
+              <a:t>();</a:t>
+            </a:r>
           </a:p>
         </p:txBody>
       </p:sp>
     </p:spTree>
     <p:extLst>
       <p:ext uri="{BB962C8B-B14F-4D97-AF65-F5344CB8AC3E}">
-        <p14:creationId xmlns:p14="http://schemas.microsoft.com/office/powerpoint/2010/main" val="2545554712"/>
+        <p14:creationId xmlns:p14="http://schemas.microsoft.com/office/powerpoint/2010/main" val="1961647420"/>
       </p:ext>
     </p:extLst>
   </p:cSld>
@@ -23506,7 +24598,7 @@
           <a:p>
             <a:r>
               <a:rPr lang="en-US" dirty="0" smtClean="0"/>
-              <a:t>references</a:t>
+              <a:t>Nested classes</a:t>
             </a:r>
             <a:endParaRPr lang="en-US" dirty="0"/>
           </a:p>
@@ -23514,104 +24606,144 @@
       </p:sp>
       <p:sp>
         <p:nvSpPr>
-          <p:cNvPr id="3" name="Content Placeholder 2"/>
+          <p:cNvPr id="4" name="AutoShape 8" descr="http://www.penjee.com/programming/wp-content/uploads/2014/05/parameter-vs-argument-diagram.png"/>
           <p:cNvSpPr>
-            <a:spLocks noGrp="1"/>
+            <a:spLocks noChangeAspect="1" noChangeArrowheads="1"/>
           </p:cNvSpPr>
-          <p:nvPr>
-            <p:ph idx="1"/>
-          </p:nvPr>
-        </p:nvSpPr>
-        <p:spPr/>
-        <p:txBody>
-          <a:bodyPr/>
-          <a:lstStyle/>
-          <a:p>
-            <a:r>
-              <a:rPr lang="en-US" dirty="0">
-                <a:hlinkClick r:id="rId2"/>
-              </a:rPr>
-              <a:t>https://</a:t>
-            </a:r>
-            <a:r>
-              <a:rPr lang="en-US" dirty="0" smtClean="0">
-                <a:hlinkClick r:id="rId2"/>
-              </a:rPr>
-              <a:t>docs.oracle.com/javase/tutorial/reallybigindex.html</a:t>
+          <p:nvPr/>
+        </p:nvSpPr>
+        <p:spPr bwMode="auto">
+          <a:xfrm>
+            <a:off x="155575" y="-144463"/>
+            <a:ext cx="304800" cy="304801"/>
+          </a:xfrm>
+          <a:prstGeom prst="rect">
+            <a:avLst/>
+          </a:prstGeom>
+          <a:noFill/>
+          <a:extLst>
+            <a:ext uri="{909E8E84-426E-40DD-AFC4-6F175D3DCCD1}">
+              <a14:hiddenFill xmlns:a14="http://schemas.microsoft.com/office/drawing/2010/main">
+                <a:solidFill>
+                  <a:srgbClr val="FFFFFF"/>
+                </a:solidFill>
+              </a14:hiddenFill>
+            </a:ext>
+          </a:extLst>
+        </p:spPr>
+        <p:txBody>
+          <a:bodyPr vert="horz" wrap="square" lIns="91440" tIns="45720" rIns="91440" bIns="45720" numCol="1" anchor="t" anchorCtr="0" compatLnSpc="1">
+            <a:prstTxWarp prst="textNoShape">
+              <a:avLst/>
+            </a:prstTxWarp>
+          </a:bodyPr>
+          <a:lstStyle/>
+          <a:p>
+            <a:endParaRPr lang="en-US"/>
+          </a:p>
+        </p:txBody>
+      </p:sp>
+      <p:sp>
+        <p:nvSpPr>
+          <p:cNvPr id="8" name="TextBox 7"/>
+          <p:cNvSpPr txBox="1"/>
+          <p:nvPr/>
+        </p:nvSpPr>
+        <p:spPr>
+          <a:xfrm>
+            <a:off x="7495504" y="2240924"/>
+            <a:ext cx="4456090" cy="400110"/>
+          </a:xfrm>
+          <a:prstGeom prst="rect">
+            <a:avLst/>
+          </a:prstGeom>
+          <a:noFill/>
+        </p:spPr>
+        <p:txBody>
+          <a:bodyPr wrap="square" rtlCol="0">
+            <a:spAutoFit/>
+          </a:bodyPr>
+          <a:lstStyle/>
+          <a:p>
+            <a:endParaRPr lang="en-US" sz="2000" u="sng" dirty="0"/>
+          </a:p>
+        </p:txBody>
+      </p:sp>
+      <p:pic>
+        <p:nvPicPr>
+          <p:cNvPr id="5" name="Picture 4"/>
+          <p:cNvPicPr>
+            <a:picLocks noChangeAspect="1"/>
+          </p:cNvPicPr>
+          <p:nvPr/>
+        </p:nvPicPr>
+        <p:blipFill>
+          <a:blip r:embed="rId2"/>
+          <a:stretch>
+            <a:fillRect/>
+          </a:stretch>
+        </p:blipFill>
+        <p:spPr>
+          <a:xfrm>
+            <a:off x="559895" y="2133600"/>
+            <a:ext cx="8468195" cy="3673603"/>
+          </a:xfrm>
+          <a:prstGeom prst="rect">
+            <a:avLst/>
+          </a:prstGeom>
+        </p:spPr>
+      </p:pic>
+      <p:sp>
+        <p:nvSpPr>
+          <p:cNvPr id="10" name="TextBox 9"/>
+          <p:cNvSpPr txBox="1"/>
+          <p:nvPr/>
+        </p:nvSpPr>
+        <p:spPr>
+          <a:xfrm>
+            <a:off x="559895" y="5962918"/>
+            <a:ext cx="9215170" cy="1477328"/>
+          </a:xfrm>
+          <a:prstGeom prst="rect">
+            <a:avLst/>
+          </a:prstGeom>
+          <a:noFill/>
+        </p:spPr>
+        <p:txBody>
+          <a:bodyPr wrap="square" rtlCol="0">
+            <a:spAutoFit/>
+          </a:bodyPr>
+          <a:lstStyle/>
+          <a:p>
+            <a:r>
+              <a:rPr lang="en-US" dirty="0"/>
+              <a:t>Lab11.1: Demonstration of using inner classes: </a:t>
+            </a:r>
+            <a:r>
+              <a:rPr lang="en-US" dirty="0" err="1" smtClean="0"/>
+              <a:t>ShadowTest</a:t>
             </a:r>
             <a:endParaRPr lang="en-US" dirty="0" smtClean="0"/>
           </a:p>
           <a:p>
             <a:r>
-              <a:rPr lang="en-US" dirty="0">
-                <a:hlinkClick r:id="rId3"/>
-              </a:rPr>
-              <a:t>http://</a:t>
-            </a:r>
-            <a:r>
-              <a:rPr lang="en-US" dirty="0" smtClean="0">
-                <a:hlinkClick r:id="rId3"/>
-              </a:rPr>
-              <a:t>www.slideshare.net/EdurekaIN/java-class-3</a:t>
-            </a:r>
-            <a:endParaRPr lang="en-US" dirty="0" smtClean="0"/>
-          </a:p>
-          <a:p>
-            <a:r>
-              <a:rPr lang="en-US" dirty="0">
-                <a:hlinkClick r:id="rId4"/>
-              </a:rPr>
-              <a:t>http://</a:t>
-            </a:r>
-            <a:r>
-              <a:rPr lang="en-US" dirty="0" smtClean="0">
-                <a:hlinkClick r:id="rId4"/>
-              </a:rPr>
-              <a:t>www.slideshare.net/abdurrehmanabdurrehman391/variables-and-data-types-by-sir-khalid</a:t>
-            </a:r>
-            <a:endParaRPr lang="en-US" dirty="0" smtClean="0"/>
-          </a:p>
-          <a:p>
-            <a:r>
-              <a:rPr lang="en-US" dirty="0">
-                <a:hlinkClick r:id="rId5"/>
-              </a:rPr>
-              <a:t>http://</a:t>
-            </a:r>
-            <a:r>
-              <a:rPr lang="en-US" dirty="0" smtClean="0">
-                <a:hlinkClick r:id="rId5"/>
-              </a:rPr>
-              <a:t>www.slideshare.net/abdurrehmanabdurrehman391/java-advancedoop</a:t>
-            </a:r>
-            <a:endParaRPr lang="en-US" dirty="0" smtClean="0"/>
-          </a:p>
-          <a:p>
-            <a:r>
-              <a:rPr lang="en-US" dirty="0">
-                <a:hlinkClick r:id="rId6"/>
-              </a:rPr>
-              <a:t>http://</a:t>
-            </a:r>
-            <a:r>
-              <a:rPr lang="en-US" dirty="0" smtClean="0">
-                <a:hlinkClick r:id="rId6"/>
-              </a:rPr>
-              <a:t>www.slideshare.net/MindfireSolutions/java-garbage-collection-how-it-works?next_slideshow=1</a:t>
-            </a:r>
-            <a:endParaRPr lang="en-US" dirty="0" smtClean="0"/>
-          </a:p>
-          <a:p>
-            <a:endParaRPr lang="en-US" dirty="0" smtClean="0"/>
-          </a:p>
-          <a:p>
-            <a:endParaRPr lang="en-US" dirty="0" smtClean="0"/>
-          </a:p>
-          <a:p>
-            <a:endParaRPr lang="en-US" dirty="0" smtClean="0"/>
-          </a:p>
-          <a:p>
-            <a:endParaRPr lang="en-US" dirty="0" smtClean="0"/>
+              <a:rPr lang="en-US" dirty="0"/>
+              <a:t>Lab11.2: Demonstration of using inner classes: </a:t>
+            </a:r>
+            <a:r>
+              <a:rPr lang="en-US" dirty="0" err="1"/>
+              <a:t>DataStructure</a:t>
+            </a:r>
+            <a:endParaRPr lang="en-US" dirty="0"/>
+          </a:p>
+          <a:p>
+            <a:endParaRPr lang="en-US" b="1" dirty="0"/>
+          </a:p>
+          <a:p>
+            <a:r>
+              <a:rPr lang="en-US" dirty="0" smtClean="0"/>
+              <a:t>:</a:t>
+            </a:r>
           </a:p>
           <a:p>
             <a:endParaRPr lang="en-US" dirty="0"/>
@@ -23621,7 +24753,7 @@
     </p:spTree>
     <p:extLst>
       <p:ext uri="{BB962C8B-B14F-4D97-AF65-F5344CB8AC3E}">
-        <p14:creationId xmlns:p14="http://schemas.microsoft.com/office/powerpoint/2010/main" val="3290681883"/>
+        <p14:creationId xmlns:p14="http://schemas.microsoft.com/office/powerpoint/2010/main" val="3453536660"/>
       </p:ext>
     </p:extLst>
   </p:cSld>
@@ -23755,6 +24887,2334 @@
 </p:sld>
 </file>
 
+<file path=ppt/slides/slide70.xml><?xml version="1.0" encoding="utf-8"?>
+<p:sld xmlns:a="http://schemas.openxmlformats.org/drawingml/2006/main" xmlns:r="http://schemas.openxmlformats.org/officeDocument/2006/relationships" xmlns:p="http://schemas.openxmlformats.org/presentationml/2006/main">
+  <p:cSld>
+    <p:spTree>
+      <p:nvGrpSpPr>
+        <p:cNvPr id="1" name=""/>
+        <p:cNvGrpSpPr/>
+        <p:nvPr/>
+      </p:nvGrpSpPr>
+      <p:grpSpPr>
+        <a:xfrm>
+          <a:off x="0" y="0"/>
+          <a:ext cx="0" cy="0"/>
+          <a:chOff x="0" y="0"/>
+          <a:chExt cx="0" cy="0"/>
+        </a:xfrm>
+      </p:grpSpPr>
+      <p:sp>
+        <p:nvSpPr>
+          <p:cNvPr id="2" name="Title 1"/>
+          <p:cNvSpPr>
+            <a:spLocks noGrp="1"/>
+          </p:cNvSpPr>
+          <p:nvPr>
+            <p:ph type="title"/>
+          </p:nvPr>
+        </p:nvSpPr>
+        <p:spPr/>
+        <p:txBody>
+          <a:bodyPr/>
+          <a:lstStyle/>
+          <a:p>
+            <a:r>
+              <a:rPr lang="en-US" dirty="0" smtClean="0"/>
+              <a:t>Nested classes</a:t>
+            </a:r>
+            <a:endParaRPr lang="en-US" dirty="0"/>
+          </a:p>
+        </p:txBody>
+      </p:sp>
+      <p:sp>
+        <p:nvSpPr>
+          <p:cNvPr id="4" name="AutoShape 8" descr="http://www.penjee.com/programming/wp-content/uploads/2014/05/parameter-vs-argument-diagram.png"/>
+          <p:cNvSpPr>
+            <a:spLocks noChangeAspect="1" noChangeArrowheads="1"/>
+          </p:cNvSpPr>
+          <p:nvPr/>
+        </p:nvSpPr>
+        <p:spPr bwMode="auto">
+          <a:xfrm>
+            <a:off x="155575" y="-144463"/>
+            <a:ext cx="304800" cy="304801"/>
+          </a:xfrm>
+          <a:prstGeom prst="rect">
+            <a:avLst/>
+          </a:prstGeom>
+          <a:noFill/>
+          <a:extLst>
+            <a:ext uri="{909E8E84-426E-40DD-AFC4-6F175D3DCCD1}">
+              <a14:hiddenFill xmlns:a14="http://schemas.microsoft.com/office/drawing/2010/main">
+                <a:solidFill>
+                  <a:srgbClr val="FFFFFF"/>
+                </a:solidFill>
+              </a14:hiddenFill>
+            </a:ext>
+          </a:extLst>
+        </p:spPr>
+        <p:txBody>
+          <a:bodyPr vert="horz" wrap="square" lIns="91440" tIns="45720" rIns="91440" bIns="45720" numCol="1" anchor="t" anchorCtr="0" compatLnSpc="1">
+            <a:prstTxWarp prst="textNoShape">
+              <a:avLst/>
+            </a:prstTxWarp>
+          </a:bodyPr>
+          <a:lstStyle/>
+          <a:p>
+            <a:endParaRPr lang="en-US"/>
+          </a:p>
+        </p:txBody>
+      </p:sp>
+      <p:sp>
+        <p:nvSpPr>
+          <p:cNvPr id="8" name="TextBox 7"/>
+          <p:cNvSpPr txBox="1"/>
+          <p:nvPr/>
+        </p:nvSpPr>
+        <p:spPr>
+          <a:xfrm>
+            <a:off x="7495504" y="2240924"/>
+            <a:ext cx="4456090" cy="400110"/>
+          </a:xfrm>
+          <a:prstGeom prst="rect">
+            <a:avLst/>
+          </a:prstGeom>
+          <a:noFill/>
+        </p:spPr>
+        <p:txBody>
+          <a:bodyPr wrap="square" rtlCol="0">
+            <a:spAutoFit/>
+          </a:bodyPr>
+          <a:lstStyle/>
+          <a:p>
+            <a:endParaRPr lang="en-US" sz="2000" u="sng" dirty="0"/>
+          </a:p>
+        </p:txBody>
+      </p:sp>
+      <p:sp>
+        <p:nvSpPr>
+          <p:cNvPr id="3" name="TextBox 2"/>
+          <p:cNvSpPr txBox="1"/>
+          <p:nvPr/>
+        </p:nvSpPr>
+        <p:spPr>
+          <a:xfrm>
+            <a:off x="307975" y="1792936"/>
+            <a:ext cx="8409904" cy="830997"/>
+          </a:xfrm>
+          <a:prstGeom prst="rect">
+            <a:avLst/>
+          </a:prstGeom>
+          <a:noFill/>
+        </p:spPr>
+        <p:txBody>
+          <a:bodyPr wrap="square" rtlCol="0">
+            <a:spAutoFit/>
+          </a:bodyPr>
+          <a:lstStyle/>
+          <a:p>
+            <a:r>
+              <a:rPr lang="en-US" sz="2400" dirty="0" smtClean="0"/>
+              <a:t>Local class:</a:t>
+            </a:r>
+          </a:p>
+          <a:p>
+            <a:pPr marL="342900" indent="-342900">
+              <a:buFont typeface="Arial" panose="020B0604020202020204" pitchFamily="34" charset="0"/>
+              <a:buChar char="•"/>
+            </a:pPr>
+            <a:r>
+              <a:rPr lang="en-US" sz="2400" dirty="0"/>
+              <a:t>Local classes are classes that are defined in a block</a:t>
+            </a:r>
+          </a:p>
+        </p:txBody>
+      </p:sp>
+      <p:pic>
+        <p:nvPicPr>
+          <p:cNvPr id="6" name="Picture 5"/>
+          <p:cNvPicPr>
+            <a:picLocks noChangeAspect="1"/>
+          </p:cNvPicPr>
+          <p:nvPr/>
+        </p:nvPicPr>
+        <p:blipFill>
+          <a:blip r:embed="rId2"/>
+          <a:stretch>
+            <a:fillRect/>
+          </a:stretch>
+        </p:blipFill>
+        <p:spPr>
+          <a:xfrm>
+            <a:off x="460375" y="2622025"/>
+            <a:ext cx="6365428" cy="4243618"/>
+          </a:xfrm>
+          <a:prstGeom prst="rect">
+            <a:avLst/>
+          </a:prstGeom>
+        </p:spPr>
+      </p:pic>
+    </p:spTree>
+    <p:extLst>
+      <p:ext uri="{BB962C8B-B14F-4D97-AF65-F5344CB8AC3E}">
+        <p14:creationId xmlns:p14="http://schemas.microsoft.com/office/powerpoint/2010/main" val="1629638529"/>
+      </p:ext>
+    </p:extLst>
+  </p:cSld>
+  <p:clrMapOvr>
+    <a:masterClrMapping/>
+  </p:clrMapOvr>
+  <p:timing>
+    <p:tnLst>
+      <p:par>
+        <p:cTn id="1" dur="indefinite" restart="never" nodeType="tmRoot"/>
+      </p:par>
+    </p:tnLst>
+  </p:timing>
+</p:sld>
+</file>
+
+<file path=ppt/slides/slide71.xml><?xml version="1.0" encoding="utf-8"?>
+<p:sld xmlns:a="http://schemas.openxmlformats.org/drawingml/2006/main" xmlns:r="http://schemas.openxmlformats.org/officeDocument/2006/relationships" xmlns:p="http://schemas.openxmlformats.org/presentationml/2006/main">
+  <p:cSld>
+    <p:spTree>
+      <p:nvGrpSpPr>
+        <p:cNvPr id="1" name=""/>
+        <p:cNvGrpSpPr/>
+        <p:nvPr/>
+      </p:nvGrpSpPr>
+      <p:grpSpPr>
+        <a:xfrm>
+          <a:off x="0" y="0"/>
+          <a:ext cx="0" cy="0"/>
+          <a:chOff x="0" y="0"/>
+          <a:chExt cx="0" cy="0"/>
+        </a:xfrm>
+      </p:grpSpPr>
+      <p:sp>
+        <p:nvSpPr>
+          <p:cNvPr id="2" name="Title 1"/>
+          <p:cNvSpPr>
+            <a:spLocks noGrp="1"/>
+          </p:cNvSpPr>
+          <p:nvPr>
+            <p:ph type="title"/>
+          </p:nvPr>
+        </p:nvSpPr>
+        <p:spPr/>
+        <p:txBody>
+          <a:bodyPr/>
+          <a:lstStyle/>
+          <a:p>
+            <a:r>
+              <a:rPr lang="en-US" dirty="0" smtClean="0"/>
+              <a:t>Nested classes</a:t>
+            </a:r>
+            <a:endParaRPr lang="en-US" dirty="0"/>
+          </a:p>
+        </p:txBody>
+      </p:sp>
+      <p:sp>
+        <p:nvSpPr>
+          <p:cNvPr id="4" name="AutoShape 8" descr="http://www.penjee.com/programming/wp-content/uploads/2014/05/parameter-vs-argument-diagram.png"/>
+          <p:cNvSpPr>
+            <a:spLocks noChangeAspect="1" noChangeArrowheads="1"/>
+          </p:cNvSpPr>
+          <p:nvPr/>
+        </p:nvSpPr>
+        <p:spPr bwMode="auto">
+          <a:xfrm>
+            <a:off x="155575" y="-144463"/>
+            <a:ext cx="304800" cy="304801"/>
+          </a:xfrm>
+          <a:prstGeom prst="rect">
+            <a:avLst/>
+          </a:prstGeom>
+          <a:noFill/>
+          <a:extLst>
+            <a:ext uri="{909E8E84-426E-40DD-AFC4-6F175D3DCCD1}">
+              <a14:hiddenFill xmlns:a14="http://schemas.microsoft.com/office/drawing/2010/main">
+                <a:solidFill>
+                  <a:srgbClr val="FFFFFF"/>
+                </a:solidFill>
+              </a14:hiddenFill>
+            </a:ext>
+          </a:extLst>
+        </p:spPr>
+        <p:txBody>
+          <a:bodyPr vert="horz" wrap="square" lIns="91440" tIns="45720" rIns="91440" bIns="45720" numCol="1" anchor="t" anchorCtr="0" compatLnSpc="1">
+            <a:prstTxWarp prst="textNoShape">
+              <a:avLst/>
+            </a:prstTxWarp>
+          </a:bodyPr>
+          <a:lstStyle/>
+          <a:p>
+            <a:endParaRPr lang="en-US"/>
+          </a:p>
+        </p:txBody>
+      </p:sp>
+      <p:sp>
+        <p:nvSpPr>
+          <p:cNvPr id="8" name="TextBox 7"/>
+          <p:cNvSpPr txBox="1"/>
+          <p:nvPr/>
+        </p:nvSpPr>
+        <p:spPr>
+          <a:xfrm>
+            <a:off x="7495504" y="2240924"/>
+            <a:ext cx="4456090" cy="400110"/>
+          </a:xfrm>
+          <a:prstGeom prst="rect">
+            <a:avLst/>
+          </a:prstGeom>
+          <a:noFill/>
+        </p:spPr>
+        <p:txBody>
+          <a:bodyPr wrap="square" rtlCol="0">
+            <a:spAutoFit/>
+          </a:bodyPr>
+          <a:lstStyle/>
+          <a:p>
+            <a:endParaRPr lang="en-US" sz="2000" u="sng" dirty="0"/>
+          </a:p>
+        </p:txBody>
+      </p:sp>
+      <p:sp>
+        <p:nvSpPr>
+          <p:cNvPr id="3" name="TextBox 2"/>
+          <p:cNvSpPr txBox="1"/>
+          <p:nvPr/>
+        </p:nvSpPr>
+        <p:spPr>
+          <a:xfrm>
+            <a:off x="347730" y="1931831"/>
+            <a:ext cx="8409904" cy="461665"/>
+          </a:xfrm>
+          <a:prstGeom prst="rect">
+            <a:avLst/>
+          </a:prstGeom>
+          <a:noFill/>
+        </p:spPr>
+        <p:txBody>
+          <a:bodyPr wrap="square" rtlCol="0">
+            <a:spAutoFit/>
+          </a:bodyPr>
+          <a:lstStyle/>
+          <a:p>
+            <a:r>
+              <a:rPr lang="en-US" sz="2400" dirty="0" smtClean="0"/>
+              <a:t>Local class:</a:t>
+            </a:r>
+          </a:p>
+        </p:txBody>
+      </p:sp>
+      <p:pic>
+        <p:nvPicPr>
+          <p:cNvPr id="7" name="Picture 6"/>
+          <p:cNvPicPr>
+            <a:picLocks noChangeAspect="1"/>
+          </p:cNvPicPr>
+          <p:nvPr/>
+        </p:nvPicPr>
+        <p:blipFill>
+          <a:blip r:embed="rId2"/>
+          <a:stretch>
+            <a:fillRect/>
+          </a:stretch>
+        </p:blipFill>
+        <p:spPr>
+          <a:xfrm>
+            <a:off x="307975" y="2440979"/>
+            <a:ext cx="10691160" cy="4256035"/>
+          </a:xfrm>
+          <a:prstGeom prst="rect">
+            <a:avLst/>
+          </a:prstGeom>
+        </p:spPr>
+      </p:pic>
+    </p:spTree>
+    <p:extLst>
+      <p:ext uri="{BB962C8B-B14F-4D97-AF65-F5344CB8AC3E}">
+        <p14:creationId xmlns:p14="http://schemas.microsoft.com/office/powerpoint/2010/main" val="2364378093"/>
+      </p:ext>
+    </p:extLst>
+  </p:cSld>
+  <p:clrMapOvr>
+    <a:masterClrMapping/>
+  </p:clrMapOvr>
+  <p:timing>
+    <p:tnLst>
+      <p:par>
+        <p:cTn id="1" dur="indefinite" restart="never" nodeType="tmRoot"/>
+      </p:par>
+    </p:tnLst>
+  </p:timing>
+</p:sld>
+</file>
+
+<file path=ppt/slides/slide72.xml><?xml version="1.0" encoding="utf-8"?>
+<p:sld xmlns:a="http://schemas.openxmlformats.org/drawingml/2006/main" xmlns:r="http://schemas.openxmlformats.org/officeDocument/2006/relationships" xmlns:p="http://schemas.openxmlformats.org/presentationml/2006/main">
+  <p:cSld>
+    <p:spTree>
+      <p:nvGrpSpPr>
+        <p:cNvPr id="1" name=""/>
+        <p:cNvGrpSpPr/>
+        <p:nvPr/>
+      </p:nvGrpSpPr>
+      <p:grpSpPr>
+        <a:xfrm>
+          <a:off x="0" y="0"/>
+          <a:ext cx="0" cy="0"/>
+          <a:chOff x="0" y="0"/>
+          <a:chExt cx="0" cy="0"/>
+        </a:xfrm>
+      </p:grpSpPr>
+      <p:sp>
+        <p:nvSpPr>
+          <p:cNvPr id="2" name="Title 1"/>
+          <p:cNvSpPr>
+            <a:spLocks noGrp="1"/>
+          </p:cNvSpPr>
+          <p:nvPr>
+            <p:ph type="title"/>
+          </p:nvPr>
+        </p:nvSpPr>
+        <p:spPr/>
+        <p:txBody>
+          <a:bodyPr/>
+          <a:lstStyle/>
+          <a:p>
+            <a:r>
+              <a:rPr lang="en-US" dirty="0" smtClean="0"/>
+              <a:t>Nested classes</a:t>
+            </a:r>
+            <a:endParaRPr lang="en-US" dirty="0"/>
+          </a:p>
+        </p:txBody>
+      </p:sp>
+      <p:sp>
+        <p:nvSpPr>
+          <p:cNvPr id="4" name="AutoShape 8" descr="http://www.penjee.com/programming/wp-content/uploads/2014/05/parameter-vs-argument-diagram.png"/>
+          <p:cNvSpPr>
+            <a:spLocks noChangeAspect="1" noChangeArrowheads="1"/>
+          </p:cNvSpPr>
+          <p:nvPr/>
+        </p:nvSpPr>
+        <p:spPr bwMode="auto">
+          <a:xfrm>
+            <a:off x="155575" y="-144463"/>
+            <a:ext cx="304800" cy="304801"/>
+          </a:xfrm>
+          <a:prstGeom prst="rect">
+            <a:avLst/>
+          </a:prstGeom>
+          <a:noFill/>
+          <a:extLst>
+            <a:ext uri="{909E8E84-426E-40DD-AFC4-6F175D3DCCD1}">
+              <a14:hiddenFill xmlns:a14="http://schemas.microsoft.com/office/drawing/2010/main">
+                <a:solidFill>
+                  <a:srgbClr val="FFFFFF"/>
+                </a:solidFill>
+              </a14:hiddenFill>
+            </a:ext>
+          </a:extLst>
+        </p:spPr>
+        <p:txBody>
+          <a:bodyPr vert="horz" wrap="square" lIns="91440" tIns="45720" rIns="91440" bIns="45720" numCol="1" anchor="t" anchorCtr="0" compatLnSpc="1">
+            <a:prstTxWarp prst="textNoShape">
+              <a:avLst/>
+            </a:prstTxWarp>
+          </a:bodyPr>
+          <a:lstStyle/>
+          <a:p>
+            <a:endParaRPr lang="en-US"/>
+          </a:p>
+        </p:txBody>
+      </p:sp>
+      <p:sp>
+        <p:nvSpPr>
+          <p:cNvPr id="8" name="TextBox 7"/>
+          <p:cNvSpPr txBox="1"/>
+          <p:nvPr/>
+        </p:nvSpPr>
+        <p:spPr>
+          <a:xfrm>
+            <a:off x="7495504" y="2240924"/>
+            <a:ext cx="4456090" cy="400110"/>
+          </a:xfrm>
+          <a:prstGeom prst="rect">
+            <a:avLst/>
+          </a:prstGeom>
+          <a:noFill/>
+        </p:spPr>
+        <p:txBody>
+          <a:bodyPr wrap="square" rtlCol="0">
+            <a:spAutoFit/>
+          </a:bodyPr>
+          <a:lstStyle/>
+          <a:p>
+            <a:endParaRPr lang="en-US" sz="2000" u="sng" dirty="0"/>
+          </a:p>
+        </p:txBody>
+      </p:sp>
+      <p:sp>
+        <p:nvSpPr>
+          <p:cNvPr id="3" name="TextBox 2"/>
+          <p:cNvSpPr txBox="1"/>
+          <p:nvPr/>
+        </p:nvSpPr>
+        <p:spPr>
+          <a:xfrm>
+            <a:off x="347730" y="1931831"/>
+            <a:ext cx="8409904" cy="461665"/>
+          </a:xfrm>
+          <a:prstGeom prst="rect">
+            <a:avLst/>
+          </a:prstGeom>
+          <a:noFill/>
+        </p:spPr>
+        <p:txBody>
+          <a:bodyPr wrap="square" rtlCol="0">
+            <a:spAutoFit/>
+          </a:bodyPr>
+          <a:lstStyle/>
+          <a:p>
+            <a:r>
+              <a:rPr lang="en-US" sz="2400" dirty="0" smtClean="0"/>
+              <a:t>Local class:</a:t>
+            </a:r>
+          </a:p>
+        </p:txBody>
+      </p:sp>
+      <p:pic>
+        <p:nvPicPr>
+          <p:cNvPr id="5" name="Picture 4"/>
+          <p:cNvPicPr>
+            <a:picLocks noChangeAspect="1"/>
+          </p:cNvPicPr>
+          <p:nvPr/>
+        </p:nvPicPr>
+        <p:blipFill>
+          <a:blip r:embed="rId2"/>
+          <a:stretch>
+            <a:fillRect/>
+          </a:stretch>
+        </p:blipFill>
+        <p:spPr>
+          <a:xfrm>
+            <a:off x="347730" y="2393496"/>
+            <a:ext cx="8409904" cy="4446000"/>
+          </a:xfrm>
+          <a:prstGeom prst="rect">
+            <a:avLst/>
+          </a:prstGeom>
+        </p:spPr>
+      </p:pic>
+    </p:spTree>
+    <p:extLst>
+      <p:ext uri="{BB962C8B-B14F-4D97-AF65-F5344CB8AC3E}">
+        <p14:creationId xmlns:p14="http://schemas.microsoft.com/office/powerpoint/2010/main" val="2118065314"/>
+      </p:ext>
+    </p:extLst>
+  </p:cSld>
+  <p:clrMapOvr>
+    <a:masterClrMapping/>
+  </p:clrMapOvr>
+  <p:timing>
+    <p:tnLst>
+      <p:par>
+        <p:cTn id="1" dur="indefinite" restart="never" nodeType="tmRoot"/>
+      </p:par>
+    </p:tnLst>
+  </p:timing>
+</p:sld>
+</file>
+
+<file path=ppt/slides/slide73.xml><?xml version="1.0" encoding="utf-8"?>
+<p:sld xmlns:a="http://schemas.openxmlformats.org/drawingml/2006/main" xmlns:r="http://schemas.openxmlformats.org/officeDocument/2006/relationships" xmlns:p="http://schemas.openxmlformats.org/presentationml/2006/main">
+  <p:cSld>
+    <p:spTree>
+      <p:nvGrpSpPr>
+        <p:cNvPr id="1" name=""/>
+        <p:cNvGrpSpPr/>
+        <p:nvPr/>
+      </p:nvGrpSpPr>
+      <p:grpSpPr>
+        <a:xfrm>
+          <a:off x="0" y="0"/>
+          <a:ext cx="0" cy="0"/>
+          <a:chOff x="0" y="0"/>
+          <a:chExt cx="0" cy="0"/>
+        </a:xfrm>
+      </p:grpSpPr>
+      <p:sp>
+        <p:nvSpPr>
+          <p:cNvPr id="2" name="Title 1"/>
+          <p:cNvSpPr>
+            <a:spLocks noGrp="1"/>
+          </p:cNvSpPr>
+          <p:nvPr>
+            <p:ph type="title"/>
+          </p:nvPr>
+        </p:nvSpPr>
+        <p:spPr/>
+        <p:txBody>
+          <a:bodyPr/>
+          <a:lstStyle/>
+          <a:p>
+            <a:r>
+              <a:rPr lang="en-US" dirty="0" smtClean="0"/>
+              <a:t>Nested classes</a:t>
+            </a:r>
+            <a:endParaRPr lang="en-US" dirty="0"/>
+          </a:p>
+        </p:txBody>
+      </p:sp>
+      <p:sp>
+        <p:nvSpPr>
+          <p:cNvPr id="4" name="AutoShape 8" descr="http://www.penjee.com/programming/wp-content/uploads/2014/05/parameter-vs-argument-diagram.png"/>
+          <p:cNvSpPr>
+            <a:spLocks noChangeAspect="1" noChangeArrowheads="1"/>
+          </p:cNvSpPr>
+          <p:nvPr/>
+        </p:nvSpPr>
+        <p:spPr bwMode="auto">
+          <a:xfrm>
+            <a:off x="155575" y="-144463"/>
+            <a:ext cx="304800" cy="304801"/>
+          </a:xfrm>
+          <a:prstGeom prst="rect">
+            <a:avLst/>
+          </a:prstGeom>
+          <a:noFill/>
+          <a:extLst>
+            <a:ext uri="{909E8E84-426E-40DD-AFC4-6F175D3DCCD1}">
+              <a14:hiddenFill xmlns:a14="http://schemas.microsoft.com/office/drawing/2010/main">
+                <a:solidFill>
+                  <a:srgbClr val="FFFFFF"/>
+                </a:solidFill>
+              </a14:hiddenFill>
+            </a:ext>
+          </a:extLst>
+        </p:spPr>
+        <p:txBody>
+          <a:bodyPr vert="horz" wrap="square" lIns="91440" tIns="45720" rIns="91440" bIns="45720" numCol="1" anchor="t" anchorCtr="0" compatLnSpc="1">
+            <a:prstTxWarp prst="textNoShape">
+              <a:avLst/>
+            </a:prstTxWarp>
+          </a:bodyPr>
+          <a:lstStyle/>
+          <a:p>
+            <a:endParaRPr lang="en-US"/>
+          </a:p>
+        </p:txBody>
+      </p:sp>
+      <p:sp>
+        <p:nvSpPr>
+          <p:cNvPr id="8" name="TextBox 7"/>
+          <p:cNvSpPr txBox="1"/>
+          <p:nvPr/>
+        </p:nvSpPr>
+        <p:spPr>
+          <a:xfrm>
+            <a:off x="7495504" y="2240924"/>
+            <a:ext cx="4456090" cy="400110"/>
+          </a:xfrm>
+          <a:prstGeom prst="rect">
+            <a:avLst/>
+          </a:prstGeom>
+          <a:noFill/>
+        </p:spPr>
+        <p:txBody>
+          <a:bodyPr wrap="square" rtlCol="0">
+            <a:spAutoFit/>
+          </a:bodyPr>
+          <a:lstStyle/>
+          <a:p>
+            <a:endParaRPr lang="en-US" sz="2000" u="sng" dirty="0"/>
+          </a:p>
+        </p:txBody>
+      </p:sp>
+      <p:sp>
+        <p:nvSpPr>
+          <p:cNvPr id="3" name="TextBox 2"/>
+          <p:cNvSpPr txBox="1"/>
+          <p:nvPr/>
+        </p:nvSpPr>
+        <p:spPr>
+          <a:xfrm>
+            <a:off x="347730" y="1931831"/>
+            <a:ext cx="8409904" cy="4647426"/>
+          </a:xfrm>
+          <a:prstGeom prst="rect">
+            <a:avLst/>
+          </a:prstGeom>
+          <a:noFill/>
+        </p:spPr>
+        <p:txBody>
+          <a:bodyPr wrap="square" rtlCol="0">
+            <a:spAutoFit/>
+          </a:bodyPr>
+          <a:lstStyle/>
+          <a:p>
+            <a:r>
+              <a:rPr lang="en-US" sz="3200" u="sng" dirty="0" smtClean="0"/>
+              <a:t>Local class:</a:t>
+            </a:r>
+          </a:p>
+          <a:p>
+            <a:pPr marL="342900" indent="-342900">
+              <a:buFont typeface="Arial" panose="020B0604020202020204" pitchFamily="34" charset="0"/>
+              <a:buChar char="•"/>
+            </a:pPr>
+            <a:r>
+              <a:rPr lang="en-US" sz="2400" dirty="0" smtClean="0"/>
+              <a:t>Local class can access only final local variables.</a:t>
+            </a:r>
+          </a:p>
+          <a:p>
+            <a:pPr marL="342900" indent="-342900">
+              <a:buFont typeface="Arial" panose="020B0604020202020204" pitchFamily="34" charset="0"/>
+              <a:buChar char="•"/>
+            </a:pPr>
+            <a:r>
+              <a:rPr lang="en-US" sz="2400" dirty="0" smtClean="0"/>
+              <a:t>Local class can have access to method parameters.</a:t>
+            </a:r>
+          </a:p>
+          <a:p>
+            <a:pPr marL="342900" indent="-342900">
+              <a:buFont typeface="Arial" panose="020B0604020202020204" pitchFamily="34" charset="0"/>
+              <a:buChar char="•"/>
+            </a:pPr>
+            <a:r>
+              <a:rPr lang="en-US" sz="2400" dirty="0" smtClean="0"/>
+              <a:t>Local class cannot have static initializers or member interfaces.</a:t>
+            </a:r>
+          </a:p>
+          <a:p>
+            <a:pPr marL="342900" indent="-342900">
+              <a:buFont typeface="Arial" panose="020B0604020202020204" pitchFamily="34" charset="0"/>
+              <a:buChar char="•"/>
+            </a:pPr>
+            <a:r>
+              <a:rPr lang="en-US" sz="2400" dirty="0" smtClean="0"/>
+              <a:t>Local class can have only static final variables.</a:t>
+            </a:r>
+            <a:endParaRPr lang="en-US" sz="2400" dirty="0"/>
+          </a:p>
+          <a:p>
+            <a:pPr marL="342900" indent="-342900">
+              <a:buFont typeface="Arial" panose="020B0604020202020204" pitchFamily="34" charset="0"/>
+              <a:buChar char="•"/>
+            </a:pPr>
+            <a:endParaRPr lang="en-US" sz="2400" dirty="0" smtClean="0"/>
+          </a:p>
+          <a:p>
+            <a:endParaRPr lang="en-US" sz="2400" dirty="0"/>
+          </a:p>
+          <a:p>
+            <a:endParaRPr lang="en-US" sz="2400" dirty="0" smtClean="0"/>
+          </a:p>
+          <a:p>
+            <a:endParaRPr lang="en-US" sz="2400" dirty="0"/>
+          </a:p>
+          <a:p>
+            <a:r>
+              <a:rPr lang="en-US" sz="2400" dirty="0"/>
+              <a:t>Lab11.3: Demonstration of using Local classes</a:t>
+            </a:r>
+            <a:endParaRPr lang="en-US" sz="2400" dirty="0" smtClean="0"/>
+          </a:p>
+          <a:p>
+            <a:endParaRPr lang="en-US" sz="2400" dirty="0"/>
+          </a:p>
+          <a:p>
+            <a:endParaRPr lang="en-US" sz="2400" dirty="0" smtClean="0"/>
+          </a:p>
+        </p:txBody>
+      </p:sp>
+    </p:spTree>
+    <p:extLst>
+      <p:ext uri="{BB962C8B-B14F-4D97-AF65-F5344CB8AC3E}">
+        <p14:creationId xmlns:p14="http://schemas.microsoft.com/office/powerpoint/2010/main" val="651039770"/>
+      </p:ext>
+    </p:extLst>
+  </p:cSld>
+  <p:clrMapOvr>
+    <a:masterClrMapping/>
+  </p:clrMapOvr>
+  <p:timing>
+    <p:tnLst>
+      <p:par>
+        <p:cTn id="1" dur="indefinite" restart="never" nodeType="tmRoot"/>
+      </p:par>
+    </p:tnLst>
+  </p:timing>
+</p:sld>
+</file>
+
+<file path=ppt/slides/slide74.xml><?xml version="1.0" encoding="utf-8"?>
+<p:sld xmlns:a="http://schemas.openxmlformats.org/drawingml/2006/main" xmlns:r="http://schemas.openxmlformats.org/officeDocument/2006/relationships" xmlns:p="http://schemas.openxmlformats.org/presentationml/2006/main">
+  <p:cSld>
+    <p:spTree>
+      <p:nvGrpSpPr>
+        <p:cNvPr id="1" name=""/>
+        <p:cNvGrpSpPr/>
+        <p:nvPr/>
+      </p:nvGrpSpPr>
+      <p:grpSpPr>
+        <a:xfrm>
+          <a:off x="0" y="0"/>
+          <a:ext cx="0" cy="0"/>
+          <a:chOff x="0" y="0"/>
+          <a:chExt cx="0" cy="0"/>
+        </a:xfrm>
+      </p:grpSpPr>
+      <p:sp>
+        <p:nvSpPr>
+          <p:cNvPr id="2" name="Title 1"/>
+          <p:cNvSpPr>
+            <a:spLocks noGrp="1"/>
+          </p:cNvSpPr>
+          <p:nvPr>
+            <p:ph type="title"/>
+          </p:nvPr>
+        </p:nvSpPr>
+        <p:spPr/>
+        <p:txBody>
+          <a:bodyPr/>
+          <a:lstStyle/>
+          <a:p>
+            <a:r>
+              <a:rPr lang="en-US" dirty="0" smtClean="0"/>
+              <a:t>Nested classes</a:t>
+            </a:r>
+            <a:endParaRPr lang="en-US" dirty="0"/>
+          </a:p>
+        </p:txBody>
+      </p:sp>
+      <p:sp>
+        <p:nvSpPr>
+          <p:cNvPr id="4" name="AutoShape 8" descr="http://www.penjee.com/programming/wp-content/uploads/2014/05/parameter-vs-argument-diagram.png"/>
+          <p:cNvSpPr>
+            <a:spLocks noChangeAspect="1" noChangeArrowheads="1"/>
+          </p:cNvSpPr>
+          <p:nvPr/>
+        </p:nvSpPr>
+        <p:spPr bwMode="auto">
+          <a:xfrm>
+            <a:off x="155575" y="-144463"/>
+            <a:ext cx="304800" cy="304801"/>
+          </a:xfrm>
+          <a:prstGeom prst="rect">
+            <a:avLst/>
+          </a:prstGeom>
+          <a:noFill/>
+          <a:extLst>
+            <a:ext uri="{909E8E84-426E-40DD-AFC4-6F175D3DCCD1}">
+              <a14:hiddenFill xmlns:a14="http://schemas.microsoft.com/office/drawing/2010/main">
+                <a:solidFill>
+                  <a:srgbClr val="FFFFFF"/>
+                </a:solidFill>
+              </a14:hiddenFill>
+            </a:ext>
+          </a:extLst>
+        </p:spPr>
+        <p:txBody>
+          <a:bodyPr vert="horz" wrap="square" lIns="91440" tIns="45720" rIns="91440" bIns="45720" numCol="1" anchor="t" anchorCtr="0" compatLnSpc="1">
+            <a:prstTxWarp prst="textNoShape">
+              <a:avLst/>
+            </a:prstTxWarp>
+          </a:bodyPr>
+          <a:lstStyle/>
+          <a:p>
+            <a:endParaRPr lang="en-US"/>
+          </a:p>
+        </p:txBody>
+      </p:sp>
+      <p:sp>
+        <p:nvSpPr>
+          <p:cNvPr id="8" name="TextBox 7"/>
+          <p:cNvSpPr txBox="1"/>
+          <p:nvPr/>
+        </p:nvSpPr>
+        <p:spPr>
+          <a:xfrm>
+            <a:off x="7495504" y="2240924"/>
+            <a:ext cx="4456090" cy="400110"/>
+          </a:xfrm>
+          <a:prstGeom prst="rect">
+            <a:avLst/>
+          </a:prstGeom>
+          <a:noFill/>
+        </p:spPr>
+        <p:txBody>
+          <a:bodyPr wrap="square" rtlCol="0">
+            <a:spAutoFit/>
+          </a:bodyPr>
+          <a:lstStyle/>
+          <a:p>
+            <a:endParaRPr lang="en-US" sz="2000" u="sng" dirty="0"/>
+          </a:p>
+        </p:txBody>
+      </p:sp>
+      <p:sp>
+        <p:nvSpPr>
+          <p:cNvPr id="3" name="TextBox 2"/>
+          <p:cNvSpPr txBox="1"/>
+          <p:nvPr/>
+        </p:nvSpPr>
+        <p:spPr>
+          <a:xfrm>
+            <a:off x="347729" y="1931831"/>
+            <a:ext cx="11500833" cy="5016758"/>
+          </a:xfrm>
+          <a:prstGeom prst="rect">
+            <a:avLst/>
+          </a:prstGeom>
+          <a:noFill/>
+        </p:spPr>
+        <p:txBody>
+          <a:bodyPr wrap="square" rtlCol="0">
+            <a:spAutoFit/>
+          </a:bodyPr>
+          <a:lstStyle/>
+          <a:p>
+            <a:r>
+              <a:rPr lang="en-US" sz="3200" u="sng" dirty="0" smtClean="0"/>
+              <a:t>Anonymous classes:</a:t>
+            </a:r>
+          </a:p>
+          <a:p>
+            <a:pPr marL="342900" indent="-342900">
+              <a:buFont typeface="Arial" panose="020B0604020202020204" pitchFamily="34" charset="0"/>
+              <a:buChar char="•"/>
+            </a:pPr>
+            <a:r>
+              <a:rPr lang="en-US" sz="2400" dirty="0"/>
+              <a:t>They are like local classes except that they do not have a </a:t>
+            </a:r>
+            <a:r>
+              <a:rPr lang="en-US" sz="2400" dirty="0" smtClean="0"/>
+              <a:t>name.</a:t>
+            </a:r>
+          </a:p>
+          <a:p>
+            <a:pPr marL="342900" indent="-342900">
+              <a:buFont typeface="Arial" panose="020B0604020202020204" pitchFamily="34" charset="0"/>
+              <a:buChar char="•"/>
+            </a:pPr>
+            <a:r>
+              <a:rPr lang="en-US" sz="2400" dirty="0"/>
+              <a:t>They enable you to declare and instantiate a class at the same </a:t>
+            </a:r>
+            <a:r>
+              <a:rPr lang="en-US" sz="2400" dirty="0" smtClean="0"/>
+              <a:t>time</a:t>
+            </a:r>
+          </a:p>
+          <a:p>
+            <a:pPr marL="342900" indent="-342900">
+              <a:buFont typeface="Arial" panose="020B0604020202020204" pitchFamily="34" charset="0"/>
+              <a:buChar char="•"/>
+            </a:pPr>
+            <a:r>
+              <a:rPr lang="en-US" sz="2400" dirty="0" smtClean="0"/>
+              <a:t>Access to local variables same as for local class.</a:t>
+            </a:r>
+          </a:p>
+          <a:p>
+            <a:pPr marL="800100" lvl="1" indent="-342900">
+              <a:buFont typeface="Arial" panose="020B0604020202020204" pitchFamily="34" charset="0"/>
+              <a:buChar char="•"/>
+            </a:pPr>
+            <a:r>
+              <a:rPr lang="en-US" sz="2400" dirty="0"/>
+              <a:t>An anonymous class has access to the members of its enclosing </a:t>
+            </a:r>
+            <a:r>
+              <a:rPr lang="en-US" sz="2400" dirty="0" smtClean="0"/>
+              <a:t>class</a:t>
+            </a:r>
+          </a:p>
+          <a:p>
+            <a:pPr marL="800100" lvl="1" indent="-342900">
+              <a:buFont typeface="Arial" panose="020B0604020202020204" pitchFamily="34" charset="0"/>
+              <a:buChar char="•"/>
+            </a:pPr>
+            <a:r>
+              <a:rPr lang="en-US" sz="2400" dirty="0"/>
+              <a:t>Cannot access local variables in its enclosing scope that are not declared as final or effectively final</a:t>
+            </a:r>
+            <a:r>
+              <a:rPr lang="en-US" sz="2400" dirty="0" smtClean="0"/>
+              <a:t>.</a:t>
+            </a:r>
+          </a:p>
+          <a:p>
+            <a:pPr marL="800100" lvl="1" indent="-342900">
+              <a:buFont typeface="Arial" panose="020B0604020202020204" pitchFamily="34" charset="0"/>
+              <a:buChar char="•"/>
+            </a:pPr>
+            <a:r>
+              <a:rPr lang="en-US" sz="2400" dirty="0"/>
+              <a:t>cannot declare static initializers or member interfaces in an anonymous </a:t>
+            </a:r>
+            <a:r>
+              <a:rPr lang="en-US" sz="2400" dirty="0" smtClean="0"/>
+              <a:t>class</a:t>
+            </a:r>
+          </a:p>
+          <a:p>
+            <a:pPr marL="800100" lvl="1" indent="-342900">
+              <a:buFont typeface="Arial" panose="020B0604020202020204" pitchFamily="34" charset="0"/>
+              <a:buChar char="•"/>
+            </a:pPr>
+            <a:r>
+              <a:rPr lang="en-US" sz="2400" dirty="0"/>
+              <a:t>can have static members provided that they are constant variables.</a:t>
+            </a:r>
+          </a:p>
+          <a:p>
+            <a:endParaRPr lang="en-US" sz="2400" dirty="0" smtClean="0"/>
+          </a:p>
+          <a:p>
+            <a:endParaRPr lang="en-US" sz="2400" dirty="0"/>
+          </a:p>
+          <a:p>
+            <a:endParaRPr lang="en-US" sz="2400" dirty="0"/>
+          </a:p>
+          <a:p>
+            <a:endParaRPr lang="en-US" sz="2400" dirty="0" smtClean="0"/>
+          </a:p>
+        </p:txBody>
+      </p:sp>
+    </p:spTree>
+    <p:extLst>
+      <p:ext uri="{BB962C8B-B14F-4D97-AF65-F5344CB8AC3E}">
+        <p14:creationId xmlns:p14="http://schemas.microsoft.com/office/powerpoint/2010/main" val="4162743209"/>
+      </p:ext>
+    </p:extLst>
+  </p:cSld>
+  <p:clrMapOvr>
+    <a:masterClrMapping/>
+  </p:clrMapOvr>
+  <p:timing>
+    <p:tnLst>
+      <p:par>
+        <p:cTn id="1" dur="indefinite" restart="never" nodeType="tmRoot"/>
+      </p:par>
+    </p:tnLst>
+  </p:timing>
+</p:sld>
+</file>
+
+<file path=ppt/slides/slide75.xml><?xml version="1.0" encoding="utf-8"?>
+<p:sld xmlns:a="http://schemas.openxmlformats.org/drawingml/2006/main" xmlns:r="http://schemas.openxmlformats.org/officeDocument/2006/relationships" xmlns:p="http://schemas.openxmlformats.org/presentationml/2006/main">
+  <p:cSld>
+    <p:spTree>
+      <p:nvGrpSpPr>
+        <p:cNvPr id="1" name=""/>
+        <p:cNvGrpSpPr/>
+        <p:nvPr/>
+      </p:nvGrpSpPr>
+      <p:grpSpPr>
+        <a:xfrm>
+          <a:off x="0" y="0"/>
+          <a:ext cx="0" cy="0"/>
+          <a:chOff x="0" y="0"/>
+          <a:chExt cx="0" cy="0"/>
+        </a:xfrm>
+      </p:grpSpPr>
+      <p:sp>
+        <p:nvSpPr>
+          <p:cNvPr id="2" name="Title 1"/>
+          <p:cNvSpPr>
+            <a:spLocks noGrp="1"/>
+          </p:cNvSpPr>
+          <p:nvPr>
+            <p:ph type="title"/>
+          </p:nvPr>
+        </p:nvSpPr>
+        <p:spPr/>
+        <p:txBody>
+          <a:bodyPr/>
+          <a:lstStyle/>
+          <a:p>
+            <a:r>
+              <a:rPr lang="en-US" dirty="0" smtClean="0"/>
+              <a:t>class and object: </a:t>
+            </a:r>
+            <a:r>
+              <a:rPr lang="en-US" dirty="0" err="1" smtClean="0"/>
+              <a:t>enum</a:t>
+            </a:r>
+            <a:r>
+              <a:rPr lang="en-US" dirty="0" smtClean="0"/>
+              <a:t> type</a:t>
+            </a:r>
+            <a:endParaRPr lang="en-US" dirty="0"/>
+          </a:p>
+        </p:txBody>
+      </p:sp>
+      <p:sp>
+        <p:nvSpPr>
+          <p:cNvPr id="4" name="AutoShape 8" descr="http://www.penjee.com/programming/wp-content/uploads/2014/05/parameter-vs-argument-diagram.png"/>
+          <p:cNvSpPr>
+            <a:spLocks noChangeAspect="1" noChangeArrowheads="1"/>
+          </p:cNvSpPr>
+          <p:nvPr/>
+        </p:nvSpPr>
+        <p:spPr bwMode="auto">
+          <a:xfrm>
+            <a:off x="155575" y="-144463"/>
+            <a:ext cx="304800" cy="304801"/>
+          </a:xfrm>
+          <a:prstGeom prst="rect">
+            <a:avLst/>
+          </a:prstGeom>
+          <a:noFill/>
+          <a:extLst>
+            <a:ext uri="{909E8E84-426E-40DD-AFC4-6F175D3DCCD1}">
+              <a14:hiddenFill xmlns:a14="http://schemas.microsoft.com/office/drawing/2010/main">
+                <a:solidFill>
+                  <a:srgbClr val="FFFFFF"/>
+                </a:solidFill>
+              </a14:hiddenFill>
+            </a:ext>
+          </a:extLst>
+        </p:spPr>
+        <p:txBody>
+          <a:bodyPr vert="horz" wrap="square" lIns="91440" tIns="45720" rIns="91440" bIns="45720" numCol="1" anchor="t" anchorCtr="0" compatLnSpc="1">
+            <a:prstTxWarp prst="textNoShape">
+              <a:avLst/>
+            </a:prstTxWarp>
+          </a:bodyPr>
+          <a:lstStyle/>
+          <a:p>
+            <a:endParaRPr lang="en-US"/>
+          </a:p>
+        </p:txBody>
+      </p:sp>
+      <p:sp>
+        <p:nvSpPr>
+          <p:cNvPr id="8" name="TextBox 7"/>
+          <p:cNvSpPr txBox="1"/>
+          <p:nvPr/>
+        </p:nvSpPr>
+        <p:spPr>
+          <a:xfrm>
+            <a:off x="7495504" y="2240924"/>
+            <a:ext cx="4456090" cy="400110"/>
+          </a:xfrm>
+          <a:prstGeom prst="rect">
+            <a:avLst/>
+          </a:prstGeom>
+          <a:noFill/>
+        </p:spPr>
+        <p:txBody>
+          <a:bodyPr wrap="square" rtlCol="0">
+            <a:spAutoFit/>
+          </a:bodyPr>
+          <a:lstStyle/>
+          <a:p>
+            <a:endParaRPr lang="en-US" sz="2000" u="sng" dirty="0"/>
+          </a:p>
+        </p:txBody>
+      </p:sp>
+      <p:sp>
+        <p:nvSpPr>
+          <p:cNvPr id="5" name="TextBox 4"/>
+          <p:cNvSpPr txBox="1"/>
+          <p:nvPr/>
+        </p:nvSpPr>
+        <p:spPr>
+          <a:xfrm>
+            <a:off x="347730" y="1918952"/>
+            <a:ext cx="11423560" cy="1107996"/>
+          </a:xfrm>
+          <a:prstGeom prst="rect">
+            <a:avLst/>
+          </a:prstGeom>
+          <a:noFill/>
+        </p:spPr>
+        <p:txBody>
+          <a:bodyPr wrap="square" rtlCol="0">
+            <a:spAutoFit/>
+          </a:bodyPr>
+          <a:lstStyle/>
+          <a:p>
+            <a:pPr marL="285750" indent="-285750">
+              <a:buFont typeface="Arial" panose="020B0604020202020204" pitchFamily="34" charset="0"/>
+              <a:buChar char="•"/>
+            </a:pPr>
+            <a:r>
+              <a:rPr lang="en-US" sz="2400" dirty="0" err="1"/>
+              <a:t>enum</a:t>
+            </a:r>
+            <a:r>
+              <a:rPr lang="en-US" sz="2400" dirty="0"/>
+              <a:t> types </a:t>
+            </a:r>
+            <a:r>
+              <a:rPr lang="en-US" sz="2400" dirty="0" smtClean="0"/>
+              <a:t>are used to </a:t>
+            </a:r>
+            <a:r>
+              <a:rPr lang="en-US" sz="2400" dirty="0"/>
+              <a:t>represent a fixed set of constants</a:t>
+            </a:r>
+            <a:r>
+              <a:rPr lang="en-US" sz="2400" dirty="0" smtClean="0"/>
+              <a:t>.</a:t>
+            </a:r>
+          </a:p>
+          <a:p>
+            <a:pPr marL="285750" indent="-285750">
+              <a:buFont typeface="Arial" panose="020B0604020202020204" pitchFamily="34" charset="0"/>
+              <a:buChar char="•"/>
+            </a:pPr>
+            <a:r>
+              <a:rPr lang="en-US" sz="2400" dirty="0" smtClean="0"/>
+              <a:t>Since they </a:t>
+            </a:r>
+            <a:r>
+              <a:rPr lang="en-US" sz="2400" dirty="0"/>
+              <a:t>are constants, the names of an </a:t>
+            </a:r>
+            <a:r>
+              <a:rPr lang="en-US" sz="2400" dirty="0" err="1"/>
+              <a:t>enum</a:t>
+            </a:r>
+            <a:r>
+              <a:rPr lang="en-US" sz="2400" dirty="0"/>
+              <a:t> type's fields are in uppercase letters</a:t>
+            </a:r>
+            <a:endParaRPr lang="en-US" sz="2400" dirty="0" smtClean="0"/>
+          </a:p>
+          <a:p>
+            <a:pPr marL="285750" indent="-285750">
+              <a:buFont typeface="Arial" panose="020B0604020202020204" pitchFamily="34" charset="0"/>
+              <a:buChar char="•"/>
+            </a:pPr>
+            <a:endParaRPr lang="en-US" dirty="0"/>
+          </a:p>
+        </p:txBody>
+      </p:sp>
+      <p:sp>
+        <p:nvSpPr>
+          <p:cNvPr id="6" name="TextBox 5"/>
+          <p:cNvSpPr txBox="1"/>
+          <p:nvPr/>
+        </p:nvSpPr>
+        <p:spPr>
+          <a:xfrm>
+            <a:off x="695459" y="3309870"/>
+            <a:ext cx="7276564" cy="1477328"/>
+          </a:xfrm>
+          <a:prstGeom prst="rect">
+            <a:avLst/>
+          </a:prstGeom>
+          <a:noFill/>
+        </p:spPr>
+        <p:txBody>
+          <a:bodyPr wrap="square" rtlCol="0">
+            <a:spAutoFit/>
+          </a:bodyPr>
+          <a:lstStyle/>
+          <a:p>
+            <a:r>
+              <a:rPr lang="en-US" dirty="0" smtClean="0">
+                <a:solidFill>
+                  <a:schemeClr val="accent6">
+                    <a:lumMod val="75000"/>
+                  </a:schemeClr>
+                </a:solidFill>
+              </a:rPr>
+              <a:t>Ex:</a:t>
+            </a:r>
+          </a:p>
+          <a:p>
+            <a:r>
+              <a:rPr lang="en-US" dirty="0" smtClean="0">
+                <a:solidFill>
+                  <a:schemeClr val="accent6">
+                    <a:lumMod val="75000"/>
+                  </a:schemeClr>
+                </a:solidFill>
+              </a:rPr>
+              <a:t>public </a:t>
+            </a:r>
+            <a:r>
+              <a:rPr lang="en-US" dirty="0" err="1">
+                <a:solidFill>
+                  <a:schemeClr val="accent6">
+                    <a:lumMod val="75000"/>
+                  </a:schemeClr>
+                </a:solidFill>
+              </a:rPr>
+              <a:t>enum</a:t>
+            </a:r>
+            <a:r>
+              <a:rPr lang="en-US" dirty="0">
+                <a:solidFill>
+                  <a:schemeClr val="accent6">
+                    <a:lumMod val="75000"/>
+                  </a:schemeClr>
+                </a:solidFill>
+              </a:rPr>
+              <a:t> Day {</a:t>
+            </a:r>
+          </a:p>
+          <a:p>
+            <a:r>
+              <a:rPr lang="en-US" dirty="0">
+                <a:solidFill>
+                  <a:schemeClr val="accent6">
+                    <a:lumMod val="75000"/>
+                  </a:schemeClr>
+                </a:solidFill>
+              </a:rPr>
+              <a:t>    SUNDAY, MONDAY, TUESDAY, WEDNESDAY,</a:t>
+            </a:r>
+          </a:p>
+          <a:p>
+            <a:r>
+              <a:rPr lang="en-US" dirty="0">
+                <a:solidFill>
+                  <a:schemeClr val="accent6">
+                    <a:lumMod val="75000"/>
+                  </a:schemeClr>
+                </a:solidFill>
+              </a:rPr>
+              <a:t>    THURSDAY, FRIDAY, SATURDAY </a:t>
+            </a:r>
+          </a:p>
+          <a:p>
+            <a:r>
+              <a:rPr lang="en-US" dirty="0">
+                <a:solidFill>
+                  <a:schemeClr val="accent6">
+                    <a:lumMod val="75000"/>
+                  </a:schemeClr>
+                </a:solidFill>
+              </a:rPr>
+              <a:t>}</a:t>
+            </a:r>
+          </a:p>
+        </p:txBody>
+      </p:sp>
+      <p:sp>
+        <p:nvSpPr>
+          <p:cNvPr id="9" name="TextBox 8"/>
+          <p:cNvSpPr txBox="1"/>
+          <p:nvPr/>
+        </p:nvSpPr>
+        <p:spPr>
+          <a:xfrm>
+            <a:off x="695459" y="5228823"/>
+            <a:ext cx="10291540" cy="1200329"/>
+          </a:xfrm>
+          <a:prstGeom prst="rect">
+            <a:avLst/>
+          </a:prstGeom>
+          <a:noFill/>
+        </p:spPr>
+        <p:txBody>
+          <a:bodyPr wrap="square" rtlCol="0">
+            <a:spAutoFit/>
+          </a:bodyPr>
+          <a:lstStyle/>
+          <a:p>
+            <a:r>
+              <a:rPr lang="en-US" dirty="0"/>
+              <a:t>Lab11.5: Demonstration of using </a:t>
+            </a:r>
+            <a:r>
+              <a:rPr lang="en-US" dirty="0" err="1"/>
+              <a:t>Enum</a:t>
+            </a:r>
+            <a:r>
+              <a:rPr lang="en-US" dirty="0"/>
+              <a:t> </a:t>
+            </a:r>
+            <a:r>
+              <a:rPr lang="en-US" dirty="0" smtClean="0"/>
+              <a:t>types.</a:t>
+            </a:r>
+          </a:p>
+          <a:p>
+            <a:r>
+              <a:rPr lang="en-US" dirty="0"/>
+              <a:t>Lab11.6: Demonstration of using </a:t>
+            </a:r>
+            <a:r>
+              <a:rPr lang="en-US" dirty="0" err="1"/>
+              <a:t>Enum</a:t>
+            </a:r>
+            <a:r>
+              <a:rPr lang="en-US" dirty="0"/>
+              <a:t> types with calculations:</a:t>
+            </a:r>
+          </a:p>
+          <a:p>
+            <a:endParaRPr lang="en-US" dirty="0" smtClean="0"/>
+          </a:p>
+          <a:p>
+            <a:endParaRPr lang="en-US" dirty="0"/>
+          </a:p>
+        </p:txBody>
+      </p:sp>
+    </p:spTree>
+    <p:extLst>
+      <p:ext uri="{BB962C8B-B14F-4D97-AF65-F5344CB8AC3E}">
+        <p14:creationId xmlns:p14="http://schemas.microsoft.com/office/powerpoint/2010/main" val="79951906"/>
+      </p:ext>
+    </p:extLst>
+  </p:cSld>
+  <p:clrMapOvr>
+    <a:masterClrMapping/>
+  </p:clrMapOvr>
+  <p:timing>
+    <p:tnLst>
+      <p:par>
+        <p:cTn id="1" dur="indefinite" restart="never" nodeType="tmRoot"/>
+      </p:par>
+    </p:tnLst>
+  </p:timing>
+</p:sld>
+</file>
+
+<file path=ppt/slides/slide76.xml><?xml version="1.0" encoding="utf-8"?>
+<p:sld xmlns:a="http://schemas.openxmlformats.org/drawingml/2006/main" xmlns:r="http://schemas.openxmlformats.org/officeDocument/2006/relationships" xmlns:p="http://schemas.openxmlformats.org/presentationml/2006/main">
+  <p:cSld>
+    <p:spTree>
+      <p:nvGrpSpPr>
+        <p:cNvPr id="1" name=""/>
+        <p:cNvGrpSpPr/>
+        <p:nvPr/>
+      </p:nvGrpSpPr>
+      <p:grpSpPr>
+        <a:xfrm>
+          <a:off x="0" y="0"/>
+          <a:ext cx="0" cy="0"/>
+          <a:chOff x="0" y="0"/>
+          <a:chExt cx="0" cy="0"/>
+        </a:xfrm>
+      </p:grpSpPr>
+      <p:sp>
+        <p:nvSpPr>
+          <p:cNvPr id="2" name="Title 1"/>
+          <p:cNvSpPr>
+            <a:spLocks noGrp="1"/>
+          </p:cNvSpPr>
+          <p:nvPr>
+            <p:ph type="title"/>
+          </p:nvPr>
+        </p:nvSpPr>
+        <p:spPr/>
+        <p:txBody>
+          <a:bodyPr/>
+          <a:lstStyle/>
+          <a:p>
+            <a:r>
+              <a:rPr lang="en-US" dirty="0"/>
+              <a:t>Interfaces and inheritance</a:t>
+            </a:r>
+            <a:endParaRPr lang="en-US" dirty="0"/>
+          </a:p>
+        </p:txBody>
+      </p:sp>
+      <p:sp>
+        <p:nvSpPr>
+          <p:cNvPr id="4" name="AutoShape 8" descr="http://www.penjee.com/programming/wp-content/uploads/2014/05/parameter-vs-argument-diagram.png"/>
+          <p:cNvSpPr>
+            <a:spLocks noChangeAspect="1" noChangeArrowheads="1"/>
+          </p:cNvSpPr>
+          <p:nvPr/>
+        </p:nvSpPr>
+        <p:spPr bwMode="auto">
+          <a:xfrm>
+            <a:off x="155575" y="-144463"/>
+            <a:ext cx="304800" cy="304801"/>
+          </a:xfrm>
+          <a:prstGeom prst="rect">
+            <a:avLst/>
+          </a:prstGeom>
+          <a:noFill/>
+          <a:extLst>
+            <a:ext uri="{909E8E84-426E-40DD-AFC4-6F175D3DCCD1}">
+              <a14:hiddenFill xmlns:a14="http://schemas.microsoft.com/office/drawing/2010/main">
+                <a:solidFill>
+                  <a:srgbClr val="FFFFFF"/>
+                </a:solidFill>
+              </a14:hiddenFill>
+            </a:ext>
+          </a:extLst>
+        </p:spPr>
+        <p:txBody>
+          <a:bodyPr vert="horz" wrap="square" lIns="91440" tIns="45720" rIns="91440" bIns="45720" numCol="1" anchor="t" anchorCtr="0" compatLnSpc="1">
+            <a:prstTxWarp prst="textNoShape">
+              <a:avLst/>
+            </a:prstTxWarp>
+          </a:bodyPr>
+          <a:lstStyle/>
+          <a:p>
+            <a:endParaRPr lang="en-US"/>
+          </a:p>
+        </p:txBody>
+      </p:sp>
+      <p:sp>
+        <p:nvSpPr>
+          <p:cNvPr id="8" name="TextBox 7"/>
+          <p:cNvSpPr txBox="1"/>
+          <p:nvPr/>
+        </p:nvSpPr>
+        <p:spPr>
+          <a:xfrm>
+            <a:off x="7495504" y="2240924"/>
+            <a:ext cx="4456090" cy="400110"/>
+          </a:xfrm>
+          <a:prstGeom prst="rect">
+            <a:avLst/>
+          </a:prstGeom>
+          <a:noFill/>
+        </p:spPr>
+        <p:txBody>
+          <a:bodyPr wrap="square" rtlCol="0">
+            <a:spAutoFit/>
+          </a:bodyPr>
+          <a:lstStyle/>
+          <a:p>
+            <a:endParaRPr lang="en-US" sz="2000" u="sng" dirty="0"/>
+          </a:p>
+        </p:txBody>
+      </p:sp>
+      <p:sp>
+        <p:nvSpPr>
+          <p:cNvPr id="3" name="TextBox 2"/>
+          <p:cNvSpPr txBox="1"/>
+          <p:nvPr/>
+        </p:nvSpPr>
+        <p:spPr>
+          <a:xfrm>
+            <a:off x="307975" y="1792936"/>
+            <a:ext cx="5644211" cy="5078313"/>
+          </a:xfrm>
+          <a:prstGeom prst="rect">
+            <a:avLst/>
+          </a:prstGeom>
+          <a:noFill/>
+        </p:spPr>
+        <p:txBody>
+          <a:bodyPr wrap="square" rtlCol="0">
+            <a:spAutoFit/>
+          </a:bodyPr>
+          <a:lstStyle/>
+          <a:p>
+            <a:pPr marL="285750" indent="-285750">
+              <a:buFont typeface="Arial" panose="020B0604020202020204" pitchFamily="34" charset="0"/>
+              <a:buChar char="•"/>
+            </a:pPr>
+            <a:r>
+              <a:rPr lang="en-US" dirty="0" smtClean="0"/>
+              <a:t>Interfaces are contracts that defines how the software will interact with outside world.</a:t>
+            </a:r>
+          </a:p>
+          <a:p>
+            <a:pPr marL="285750" indent="-285750">
+              <a:buFont typeface="Arial" panose="020B0604020202020204" pitchFamily="34" charset="0"/>
+              <a:buChar char="•"/>
+            </a:pPr>
+            <a:r>
+              <a:rPr lang="en-US" dirty="0"/>
+              <a:t>reference type, similar to a class, that can contain only constants, method signatures, default methods, static methods, and nested </a:t>
+            </a:r>
+            <a:r>
+              <a:rPr lang="en-US" dirty="0" smtClean="0"/>
+              <a:t>types.</a:t>
+            </a:r>
+          </a:p>
+          <a:p>
+            <a:pPr marL="285750" indent="-285750">
+              <a:buFont typeface="Arial" panose="020B0604020202020204" pitchFamily="34" charset="0"/>
+              <a:buChar char="•"/>
+            </a:pPr>
+            <a:r>
+              <a:rPr lang="en-US" dirty="0"/>
+              <a:t>Method bodies exist only for default methods and static </a:t>
+            </a:r>
+            <a:r>
+              <a:rPr lang="en-US" dirty="0" smtClean="0"/>
+              <a:t>methods.</a:t>
+            </a:r>
+          </a:p>
+          <a:p>
+            <a:pPr marL="285750" indent="-285750">
+              <a:buFont typeface="Arial" panose="020B0604020202020204" pitchFamily="34" charset="0"/>
+              <a:buChar char="•"/>
+            </a:pPr>
+            <a:r>
+              <a:rPr lang="en-US" dirty="0"/>
+              <a:t>Interfaces cannot be </a:t>
+            </a:r>
+            <a:r>
+              <a:rPr lang="en-US" dirty="0" smtClean="0"/>
+              <a:t>instantiated.</a:t>
+            </a:r>
+          </a:p>
+          <a:p>
+            <a:pPr marL="285750" indent="-285750">
+              <a:buFont typeface="Arial" panose="020B0604020202020204" pitchFamily="34" charset="0"/>
+              <a:buChar char="•"/>
+            </a:pPr>
+            <a:r>
+              <a:rPr lang="en-US" dirty="0" smtClean="0"/>
+              <a:t>Variables should be public, static and final.</a:t>
+            </a:r>
+          </a:p>
+          <a:p>
+            <a:pPr marL="285750" indent="-285750">
+              <a:buFont typeface="Arial" panose="020B0604020202020204" pitchFamily="34" charset="0"/>
+              <a:buChar char="•"/>
+            </a:pPr>
+            <a:r>
+              <a:rPr lang="en-US" dirty="0" smtClean="0"/>
+              <a:t>Ex:</a:t>
+            </a:r>
+          </a:p>
+          <a:p>
+            <a:pPr marL="285750" indent="-285750">
+              <a:buFont typeface="Arial" panose="020B0604020202020204" pitchFamily="34" charset="0"/>
+              <a:buChar char="•"/>
+            </a:pPr>
+            <a:r>
+              <a:rPr lang="en-US" dirty="0" smtClean="0">
+                <a:solidFill>
+                  <a:schemeClr val="accent6">
+                    <a:lumMod val="50000"/>
+                  </a:schemeClr>
+                </a:solidFill>
+              </a:rPr>
+              <a:t>Automobile </a:t>
+            </a:r>
+            <a:r>
+              <a:rPr lang="en-US" dirty="0">
+                <a:solidFill>
+                  <a:schemeClr val="accent6">
+                    <a:lumMod val="50000"/>
+                  </a:schemeClr>
+                </a:solidFill>
+              </a:rPr>
+              <a:t>manufacturers write software (Java, of course) that operates the automobile—stop, start, accelerate, turn left, and so </a:t>
+            </a:r>
+            <a:r>
+              <a:rPr lang="en-US" dirty="0" smtClean="0">
+                <a:solidFill>
+                  <a:schemeClr val="accent6">
+                    <a:lumMod val="50000"/>
+                  </a:schemeClr>
+                </a:solidFill>
+              </a:rPr>
+              <a:t>forth.</a:t>
+            </a:r>
+          </a:p>
+          <a:p>
+            <a:pPr marL="285750" indent="-285750">
+              <a:buFont typeface="Arial" panose="020B0604020202020204" pitchFamily="34" charset="0"/>
+              <a:buChar char="•"/>
+            </a:pPr>
+            <a:r>
+              <a:rPr lang="en-US" dirty="0" smtClean="0">
+                <a:solidFill>
+                  <a:srgbClr val="7030A0"/>
+                </a:solidFill>
+              </a:rPr>
+              <a:t>Electronic </a:t>
+            </a:r>
+            <a:r>
+              <a:rPr lang="en-US" dirty="0">
+                <a:solidFill>
+                  <a:srgbClr val="7030A0"/>
+                </a:solidFill>
+              </a:rPr>
+              <a:t>guidance instrument manufacturers, </a:t>
+            </a:r>
+            <a:r>
+              <a:rPr lang="en-US" dirty="0" smtClean="0">
+                <a:solidFill>
+                  <a:srgbClr val="7030A0"/>
+                </a:solidFill>
+              </a:rPr>
+              <a:t>make </a:t>
+            </a:r>
+            <a:r>
+              <a:rPr lang="en-US" dirty="0">
+                <a:solidFill>
+                  <a:srgbClr val="7030A0"/>
+                </a:solidFill>
+              </a:rPr>
+              <a:t>computer systems that receive GPS (Global Positioning System) position data and wireless transmission of traffic conditions and use that information to drive the car</a:t>
+            </a:r>
+          </a:p>
+        </p:txBody>
+      </p:sp>
+      <p:pic>
+        <p:nvPicPr>
+          <p:cNvPr id="10" name="Picture 9"/>
+          <p:cNvPicPr>
+            <a:picLocks noChangeAspect="1"/>
+          </p:cNvPicPr>
+          <p:nvPr/>
+        </p:nvPicPr>
+        <p:blipFill>
+          <a:blip r:embed="rId2"/>
+          <a:stretch>
+            <a:fillRect/>
+          </a:stretch>
+        </p:blipFill>
+        <p:spPr>
+          <a:xfrm>
+            <a:off x="6627924" y="1996225"/>
+            <a:ext cx="5479666" cy="4417454"/>
+          </a:xfrm>
+          <a:prstGeom prst="rect">
+            <a:avLst/>
+          </a:prstGeom>
+        </p:spPr>
+      </p:pic>
+    </p:spTree>
+    <p:extLst>
+      <p:ext uri="{BB962C8B-B14F-4D97-AF65-F5344CB8AC3E}">
+        <p14:creationId xmlns:p14="http://schemas.microsoft.com/office/powerpoint/2010/main" val="778324739"/>
+      </p:ext>
+    </p:extLst>
+  </p:cSld>
+  <p:clrMapOvr>
+    <a:masterClrMapping/>
+  </p:clrMapOvr>
+  <p:timing>
+    <p:tnLst>
+      <p:par>
+        <p:cTn id="1" dur="indefinite" restart="never" nodeType="tmRoot"/>
+      </p:par>
+    </p:tnLst>
+  </p:timing>
+</p:sld>
+</file>
+
+<file path=ppt/slides/slide77.xml><?xml version="1.0" encoding="utf-8"?>
+<p:sld xmlns:a="http://schemas.openxmlformats.org/drawingml/2006/main" xmlns:r="http://schemas.openxmlformats.org/officeDocument/2006/relationships" xmlns:p="http://schemas.openxmlformats.org/presentationml/2006/main">
+  <p:cSld>
+    <p:spTree>
+      <p:nvGrpSpPr>
+        <p:cNvPr id="1" name=""/>
+        <p:cNvGrpSpPr/>
+        <p:nvPr/>
+      </p:nvGrpSpPr>
+      <p:grpSpPr>
+        <a:xfrm>
+          <a:off x="0" y="0"/>
+          <a:ext cx="0" cy="0"/>
+          <a:chOff x="0" y="0"/>
+          <a:chExt cx="0" cy="0"/>
+        </a:xfrm>
+      </p:grpSpPr>
+      <p:sp>
+        <p:nvSpPr>
+          <p:cNvPr id="2" name="Title 1"/>
+          <p:cNvSpPr>
+            <a:spLocks noGrp="1"/>
+          </p:cNvSpPr>
+          <p:nvPr>
+            <p:ph type="title"/>
+          </p:nvPr>
+        </p:nvSpPr>
+        <p:spPr/>
+        <p:txBody>
+          <a:bodyPr/>
+          <a:lstStyle/>
+          <a:p>
+            <a:r>
+              <a:rPr lang="en-US" dirty="0"/>
+              <a:t>Interfaces and inheritance</a:t>
+            </a:r>
+            <a:endParaRPr lang="en-US" dirty="0"/>
+          </a:p>
+        </p:txBody>
+      </p:sp>
+      <p:sp>
+        <p:nvSpPr>
+          <p:cNvPr id="4" name="AutoShape 8" descr="http://www.penjee.com/programming/wp-content/uploads/2014/05/parameter-vs-argument-diagram.png"/>
+          <p:cNvSpPr>
+            <a:spLocks noChangeAspect="1" noChangeArrowheads="1"/>
+          </p:cNvSpPr>
+          <p:nvPr/>
+        </p:nvSpPr>
+        <p:spPr bwMode="auto">
+          <a:xfrm>
+            <a:off x="155575" y="-144463"/>
+            <a:ext cx="304800" cy="304801"/>
+          </a:xfrm>
+          <a:prstGeom prst="rect">
+            <a:avLst/>
+          </a:prstGeom>
+          <a:noFill/>
+          <a:extLst>
+            <a:ext uri="{909E8E84-426E-40DD-AFC4-6F175D3DCCD1}">
+              <a14:hiddenFill xmlns:a14="http://schemas.microsoft.com/office/drawing/2010/main">
+                <a:solidFill>
+                  <a:srgbClr val="FFFFFF"/>
+                </a:solidFill>
+              </a14:hiddenFill>
+            </a:ext>
+          </a:extLst>
+        </p:spPr>
+        <p:txBody>
+          <a:bodyPr vert="horz" wrap="square" lIns="91440" tIns="45720" rIns="91440" bIns="45720" numCol="1" anchor="t" anchorCtr="0" compatLnSpc="1">
+            <a:prstTxWarp prst="textNoShape">
+              <a:avLst/>
+            </a:prstTxWarp>
+          </a:bodyPr>
+          <a:lstStyle/>
+          <a:p>
+            <a:endParaRPr lang="en-US"/>
+          </a:p>
+        </p:txBody>
+      </p:sp>
+      <p:sp>
+        <p:nvSpPr>
+          <p:cNvPr id="8" name="TextBox 7"/>
+          <p:cNvSpPr txBox="1"/>
+          <p:nvPr/>
+        </p:nvSpPr>
+        <p:spPr>
+          <a:xfrm>
+            <a:off x="7495504" y="2240924"/>
+            <a:ext cx="4456090" cy="400110"/>
+          </a:xfrm>
+          <a:prstGeom prst="rect">
+            <a:avLst/>
+          </a:prstGeom>
+          <a:noFill/>
+        </p:spPr>
+        <p:txBody>
+          <a:bodyPr wrap="square" rtlCol="0">
+            <a:spAutoFit/>
+          </a:bodyPr>
+          <a:lstStyle/>
+          <a:p>
+            <a:endParaRPr lang="en-US" sz="2000" u="sng" dirty="0"/>
+          </a:p>
+        </p:txBody>
+      </p:sp>
+      <p:sp>
+        <p:nvSpPr>
+          <p:cNvPr id="3" name="TextBox 2"/>
+          <p:cNvSpPr txBox="1"/>
+          <p:nvPr/>
+        </p:nvSpPr>
+        <p:spPr>
+          <a:xfrm>
+            <a:off x="592428" y="1970468"/>
+            <a:ext cx="8152327" cy="2031325"/>
+          </a:xfrm>
+          <a:prstGeom prst="rect">
+            <a:avLst/>
+          </a:prstGeom>
+          <a:noFill/>
+        </p:spPr>
+        <p:txBody>
+          <a:bodyPr wrap="square" rtlCol="0">
+            <a:spAutoFit/>
+          </a:bodyPr>
+          <a:lstStyle/>
+          <a:p>
+            <a:r>
+              <a:rPr lang="en-US" dirty="0" smtClean="0"/>
+              <a:t>Defining Interface:</a:t>
+            </a:r>
+          </a:p>
+          <a:p>
+            <a:pPr lvl="1"/>
+            <a:r>
+              <a:rPr lang="en-US" dirty="0">
+                <a:solidFill>
+                  <a:schemeClr val="accent6">
+                    <a:lumMod val="75000"/>
+                  </a:schemeClr>
+                </a:solidFill>
+              </a:rPr>
+              <a:t>public interface &lt;</a:t>
+            </a:r>
+            <a:r>
+              <a:rPr lang="en-US" dirty="0" err="1" smtClean="0">
+                <a:solidFill>
+                  <a:schemeClr val="accent6">
+                    <a:lumMod val="75000"/>
+                  </a:schemeClr>
+                </a:solidFill>
+              </a:rPr>
+              <a:t>NameOfInterface</a:t>
+            </a:r>
+            <a:r>
+              <a:rPr lang="en-US" dirty="0" smtClean="0">
+                <a:solidFill>
+                  <a:schemeClr val="accent6">
+                    <a:lumMod val="75000"/>
+                  </a:schemeClr>
+                </a:solidFill>
+              </a:rPr>
+              <a:t>&gt;</a:t>
+            </a:r>
+            <a:endParaRPr lang="en-US" dirty="0">
+              <a:solidFill>
+                <a:schemeClr val="accent6">
+                  <a:lumMod val="75000"/>
+                </a:schemeClr>
+              </a:solidFill>
+            </a:endParaRPr>
+          </a:p>
+          <a:p>
+            <a:pPr lvl="1"/>
+            <a:r>
+              <a:rPr lang="en-US" dirty="0">
+                <a:solidFill>
+                  <a:schemeClr val="accent6">
+                    <a:lumMod val="75000"/>
+                  </a:schemeClr>
+                </a:solidFill>
+              </a:rPr>
+              <a:t>{</a:t>
+            </a:r>
+          </a:p>
+          <a:p>
+            <a:pPr lvl="1"/>
+            <a:r>
+              <a:rPr lang="en-US" dirty="0">
+                <a:solidFill>
+                  <a:schemeClr val="accent6">
+                    <a:lumMod val="75000"/>
+                  </a:schemeClr>
+                </a:solidFill>
+              </a:rPr>
+              <a:t>   //Any number of final, static fields</a:t>
+            </a:r>
+          </a:p>
+          <a:p>
+            <a:pPr lvl="1"/>
+            <a:r>
+              <a:rPr lang="en-US" dirty="0">
+                <a:solidFill>
+                  <a:schemeClr val="accent6">
+                    <a:lumMod val="75000"/>
+                  </a:schemeClr>
+                </a:solidFill>
+              </a:rPr>
+              <a:t>   //Any number of abstract method </a:t>
+            </a:r>
+            <a:r>
+              <a:rPr lang="en-US" dirty="0" smtClean="0">
+                <a:solidFill>
+                  <a:schemeClr val="accent6">
+                    <a:lumMod val="75000"/>
+                  </a:schemeClr>
+                </a:solidFill>
+              </a:rPr>
+              <a:t>declarations</a:t>
+            </a:r>
+          </a:p>
+          <a:p>
+            <a:pPr lvl="1"/>
+            <a:r>
+              <a:rPr lang="en-US" dirty="0">
+                <a:solidFill>
+                  <a:schemeClr val="accent6">
+                    <a:lumMod val="75000"/>
+                  </a:schemeClr>
+                </a:solidFill>
+              </a:rPr>
+              <a:t> </a:t>
+            </a:r>
+            <a:r>
+              <a:rPr lang="en-US" dirty="0" smtClean="0">
+                <a:solidFill>
+                  <a:schemeClr val="accent6">
+                    <a:lumMod val="75000"/>
+                  </a:schemeClr>
+                </a:solidFill>
+              </a:rPr>
+              <a:t>  //Any number of default methods.</a:t>
+            </a:r>
+            <a:endParaRPr lang="en-US" dirty="0">
+              <a:solidFill>
+                <a:schemeClr val="accent6">
+                  <a:lumMod val="75000"/>
+                </a:schemeClr>
+              </a:solidFill>
+            </a:endParaRPr>
+          </a:p>
+          <a:p>
+            <a:pPr lvl="1"/>
+            <a:r>
+              <a:rPr lang="en-US" dirty="0">
+                <a:solidFill>
+                  <a:schemeClr val="accent6">
+                    <a:lumMod val="75000"/>
+                  </a:schemeClr>
+                </a:solidFill>
+              </a:rPr>
+              <a:t>}</a:t>
+            </a:r>
+          </a:p>
+        </p:txBody>
+      </p:sp>
+    </p:spTree>
+    <p:extLst>
+      <p:ext uri="{BB962C8B-B14F-4D97-AF65-F5344CB8AC3E}">
+        <p14:creationId xmlns:p14="http://schemas.microsoft.com/office/powerpoint/2010/main" val="2908879751"/>
+      </p:ext>
+    </p:extLst>
+  </p:cSld>
+  <p:clrMapOvr>
+    <a:masterClrMapping/>
+  </p:clrMapOvr>
+  <p:timing>
+    <p:tnLst>
+      <p:par>
+        <p:cTn id="1" dur="indefinite" restart="never" nodeType="tmRoot"/>
+      </p:par>
+    </p:tnLst>
+  </p:timing>
+</p:sld>
+</file>
+
+<file path=ppt/slides/slide78.xml><?xml version="1.0" encoding="utf-8"?>
+<p:sld xmlns:a="http://schemas.openxmlformats.org/drawingml/2006/main" xmlns:r="http://schemas.openxmlformats.org/officeDocument/2006/relationships" xmlns:p="http://schemas.openxmlformats.org/presentationml/2006/main">
+  <p:cSld>
+    <p:spTree>
+      <p:nvGrpSpPr>
+        <p:cNvPr id="1" name=""/>
+        <p:cNvGrpSpPr/>
+        <p:nvPr/>
+      </p:nvGrpSpPr>
+      <p:grpSpPr>
+        <a:xfrm>
+          <a:off x="0" y="0"/>
+          <a:ext cx="0" cy="0"/>
+          <a:chOff x="0" y="0"/>
+          <a:chExt cx="0" cy="0"/>
+        </a:xfrm>
+      </p:grpSpPr>
+      <p:sp>
+        <p:nvSpPr>
+          <p:cNvPr id="2" name="Title 1"/>
+          <p:cNvSpPr>
+            <a:spLocks noGrp="1"/>
+          </p:cNvSpPr>
+          <p:nvPr>
+            <p:ph type="title"/>
+          </p:nvPr>
+        </p:nvSpPr>
+        <p:spPr/>
+        <p:txBody>
+          <a:bodyPr/>
+          <a:lstStyle/>
+          <a:p>
+            <a:r>
+              <a:rPr lang="en-US" dirty="0"/>
+              <a:t>Interfaces and inheritance</a:t>
+            </a:r>
+            <a:endParaRPr lang="en-US" dirty="0"/>
+          </a:p>
+        </p:txBody>
+      </p:sp>
+      <p:sp>
+        <p:nvSpPr>
+          <p:cNvPr id="4" name="AutoShape 8" descr="http://www.penjee.com/programming/wp-content/uploads/2014/05/parameter-vs-argument-diagram.png"/>
+          <p:cNvSpPr>
+            <a:spLocks noChangeAspect="1" noChangeArrowheads="1"/>
+          </p:cNvSpPr>
+          <p:nvPr/>
+        </p:nvSpPr>
+        <p:spPr bwMode="auto">
+          <a:xfrm>
+            <a:off x="155575" y="-144463"/>
+            <a:ext cx="304800" cy="304801"/>
+          </a:xfrm>
+          <a:prstGeom prst="rect">
+            <a:avLst/>
+          </a:prstGeom>
+          <a:noFill/>
+          <a:extLst>
+            <a:ext uri="{909E8E84-426E-40DD-AFC4-6F175D3DCCD1}">
+              <a14:hiddenFill xmlns:a14="http://schemas.microsoft.com/office/drawing/2010/main">
+                <a:solidFill>
+                  <a:srgbClr val="FFFFFF"/>
+                </a:solidFill>
+              </a14:hiddenFill>
+            </a:ext>
+          </a:extLst>
+        </p:spPr>
+        <p:txBody>
+          <a:bodyPr vert="horz" wrap="square" lIns="91440" tIns="45720" rIns="91440" bIns="45720" numCol="1" anchor="t" anchorCtr="0" compatLnSpc="1">
+            <a:prstTxWarp prst="textNoShape">
+              <a:avLst/>
+            </a:prstTxWarp>
+          </a:bodyPr>
+          <a:lstStyle/>
+          <a:p>
+            <a:endParaRPr lang="en-US"/>
+          </a:p>
+        </p:txBody>
+      </p:sp>
+      <p:sp>
+        <p:nvSpPr>
+          <p:cNvPr id="8" name="TextBox 7"/>
+          <p:cNvSpPr txBox="1"/>
+          <p:nvPr/>
+        </p:nvSpPr>
+        <p:spPr>
+          <a:xfrm>
+            <a:off x="7495504" y="2240924"/>
+            <a:ext cx="4456090" cy="400110"/>
+          </a:xfrm>
+          <a:prstGeom prst="rect">
+            <a:avLst/>
+          </a:prstGeom>
+          <a:noFill/>
+        </p:spPr>
+        <p:txBody>
+          <a:bodyPr wrap="square" rtlCol="0">
+            <a:spAutoFit/>
+          </a:bodyPr>
+          <a:lstStyle/>
+          <a:p>
+            <a:endParaRPr lang="en-US" sz="2000" u="sng" dirty="0"/>
+          </a:p>
+        </p:txBody>
+      </p:sp>
+      <p:sp>
+        <p:nvSpPr>
+          <p:cNvPr id="5" name="TextBox 4"/>
+          <p:cNvSpPr txBox="1"/>
+          <p:nvPr/>
+        </p:nvSpPr>
+        <p:spPr>
+          <a:xfrm>
+            <a:off x="811369" y="2240924"/>
+            <a:ext cx="7959144" cy="4353059"/>
+          </a:xfrm>
+          <a:prstGeom prst="rect">
+            <a:avLst/>
+          </a:prstGeom>
+          <a:noFill/>
+        </p:spPr>
+        <p:txBody>
+          <a:bodyPr wrap="square" rtlCol="0">
+            <a:spAutoFit/>
+          </a:bodyPr>
+          <a:lstStyle/>
+          <a:p>
+            <a:endParaRPr lang="en-US" dirty="0"/>
+          </a:p>
+        </p:txBody>
+      </p:sp>
+    </p:spTree>
+    <p:extLst>
+      <p:ext uri="{BB962C8B-B14F-4D97-AF65-F5344CB8AC3E}">
+        <p14:creationId xmlns:p14="http://schemas.microsoft.com/office/powerpoint/2010/main" val="2732499751"/>
+      </p:ext>
+    </p:extLst>
+  </p:cSld>
+  <p:clrMapOvr>
+    <a:masterClrMapping/>
+  </p:clrMapOvr>
+  <p:timing>
+    <p:tnLst>
+      <p:par>
+        <p:cTn id="1" dur="indefinite" restart="never" nodeType="tmRoot"/>
+      </p:par>
+    </p:tnLst>
+  </p:timing>
+</p:sld>
+</file>
+
+<file path=ppt/slides/slide79.xml><?xml version="1.0" encoding="utf-8"?>
+<p:sld xmlns:a="http://schemas.openxmlformats.org/drawingml/2006/main" xmlns:r="http://schemas.openxmlformats.org/officeDocument/2006/relationships" xmlns:p="http://schemas.openxmlformats.org/presentationml/2006/main">
+  <p:cSld>
+    <p:spTree>
+      <p:nvGrpSpPr>
+        <p:cNvPr id="1" name=""/>
+        <p:cNvGrpSpPr/>
+        <p:nvPr/>
+      </p:nvGrpSpPr>
+      <p:grpSpPr>
+        <a:xfrm>
+          <a:off x="0" y="0"/>
+          <a:ext cx="0" cy="0"/>
+          <a:chOff x="0" y="0"/>
+          <a:chExt cx="0" cy="0"/>
+        </a:xfrm>
+      </p:grpSpPr>
+      <p:sp>
+        <p:nvSpPr>
+          <p:cNvPr id="2" name="Title 1"/>
+          <p:cNvSpPr>
+            <a:spLocks noGrp="1"/>
+          </p:cNvSpPr>
+          <p:nvPr>
+            <p:ph type="title"/>
+          </p:nvPr>
+        </p:nvSpPr>
+        <p:spPr/>
+        <p:txBody>
+          <a:bodyPr/>
+          <a:lstStyle/>
+          <a:p>
+            <a:r>
+              <a:rPr lang="en-US" dirty="0"/>
+              <a:t>Interfaces and inheritance</a:t>
+            </a:r>
+            <a:endParaRPr lang="en-US" dirty="0"/>
+          </a:p>
+        </p:txBody>
+      </p:sp>
+      <p:sp>
+        <p:nvSpPr>
+          <p:cNvPr id="4" name="AutoShape 8" descr="http://www.penjee.com/programming/wp-content/uploads/2014/05/parameter-vs-argument-diagram.png"/>
+          <p:cNvSpPr>
+            <a:spLocks noChangeAspect="1" noChangeArrowheads="1"/>
+          </p:cNvSpPr>
+          <p:nvPr/>
+        </p:nvSpPr>
+        <p:spPr bwMode="auto">
+          <a:xfrm>
+            <a:off x="155575" y="-144463"/>
+            <a:ext cx="304800" cy="304801"/>
+          </a:xfrm>
+          <a:prstGeom prst="rect">
+            <a:avLst/>
+          </a:prstGeom>
+          <a:noFill/>
+          <a:extLst>
+            <a:ext uri="{909E8E84-426E-40DD-AFC4-6F175D3DCCD1}">
+              <a14:hiddenFill xmlns:a14="http://schemas.microsoft.com/office/drawing/2010/main">
+                <a:solidFill>
+                  <a:srgbClr val="FFFFFF"/>
+                </a:solidFill>
+              </a14:hiddenFill>
+            </a:ext>
+          </a:extLst>
+        </p:spPr>
+        <p:txBody>
+          <a:bodyPr vert="horz" wrap="square" lIns="91440" tIns="45720" rIns="91440" bIns="45720" numCol="1" anchor="t" anchorCtr="0" compatLnSpc="1">
+            <a:prstTxWarp prst="textNoShape">
+              <a:avLst/>
+            </a:prstTxWarp>
+          </a:bodyPr>
+          <a:lstStyle/>
+          <a:p>
+            <a:endParaRPr lang="en-US"/>
+          </a:p>
+        </p:txBody>
+      </p:sp>
+      <p:sp>
+        <p:nvSpPr>
+          <p:cNvPr id="8" name="TextBox 7"/>
+          <p:cNvSpPr txBox="1"/>
+          <p:nvPr/>
+        </p:nvSpPr>
+        <p:spPr>
+          <a:xfrm>
+            <a:off x="7495504" y="2240924"/>
+            <a:ext cx="4456090" cy="400110"/>
+          </a:xfrm>
+          <a:prstGeom prst="rect">
+            <a:avLst/>
+          </a:prstGeom>
+          <a:noFill/>
+        </p:spPr>
+        <p:txBody>
+          <a:bodyPr wrap="square" rtlCol="0">
+            <a:spAutoFit/>
+          </a:bodyPr>
+          <a:lstStyle/>
+          <a:p>
+            <a:endParaRPr lang="en-US" sz="2000" u="sng" dirty="0"/>
+          </a:p>
+        </p:txBody>
+      </p:sp>
+      <p:pic>
+        <p:nvPicPr>
+          <p:cNvPr id="3" name="Picture 2"/>
+          <p:cNvPicPr>
+            <a:picLocks noChangeAspect="1"/>
+          </p:cNvPicPr>
+          <p:nvPr/>
+        </p:nvPicPr>
+        <p:blipFill>
+          <a:blip r:embed="rId2"/>
+          <a:stretch>
+            <a:fillRect/>
+          </a:stretch>
+        </p:blipFill>
+        <p:spPr>
+          <a:xfrm>
+            <a:off x="571768" y="3854337"/>
+            <a:ext cx="5004784" cy="2886092"/>
+          </a:xfrm>
+          <a:prstGeom prst="rect">
+            <a:avLst/>
+          </a:prstGeom>
+        </p:spPr>
+      </p:pic>
+      <p:pic>
+        <p:nvPicPr>
+          <p:cNvPr id="5" name="Picture 4"/>
+          <p:cNvPicPr>
+            <a:picLocks noChangeAspect="1"/>
+          </p:cNvPicPr>
+          <p:nvPr/>
+        </p:nvPicPr>
+        <p:blipFill>
+          <a:blip r:embed="rId3"/>
+          <a:stretch>
+            <a:fillRect/>
+          </a:stretch>
+        </p:blipFill>
+        <p:spPr>
+          <a:xfrm>
+            <a:off x="5874644" y="1894736"/>
+            <a:ext cx="6076950" cy="4562475"/>
+          </a:xfrm>
+          <a:prstGeom prst="rect">
+            <a:avLst/>
+          </a:prstGeom>
+        </p:spPr>
+      </p:pic>
+    </p:spTree>
+    <p:extLst>
+      <p:ext uri="{BB962C8B-B14F-4D97-AF65-F5344CB8AC3E}">
+        <p14:creationId xmlns:p14="http://schemas.microsoft.com/office/powerpoint/2010/main" val="452548969"/>
+      </p:ext>
+    </p:extLst>
+  </p:cSld>
+  <p:clrMapOvr>
+    <a:masterClrMapping/>
+  </p:clrMapOvr>
+  <p:timing>
+    <p:tnLst>
+      <p:par>
+        <p:cTn id="1" dur="indefinite" restart="never" nodeType="tmRoot"/>
+      </p:par>
+    </p:tnLst>
+  </p:timing>
+</p:sld>
+</file>
+
 <file path=ppt/slides/slide8.xml><?xml version="1.0" encoding="utf-8"?>
 <p:sld xmlns:a="http://schemas.openxmlformats.org/drawingml/2006/main" xmlns:r="http://schemas.openxmlformats.org/officeDocument/2006/relationships" xmlns:p="http://schemas.openxmlformats.org/presentationml/2006/main">
   <p:cSld>
@@ -23893,6 +27353,1820 @@
   <p:clrMapOvr>
     <a:masterClrMapping/>
   </p:clrMapOvr>
+</p:sld>
+</file>
+
+<file path=ppt/slides/slide80.xml><?xml version="1.0" encoding="utf-8"?>
+<p:sld xmlns:a="http://schemas.openxmlformats.org/drawingml/2006/main" xmlns:r="http://schemas.openxmlformats.org/officeDocument/2006/relationships" xmlns:p="http://schemas.openxmlformats.org/presentationml/2006/main">
+  <p:cSld>
+    <p:spTree>
+      <p:nvGrpSpPr>
+        <p:cNvPr id="1" name=""/>
+        <p:cNvGrpSpPr/>
+        <p:nvPr/>
+      </p:nvGrpSpPr>
+      <p:grpSpPr>
+        <a:xfrm>
+          <a:off x="0" y="0"/>
+          <a:ext cx="0" cy="0"/>
+          <a:chOff x="0" y="0"/>
+          <a:chExt cx="0" cy="0"/>
+        </a:xfrm>
+      </p:grpSpPr>
+      <p:sp>
+        <p:nvSpPr>
+          <p:cNvPr id="2" name="Title 1"/>
+          <p:cNvSpPr>
+            <a:spLocks noGrp="1"/>
+          </p:cNvSpPr>
+          <p:nvPr>
+            <p:ph type="title"/>
+          </p:nvPr>
+        </p:nvSpPr>
+        <p:spPr/>
+        <p:txBody>
+          <a:bodyPr/>
+          <a:lstStyle/>
+          <a:p>
+            <a:r>
+              <a:rPr lang="en-US" dirty="0"/>
+              <a:t>Interfaces and inheritance</a:t>
+            </a:r>
+            <a:endParaRPr lang="en-US" dirty="0"/>
+          </a:p>
+        </p:txBody>
+      </p:sp>
+      <p:sp>
+        <p:nvSpPr>
+          <p:cNvPr id="4" name="AutoShape 8" descr="http://www.penjee.com/programming/wp-content/uploads/2014/05/parameter-vs-argument-diagram.png"/>
+          <p:cNvSpPr>
+            <a:spLocks noChangeAspect="1" noChangeArrowheads="1"/>
+          </p:cNvSpPr>
+          <p:nvPr/>
+        </p:nvSpPr>
+        <p:spPr bwMode="auto">
+          <a:xfrm>
+            <a:off x="155575" y="-144463"/>
+            <a:ext cx="304800" cy="304801"/>
+          </a:xfrm>
+          <a:prstGeom prst="rect">
+            <a:avLst/>
+          </a:prstGeom>
+          <a:noFill/>
+          <a:extLst>
+            <a:ext uri="{909E8E84-426E-40DD-AFC4-6F175D3DCCD1}">
+              <a14:hiddenFill xmlns:a14="http://schemas.microsoft.com/office/drawing/2010/main">
+                <a:solidFill>
+                  <a:srgbClr val="FFFFFF"/>
+                </a:solidFill>
+              </a14:hiddenFill>
+            </a:ext>
+          </a:extLst>
+        </p:spPr>
+        <p:txBody>
+          <a:bodyPr vert="horz" wrap="square" lIns="91440" tIns="45720" rIns="91440" bIns="45720" numCol="1" anchor="t" anchorCtr="0" compatLnSpc="1">
+            <a:prstTxWarp prst="textNoShape">
+              <a:avLst/>
+            </a:prstTxWarp>
+          </a:bodyPr>
+          <a:lstStyle/>
+          <a:p>
+            <a:endParaRPr lang="en-US"/>
+          </a:p>
+        </p:txBody>
+      </p:sp>
+      <p:sp>
+        <p:nvSpPr>
+          <p:cNvPr id="8" name="TextBox 7"/>
+          <p:cNvSpPr txBox="1"/>
+          <p:nvPr/>
+        </p:nvSpPr>
+        <p:spPr>
+          <a:xfrm>
+            <a:off x="7495504" y="2240924"/>
+            <a:ext cx="4456090" cy="400110"/>
+          </a:xfrm>
+          <a:prstGeom prst="rect">
+            <a:avLst/>
+          </a:prstGeom>
+          <a:noFill/>
+        </p:spPr>
+        <p:txBody>
+          <a:bodyPr wrap="square" rtlCol="0">
+            <a:spAutoFit/>
+          </a:bodyPr>
+          <a:lstStyle/>
+          <a:p>
+            <a:endParaRPr lang="en-US" sz="2000" u="sng" dirty="0"/>
+          </a:p>
+        </p:txBody>
+      </p:sp>
+      <p:pic>
+        <p:nvPicPr>
+          <p:cNvPr id="3" name="Picture 2"/>
+          <p:cNvPicPr>
+            <a:picLocks noChangeAspect="1"/>
+          </p:cNvPicPr>
+          <p:nvPr/>
+        </p:nvPicPr>
+        <p:blipFill>
+          <a:blip r:embed="rId2"/>
+          <a:stretch>
+            <a:fillRect/>
+          </a:stretch>
+        </p:blipFill>
+        <p:spPr>
+          <a:xfrm>
+            <a:off x="155575" y="1792936"/>
+            <a:ext cx="6786138" cy="5083054"/>
+          </a:xfrm>
+          <a:prstGeom prst="rect">
+            <a:avLst/>
+          </a:prstGeom>
+        </p:spPr>
+      </p:pic>
+    </p:spTree>
+    <p:extLst>
+      <p:ext uri="{BB962C8B-B14F-4D97-AF65-F5344CB8AC3E}">
+        <p14:creationId xmlns:p14="http://schemas.microsoft.com/office/powerpoint/2010/main" val="2229194193"/>
+      </p:ext>
+    </p:extLst>
+  </p:cSld>
+  <p:clrMapOvr>
+    <a:masterClrMapping/>
+  </p:clrMapOvr>
+  <p:timing>
+    <p:tnLst>
+      <p:par>
+        <p:cTn id="1" dur="indefinite" restart="never" nodeType="tmRoot"/>
+      </p:par>
+    </p:tnLst>
+  </p:timing>
+</p:sld>
+</file>
+
+<file path=ppt/slides/slide81.xml><?xml version="1.0" encoding="utf-8"?>
+<p:sld xmlns:a="http://schemas.openxmlformats.org/drawingml/2006/main" xmlns:r="http://schemas.openxmlformats.org/officeDocument/2006/relationships" xmlns:p="http://schemas.openxmlformats.org/presentationml/2006/main">
+  <p:cSld>
+    <p:spTree>
+      <p:nvGrpSpPr>
+        <p:cNvPr id="1" name=""/>
+        <p:cNvGrpSpPr/>
+        <p:nvPr/>
+      </p:nvGrpSpPr>
+      <p:grpSpPr>
+        <a:xfrm>
+          <a:off x="0" y="0"/>
+          <a:ext cx="0" cy="0"/>
+          <a:chOff x="0" y="0"/>
+          <a:chExt cx="0" cy="0"/>
+        </a:xfrm>
+      </p:grpSpPr>
+      <p:sp>
+        <p:nvSpPr>
+          <p:cNvPr id="2" name="Title 1"/>
+          <p:cNvSpPr>
+            <a:spLocks noGrp="1"/>
+          </p:cNvSpPr>
+          <p:nvPr>
+            <p:ph type="title"/>
+          </p:nvPr>
+        </p:nvSpPr>
+        <p:spPr/>
+        <p:txBody>
+          <a:bodyPr/>
+          <a:lstStyle/>
+          <a:p>
+            <a:r>
+              <a:rPr lang="en-US" dirty="0"/>
+              <a:t>Interfaces and inheritance</a:t>
+            </a:r>
+            <a:endParaRPr lang="en-US" dirty="0"/>
+          </a:p>
+        </p:txBody>
+      </p:sp>
+      <p:sp>
+        <p:nvSpPr>
+          <p:cNvPr id="4" name="AutoShape 8" descr="http://www.penjee.com/programming/wp-content/uploads/2014/05/parameter-vs-argument-diagram.png"/>
+          <p:cNvSpPr>
+            <a:spLocks noChangeAspect="1" noChangeArrowheads="1"/>
+          </p:cNvSpPr>
+          <p:nvPr/>
+        </p:nvSpPr>
+        <p:spPr bwMode="auto">
+          <a:xfrm>
+            <a:off x="155575" y="-144463"/>
+            <a:ext cx="304800" cy="304801"/>
+          </a:xfrm>
+          <a:prstGeom prst="rect">
+            <a:avLst/>
+          </a:prstGeom>
+          <a:noFill/>
+          <a:extLst>
+            <a:ext uri="{909E8E84-426E-40DD-AFC4-6F175D3DCCD1}">
+              <a14:hiddenFill xmlns:a14="http://schemas.microsoft.com/office/drawing/2010/main">
+                <a:solidFill>
+                  <a:srgbClr val="FFFFFF"/>
+                </a:solidFill>
+              </a14:hiddenFill>
+            </a:ext>
+          </a:extLst>
+        </p:spPr>
+        <p:txBody>
+          <a:bodyPr vert="horz" wrap="square" lIns="91440" tIns="45720" rIns="91440" bIns="45720" numCol="1" anchor="t" anchorCtr="0" compatLnSpc="1">
+            <a:prstTxWarp prst="textNoShape">
+              <a:avLst/>
+            </a:prstTxWarp>
+          </a:bodyPr>
+          <a:lstStyle/>
+          <a:p>
+            <a:endParaRPr lang="en-US"/>
+          </a:p>
+        </p:txBody>
+      </p:sp>
+      <p:sp>
+        <p:nvSpPr>
+          <p:cNvPr id="8" name="TextBox 7"/>
+          <p:cNvSpPr txBox="1"/>
+          <p:nvPr/>
+        </p:nvSpPr>
+        <p:spPr>
+          <a:xfrm>
+            <a:off x="7495504" y="2240924"/>
+            <a:ext cx="4456090" cy="400110"/>
+          </a:xfrm>
+          <a:prstGeom prst="rect">
+            <a:avLst/>
+          </a:prstGeom>
+          <a:noFill/>
+        </p:spPr>
+        <p:txBody>
+          <a:bodyPr wrap="square" rtlCol="0">
+            <a:spAutoFit/>
+          </a:bodyPr>
+          <a:lstStyle/>
+          <a:p>
+            <a:endParaRPr lang="en-US" sz="2000" u="sng" dirty="0"/>
+          </a:p>
+        </p:txBody>
+      </p:sp>
+    </p:spTree>
+    <p:extLst>
+      <p:ext uri="{BB962C8B-B14F-4D97-AF65-F5344CB8AC3E}">
+        <p14:creationId xmlns:p14="http://schemas.microsoft.com/office/powerpoint/2010/main" val="2666708960"/>
+      </p:ext>
+    </p:extLst>
+  </p:cSld>
+  <p:clrMapOvr>
+    <a:masterClrMapping/>
+  </p:clrMapOvr>
+  <p:timing>
+    <p:tnLst>
+      <p:par>
+        <p:cTn id="1" dur="indefinite" restart="never" nodeType="tmRoot"/>
+      </p:par>
+    </p:tnLst>
+  </p:timing>
+</p:sld>
+</file>
+
+<file path=ppt/slides/slide82.xml><?xml version="1.0" encoding="utf-8"?>
+<p:sld xmlns:a="http://schemas.openxmlformats.org/drawingml/2006/main" xmlns:r="http://schemas.openxmlformats.org/officeDocument/2006/relationships" xmlns:p="http://schemas.openxmlformats.org/presentationml/2006/main">
+  <p:cSld>
+    <p:spTree>
+      <p:nvGrpSpPr>
+        <p:cNvPr id="1" name=""/>
+        <p:cNvGrpSpPr/>
+        <p:nvPr/>
+      </p:nvGrpSpPr>
+      <p:grpSpPr>
+        <a:xfrm>
+          <a:off x="0" y="0"/>
+          <a:ext cx="0" cy="0"/>
+          <a:chOff x="0" y="0"/>
+          <a:chExt cx="0" cy="0"/>
+        </a:xfrm>
+      </p:grpSpPr>
+      <p:sp>
+        <p:nvSpPr>
+          <p:cNvPr id="2" name="Title 1"/>
+          <p:cNvSpPr>
+            <a:spLocks noGrp="1"/>
+          </p:cNvSpPr>
+          <p:nvPr>
+            <p:ph type="title"/>
+          </p:nvPr>
+        </p:nvSpPr>
+        <p:spPr/>
+        <p:txBody>
+          <a:bodyPr/>
+          <a:lstStyle/>
+          <a:p>
+            <a:r>
+              <a:rPr lang="en-US" dirty="0" smtClean="0"/>
+              <a:t>Java - miscellaneous</a:t>
+            </a:r>
+            <a:endParaRPr lang="en-US" dirty="0"/>
+          </a:p>
+        </p:txBody>
+      </p:sp>
+      <p:sp>
+        <p:nvSpPr>
+          <p:cNvPr id="6" name="TextBox 5"/>
+          <p:cNvSpPr txBox="1"/>
+          <p:nvPr/>
+        </p:nvSpPr>
+        <p:spPr>
+          <a:xfrm>
+            <a:off x="746975" y="2099256"/>
+            <a:ext cx="6645498" cy="646331"/>
+          </a:xfrm>
+          <a:prstGeom prst="rect">
+            <a:avLst/>
+          </a:prstGeom>
+          <a:noFill/>
+        </p:spPr>
+        <p:txBody>
+          <a:bodyPr wrap="square" rtlCol="0">
+            <a:spAutoFit/>
+          </a:bodyPr>
+          <a:lstStyle/>
+          <a:p>
+            <a:endParaRPr lang="en-US" b="1" dirty="0" smtClean="0"/>
+          </a:p>
+          <a:p>
+            <a:endParaRPr lang="en-US" dirty="0"/>
+          </a:p>
+        </p:txBody>
+      </p:sp>
+      <p:sp>
+        <p:nvSpPr>
+          <p:cNvPr id="4" name="AutoShape 8" descr="http://www.penjee.com/programming/wp-content/uploads/2014/05/parameter-vs-argument-diagram.png"/>
+          <p:cNvSpPr>
+            <a:spLocks noChangeAspect="1" noChangeArrowheads="1"/>
+          </p:cNvSpPr>
+          <p:nvPr/>
+        </p:nvSpPr>
+        <p:spPr bwMode="auto">
+          <a:xfrm>
+            <a:off x="155575" y="-144463"/>
+            <a:ext cx="304800" cy="304801"/>
+          </a:xfrm>
+          <a:prstGeom prst="rect">
+            <a:avLst/>
+          </a:prstGeom>
+          <a:noFill/>
+          <a:extLst>
+            <a:ext uri="{909E8E84-426E-40DD-AFC4-6F175D3DCCD1}">
+              <a14:hiddenFill xmlns:a14="http://schemas.microsoft.com/office/drawing/2010/main">
+                <a:solidFill>
+                  <a:srgbClr val="FFFFFF"/>
+                </a:solidFill>
+              </a14:hiddenFill>
+            </a:ext>
+          </a:extLst>
+        </p:spPr>
+        <p:txBody>
+          <a:bodyPr vert="horz" wrap="square" lIns="91440" tIns="45720" rIns="91440" bIns="45720" numCol="1" anchor="t" anchorCtr="0" compatLnSpc="1">
+            <a:prstTxWarp prst="textNoShape">
+              <a:avLst/>
+            </a:prstTxWarp>
+          </a:bodyPr>
+          <a:lstStyle/>
+          <a:p>
+            <a:endParaRPr lang="en-US"/>
+          </a:p>
+        </p:txBody>
+      </p:sp>
+      <p:sp>
+        <p:nvSpPr>
+          <p:cNvPr id="8" name="TextBox 7"/>
+          <p:cNvSpPr txBox="1"/>
+          <p:nvPr/>
+        </p:nvSpPr>
+        <p:spPr>
+          <a:xfrm>
+            <a:off x="1202919" y="2575775"/>
+            <a:ext cx="8224416" cy="523220"/>
+          </a:xfrm>
+          <a:prstGeom prst="rect">
+            <a:avLst/>
+          </a:prstGeom>
+          <a:noFill/>
+        </p:spPr>
+        <p:txBody>
+          <a:bodyPr wrap="square" rtlCol="0">
+            <a:spAutoFit/>
+          </a:bodyPr>
+          <a:lstStyle/>
+          <a:p>
+            <a:r>
+              <a:rPr lang="en-US" sz="2800" b="1" dirty="0"/>
+              <a:t>Type Comparison Operator </a:t>
+            </a:r>
+            <a:r>
+              <a:rPr lang="en-US" sz="2800" b="1" dirty="0" err="1"/>
+              <a:t>instanceof</a:t>
+            </a:r>
+            <a:endParaRPr lang="en-US" sz="2800" b="1" dirty="0"/>
+          </a:p>
+        </p:txBody>
+      </p:sp>
+      <p:sp>
+        <p:nvSpPr>
+          <p:cNvPr id="9" name="TextBox 8"/>
+          <p:cNvSpPr txBox="1"/>
+          <p:nvPr/>
+        </p:nvSpPr>
+        <p:spPr>
+          <a:xfrm>
+            <a:off x="1300766" y="3098995"/>
+            <a:ext cx="9440214" cy="3198774"/>
+          </a:xfrm>
+          <a:prstGeom prst="rect">
+            <a:avLst/>
+          </a:prstGeom>
+          <a:noFill/>
+        </p:spPr>
+        <p:txBody>
+          <a:bodyPr wrap="square" rtlCol="0">
+            <a:spAutoFit/>
+          </a:bodyPr>
+          <a:lstStyle/>
+          <a:p>
+            <a:endParaRPr lang="en-US" dirty="0"/>
+          </a:p>
+        </p:txBody>
+      </p:sp>
+      <p:sp>
+        <p:nvSpPr>
+          <p:cNvPr id="12" name="Rectangle 11"/>
+          <p:cNvSpPr/>
+          <p:nvPr/>
+        </p:nvSpPr>
+        <p:spPr>
+          <a:xfrm>
+            <a:off x="1202919" y="3222106"/>
+            <a:ext cx="8224416" cy="3354765"/>
+          </a:xfrm>
+          <a:prstGeom prst="rect">
+            <a:avLst/>
+          </a:prstGeom>
+        </p:spPr>
+        <p:txBody>
+          <a:bodyPr wrap="square">
+            <a:spAutoFit/>
+          </a:bodyPr>
+          <a:lstStyle/>
+          <a:p>
+            <a:pPr marL="285750" indent="-285750">
+              <a:buFont typeface="Arial" panose="020B0604020202020204" pitchFamily="34" charset="0"/>
+              <a:buChar char="•"/>
+            </a:pPr>
+            <a:r>
+              <a:rPr lang="en-US" sz="2000" dirty="0"/>
+              <a:t>The </a:t>
+            </a:r>
+            <a:r>
+              <a:rPr lang="en-US" sz="2000" dirty="0" err="1"/>
+              <a:t>instanceof</a:t>
+            </a:r>
+            <a:r>
+              <a:rPr lang="en-US" sz="2000" dirty="0"/>
+              <a:t> operator compares an object to a specified type. </a:t>
+            </a:r>
+            <a:endParaRPr lang="en-US" sz="2000" dirty="0" smtClean="0"/>
+          </a:p>
+          <a:p>
+            <a:pPr marL="285750" indent="-285750">
+              <a:buFont typeface="Arial" panose="020B0604020202020204" pitchFamily="34" charset="0"/>
+              <a:buChar char="•"/>
+            </a:pPr>
+            <a:endParaRPr lang="en-US" sz="2000" dirty="0"/>
+          </a:p>
+          <a:p>
+            <a:pPr marL="285750" indent="-285750">
+              <a:buFont typeface="Arial" panose="020B0604020202020204" pitchFamily="34" charset="0"/>
+              <a:buChar char="•"/>
+            </a:pPr>
+            <a:r>
+              <a:rPr lang="en-US" sz="2000" dirty="0" smtClean="0"/>
+              <a:t>You </a:t>
+            </a:r>
+            <a:r>
+              <a:rPr lang="en-US" sz="2000" dirty="0"/>
+              <a:t>can use it to test if an object is an instance of a class, an instance of a subclass, or an instance of a class that implements a particular </a:t>
+            </a:r>
+            <a:r>
+              <a:rPr lang="en-US" sz="2000" dirty="0" smtClean="0"/>
+              <a:t>interface</a:t>
+            </a:r>
+          </a:p>
+          <a:p>
+            <a:pPr marL="285750" indent="-285750">
+              <a:buFont typeface="Arial" panose="020B0604020202020204" pitchFamily="34" charset="0"/>
+              <a:buChar char="•"/>
+            </a:pPr>
+            <a:endParaRPr lang="en-US" sz="2000" dirty="0"/>
+          </a:p>
+          <a:p>
+            <a:pPr marL="285750" indent="-285750">
+              <a:buFont typeface="Arial" panose="020B0604020202020204" pitchFamily="34" charset="0"/>
+              <a:buChar char="•"/>
+            </a:pPr>
+            <a:r>
+              <a:rPr lang="en-US" sz="3200" dirty="0" smtClean="0"/>
+              <a:t>Classes implementing interfaces</a:t>
+            </a:r>
+          </a:p>
+          <a:p>
+            <a:pPr marL="285750" indent="-285750">
+              <a:buFont typeface="Arial" panose="020B0604020202020204" pitchFamily="34" charset="0"/>
+              <a:buChar char="•"/>
+            </a:pPr>
+            <a:r>
+              <a:rPr lang="en-US" sz="2000" dirty="0"/>
+              <a:t>class </a:t>
+            </a:r>
+            <a:r>
+              <a:rPr lang="en-US" sz="2000" dirty="0" err="1"/>
+              <a:t>MyClass</a:t>
+            </a:r>
+            <a:r>
+              <a:rPr lang="en-US" sz="2000" dirty="0"/>
+              <a:t> extends </a:t>
+            </a:r>
+            <a:r>
+              <a:rPr lang="en-US" sz="2000" dirty="0" err="1"/>
+              <a:t>MySuperClass</a:t>
+            </a:r>
+            <a:r>
+              <a:rPr lang="en-US" sz="2000" dirty="0"/>
+              <a:t> implements </a:t>
+            </a:r>
+            <a:r>
+              <a:rPr lang="en-US" sz="2000" dirty="0" err="1"/>
+              <a:t>YourInterface</a:t>
+            </a:r>
+            <a:r>
+              <a:rPr lang="en-US" sz="2000" dirty="0"/>
+              <a:t> {</a:t>
+            </a:r>
+          </a:p>
+          <a:p>
+            <a:pPr marL="285750" indent="-285750">
+              <a:buFont typeface="Arial" panose="020B0604020202020204" pitchFamily="34" charset="0"/>
+              <a:buChar char="•"/>
+            </a:pPr>
+            <a:r>
+              <a:rPr lang="en-US" sz="2000" dirty="0"/>
+              <a:t>    // field, constructor, and</a:t>
+            </a:r>
+          </a:p>
+          <a:p>
+            <a:pPr marL="285750" indent="-285750">
+              <a:buFont typeface="Arial" panose="020B0604020202020204" pitchFamily="34" charset="0"/>
+              <a:buChar char="•"/>
+            </a:pPr>
+            <a:r>
+              <a:rPr lang="en-US" sz="2000" dirty="0"/>
+              <a:t>    // method declarations</a:t>
+            </a:r>
+          </a:p>
+          <a:p>
+            <a:pPr marL="285750" indent="-285750">
+              <a:buFont typeface="Arial" panose="020B0604020202020204" pitchFamily="34" charset="0"/>
+              <a:buChar char="•"/>
+            </a:pPr>
+            <a:r>
+              <a:rPr lang="en-US" sz="2000" dirty="0"/>
+              <a:t>}</a:t>
+            </a:r>
+          </a:p>
+        </p:txBody>
+      </p:sp>
+    </p:spTree>
+    <p:extLst>
+      <p:ext uri="{BB962C8B-B14F-4D97-AF65-F5344CB8AC3E}">
+        <p14:creationId xmlns:p14="http://schemas.microsoft.com/office/powerpoint/2010/main" val="86288042"/>
+      </p:ext>
+    </p:extLst>
+  </p:cSld>
+  <p:clrMapOvr>
+    <a:masterClrMapping/>
+  </p:clrMapOvr>
+  <p:timing>
+    <p:tnLst>
+      <p:par>
+        <p:cTn id="1" dur="indefinite" restart="never" nodeType="tmRoot"/>
+      </p:par>
+    </p:tnLst>
+  </p:timing>
+</p:sld>
+</file>
+
+<file path=ppt/slides/slide83.xml><?xml version="1.0" encoding="utf-8"?>
+<p:sld xmlns:a="http://schemas.openxmlformats.org/drawingml/2006/main" xmlns:r="http://schemas.openxmlformats.org/officeDocument/2006/relationships" xmlns:p="http://schemas.openxmlformats.org/presentationml/2006/main">
+  <p:cSld>
+    <p:spTree>
+      <p:nvGrpSpPr>
+        <p:cNvPr id="1" name=""/>
+        <p:cNvGrpSpPr/>
+        <p:nvPr/>
+      </p:nvGrpSpPr>
+      <p:grpSpPr>
+        <a:xfrm>
+          <a:off x="0" y="0"/>
+          <a:ext cx="0" cy="0"/>
+          <a:chOff x="0" y="0"/>
+          <a:chExt cx="0" cy="0"/>
+        </a:xfrm>
+      </p:grpSpPr>
+      <p:sp>
+        <p:nvSpPr>
+          <p:cNvPr id="2" name="Title 1"/>
+          <p:cNvSpPr>
+            <a:spLocks noGrp="1"/>
+          </p:cNvSpPr>
+          <p:nvPr>
+            <p:ph type="title"/>
+          </p:nvPr>
+        </p:nvSpPr>
+        <p:spPr/>
+        <p:txBody>
+          <a:bodyPr/>
+          <a:lstStyle/>
+          <a:p>
+            <a:r>
+              <a:rPr lang="en-US" dirty="0" smtClean="0"/>
+              <a:t>Java - miscellaneous</a:t>
+            </a:r>
+            <a:endParaRPr lang="en-US" dirty="0"/>
+          </a:p>
+        </p:txBody>
+      </p:sp>
+      <p:sp>
+        <p:nvSpPr>
+          <p:cNvPr id="6" name="TextBox 5"/>
+          <p:cNvSpPr txBox="1"/>
+          <p:nvPr/>
+        </p:nvSpPr>
+        <p:spPr>
+          <a:xfrm>
+            <a:off x="746975" y="2099256"/>
+            <a:ext cx="6645498" cy="646331"/>
+          </a:xfrm>
+          <a:prstGeom prst="rect">
+            <a:avLst/>
+          </a:prstGeom>
+          <a:noFill/>
+        </p:spPr>
+        <p:txBody>
+          <a:bodyPr wrap="square" rtlCol="0">
+            <a:spAutoFit/>
+          </a:bodyPr>
+          <a:lstStyle/>
+          <a:p>
+            <a:endParaRPr lang="en-US" b="1" dirty="0" smtClean="0"/>
+          </a:p>
+          <a:p>
+            <a:endParaRPr lang="en-US" dirty="0"/>
+          </a:p>
+        </p:txBody>
+      </p:sp>
+      <p:sp>
+        <p:nvSpPr>
+          <p:cNvPr id="4" name="AutoShape 8" descr="http://www.penjee.com/programming/wp-content/uploads/2014/05/parameter-vs-argument-diagram.png"/>
+          <p:cNvSpPr>
+            <a:spLocks noChangeAspect="1" noChangeArrowheads="1"/>
+          </p:cNvSpPr>
+          <p:nvPr/>
+        </p:nvSpPr>
+        <p:spPr bwMode="auto">
+          <a:xfrm>
+            <a:off x="155575" y="-144463"/>
+            <a:ext cx="304800" cy="304801"/>
+          </a:xfrm>
+          <a:prstGeom prst="rect">
+            <a:avLst/>
+          </a:prstGeom>
+          <a:noFill/>
+          <a:extLst>
+            <a:ext uri="{909E8E84-426E-40DD-AFC4-6F175D3DCCD1}">
+              <a14:hiddenFill xmlns:a14="http://schemas.microsoft.com/office/drawing/2010/main">
+                <a:solidFill>
+                  <a:srgbClr val="FFFFFF"/>
+                </a:solidFill>
+              </a14:hiddenFill>
+            </a:ext>
+          </a:extLst>
+        </p:spPr>
+        <p:txBody>
+          <a:bodyPr vert="horz" wrap="square" lIns="91440" tIns="45720" rIns="91440" bIns="45720" numCol="1" anchor="t" anchorCtr="0" compatLnSpc="1">
+            <a:prstTxWarp prst="textNoShape">
+              <a:avLst/>
+            </a:prstTxWarp>
+          </a:bodyPr>
+          <a:lstStyle/>
+          <a:p>
+            <a:endParaRPr lang="en-US"/>
+          </a:p>
+        </p:txBody>
+      </p:sp>
+      <p:sp>
+        <p:nvSpPr>
+          <p:cNvPr id="8" name="TextBox 7"/>
+          <p:cNvSpPr txBox="1"/>
+          <p:nvPr/>
+        </p:nvSpPr>
+        <p:spPr>
+          <a:xfrm>
+            <a:off x="460375" y="1792936"/>
+            <a:ext cx="9994005" cy="4985980"/>
+          </a:xfrm>
+          <a:prstGeom prst="rect">
+            <a:avLst/>
+          </a:prstGeom>
+          <a:noFill/>
+        </p:spPr>
+        <p:txBody>
+          <a:bodyPr wrap="square" rtlCol="0">
+            <a:spAutoFit/>
+          </a:bodyPr>
+          <a:lstStyle/>
+          <a:p>
+            <a:r>
+              <a:rPr lang="en-US" sz="3200" b="1" u="sng" dirty="0" err="1" smtClean="0"/>
+              <a:t>Varargs</a:t>
+            </a:r>
+            <a:r>
+              <a:rPr lang="en-US" sz="3200" b="1" u="sng" dirty="0" smtClean="0"/>
+              <a:t> – Specifying Arbitrary number of arguments</a:t>
+            </a:r>
+          </a:p>
+          <a:p>
+            <a:r>
+              <a:rPr lang="en-US" dirty="0"/>
+              <a:t>public Polygon </a:t>
+            </a:r>
+            <a:r>
+              <a:rPr lang="en-US" dirty="0" err="1"/>
+              <a:t>polygonFrom</a:t>
+            </a:r>
+            <a:r>
+              <a:rPr lang="en-US" dirty="0"/>
+              <a:t>(Point... corners) {</a:t>
+            </a:r>
+          </a:p>
+          <a:p>
+            <a:r>
+              <a:rPr lang="en-US" dirty="0"/>
+              <a:t>    </a:t>
+            </a:r>
+            <a:r>
+              <a:rPr lang="en-US" dirty="0" err="1"/>
+              <a:t>int</a:t>
+            </a:r>
+            <a:r>
+              <a:rPr lang="en-US" dirty="0"/>
+              <a:t> </a:t>
+            </a:r>
+            <a:r>
+              <a:rPr lang="en-US" dirty="0" err="1"/>
+              <a:t>numberOfSides</a:t>
+            </a:r>
+            <a:r>
+              <a:rPr lang="en-US" dirty="0"/>
+              <a:t> = </a:t>
+            </a:r>
+            <a:r>
+              <a:rPr lang="en-US" dirty="0" err="1"/>
+              <a:t>corners.length</a:t>
+            </a:r>
+            <a:r>
+              <a:rPr lang="en-US" dirty="0"/>
+              <a:t>;</a:t>
+            </a:r>
+          </a:p>
+          <a:p>
+            <a:r>
+              <a:rPr lang="en-US" dirty="0"/>
+              <a:t>    double squareOfSide1, lengthOfSide1;</a:t>
+            </a:r>
+          </a:p>
+          <a:p>
+            <a:r>
+              <a:rPr lang="en-US" dirty="0"/>
+              <a:t>    squareOfSide1 = (corners[1].x - corners[0].x)</a:t>
+            </a:r>
+          </a:p>
+          <a:p>
+            <a:r>
+              <a:rPr lang="en-US" dirty="0"/>
+              <a:t>                     * (corners[1].x - corners[0].x) </a:t>
+            </a:r>
+          </a:p>
+          <a:p>
+            <a:r>
+              <a:rPr lang="en-US" dirty="0"/>
+              <a:t>                     + (corners[1].y - corners[0].y)</a:t>
+            </a:r>
+          </a:p>
+          <a:p>
+            <a:r>
+              <a:rPr lang="en-US" dirty="0"/>
+              <a:t>                     * (corners[1].y - corners[0].y);</a:t>
+            </a:r>
+          </a:p>
+          <a:p>
+            <a:r>
+              <a:rPr lang="en-US" dirty="0"/>
+              <a:t>    lengthOfSide1 = </a:t>
+            </a:r>
+            <a:r>
+              <a:rPr lang="en-US" dirty="0" err="1"/>
+              <a:t>Math.sqrt</a:t>
+            </a:r>
+            <a:r>
+              <a:rPr lang="en-US" dirty="0"/>
+              <a:t>(squareOfSide1);</a:t>
+            </a:r>
+          </a:p>
+          <a:p>
+            <a:endParaRPr lang="en-US" dirty="0"/>
+          </a:p>
+          <a:p>
+            <a:r>
+              <a:rPr lang="en-US" dirty="0"/>
+              <a:t>    // more method body code follows that creates and returns a </a:t>
+            </a:r>
+          </a:p>
+          <a:p>
+            <a:r>
+              <a:rPr lang="en-US" dirty="0"/>
+              <a:t>    // polygon connecting the Points</a:t>
+            </a:r>
+          </a:p>
+          <a:p>
+            <a:r>
+              <a:rPr lang="en-US" dirty="0" smtClean="0"/>
+              <a:t>}</a:t>
+            </a:r>
+          </a:p>
+          <a:p>
+            <a:r>
+              <a:rPr lang="en-US" sz="1400" dirty="0"/>
+              <a:t>You will most commonly see </a:t>
+            </a:r>
+            <a:r>
+              <a:rPr lang="en-US" sz="1400" dirty="0" err="1"/>
+              <a:t>varargs</a:t>
+            </a:r>
+            <a:r>
+              <a:rPr lang="en-US" sz="1400" dirty="0"/>
+              <a:t> with the printing methods; for example, this </a:t>
+            </a:r>
+            <a:r>
+              <a:rPr lang="en-US" sz="1400" dirty="0" err="1"/>
+              <a:t>printf</a:t>
+            </a:r>
+            <a:r>
+              <a:rPr lang="en-US" sz="1400" dirty="0"/>
+              <a:t> method:</a:t>
+            </a:r>
+          </a:p>
+          <a:p>
+            <a:endParaRPr lang="en-US" sz="1400" dirty="0"/>
+          </a:p>
+          <a:p>
+            <a:r>
+              <a:rPr lang="en-US" sz="1400" dirty="0">
+                <a:solidFill>
+                  <a:schemeClr val="accent6">
+                    <a:lumMod val="75000"/>
+                  </a:schemeClr>
+                </a:solidFill>
+              </a:rPr>
+              <a:t>public </a:t>
+            </a:r>
+            <a:r>
+              <a:rPr lang="en-US" sz="1400" dirty="0" err="1">
+                <a:solidFill>
+                  <a:schemeClr val="accent6">
+                    <a:lumMod val="75000"/>
+                  </a:schemeClr>
+                </a:solidFill>
+              </a:rPr>
+              <a:t>PrintStream</a:t>
+            </a:r>
+            <a:r>
+              <a:rPr lang="en-US" sz="1400" dirty="0">
+                <a:solidFill>
+                  <a:schemeClr val="accent6">
+                    <a:lumMod val="75000"/>
+                  </a:schemeClr>
+                </a:solidFill>
+              </a:rPr>
+              <a:t> </a:t>
+            </a:r>
+            <a:r>
+              <a:rPr lang="en-US" sz="1400" dirty="0" err="1">
+                <a:solidFill>
+                  <a:schemeClr val="accent6">
+                    <a:lumMod val="75000"/>
+                  </a:schemeClr>
+                </a:solidFill>
+              </a:rPr>
+              <a:t>printf</a:t>
+            </a:r>
+            <a:r>
+              <a:rPr lang="en-US" sz="1400" dirty="0">
+                <a:solidFill>
+                  <a:schemeClr val="accent6">
+                    <a:lumMod val="75000"/>
+                  </a:schemeClr>
+                </a:solidFill>
+              </a:rPr>
+              <a:t>(String format, Object... </a:t>
+            </a:r>
+            <a:r>
+              <a:rPr lang="en-US" sz="1400" dirty="0" err="1">
+                <a:solidFill>
+                  <a:schemeClr val="accent6">
+                    <a:lumMod val="75000"/>
+                  </a:schemeClr>
+                </a:solidFill>
+              </a:rPr>
+              <a:t>args</a:t>
+            </a:r>
+            <a:r>
+              <a:rPr lang="en-US" sz="1400" dirty="0">
+                <a:solidFill>
+                  <a:schemeClr val="accent6">
+                    <a:lumMod val="75000"/>
+                  </a:schemeClr>
+                </a:solidFill>
+              </a:rPr>
+              <a:t>)</a:t>
+            </a:r>
+          </a:p>
+          <a:p>
+            <a:r>
+              <a:rPr lang="en-US" sz="1400" dirty="0"/>
+              <a:t>allows you to print an arbitrary number of objects. It can be called like this:</a:t>
+            </a:r>
+          </a:p>
+          <a:p>
+            <a:r>
+              <a:rPr lang="en-US" sz="1400" dirty="0" err="1" smtClean="0">
+                <a:solidFill>
+                  <a:schemeClr val="accent6">
+                    <a:lumMod val="75000"/>
+                  </a:schemeClr>
+                </a:solidFill>
+              </a:rPr>
+              <a:t>System.out.printf</a:t>
+            </a:r>
+            <a:r>
+              <a:rPr lang="en-US" sz="1400" dirty="0">
+                <a:solidFill>
+                  <a:schemeClr val="accent6">
+                    <a:lumMod val="75000"/>
+                  </a:schemeClr>
+                </a:solidFill>
+              </a:rPr>
+              <a:t>("%s: %d, %</a:t>
+            </a:r>
+            <a:r>
+              <a:rPr lang="en-US" sz="1400" dirty="0" err="1">
+                <a:solidFill>
+                  <a:schemeClr val="accent6">
+                    <a:lumMod val="75000"/>
+                  </a:schemeClr>
+                </a:solidFill>
+              </a:rPr>
+              <a:t>s%n</a:t>
+            </a:r>
+            <a:r>
+              <a:rPr lang="en-US" sz="1400" dirty="0">
+                <a:solidFill>
+                  <a:schemeClr val="accent6">
+                    <a:lumMod val="75000"/>
+                  </a:schemeClr>
+                </a:solidFill>
+              </a:rPr>
+              <a:t>", name, </a:t>
+            </a:r>
+            <a:r>
+              <a:rPr lang="en-US" sz="1400" dirty="0" err="1">
+                <a:solidFill>
+                  <a:schemeClr val="accent6">
+                    <a:lumMod val="75000"/>
+                  </a:schemeClr>
+                </a:solidFill>
+              </a:rPr>
+              <a:t>idnum</a:t>
+            </a:r>
+            <a:r>
+              <a:rPr lang="en-US" sz="1400" dirty="0">
+                <a:solidFill>
+                  <a:schemeClr val="accent6">
+                    <a:lumMod val="75000"/>
+                  </a:schemeClr>
+                </a:solidFill>
+              </a:rPr>
+              <a:t>, address</a:t>
+            </a:r>
+            <a:r>
+              <a:rPr lang="en-US" sz="1400" dirty="0" smtClean="0">
+                <a:solidFill>
+                  <a:schemeClr val="accent6">
+                    <a:lumMod val="75000"/>
+                  </a:schemeClr>
+                </a:solidFill>
+              </a:rPr>
+              <a:t>);</a:t>
+            </a:r>
+            <a:endParaRPr lang="en-US" sz="1400" dirty="0">
+              <a:solidFill>
+                <a:schemeClr val="accent6">
+                  <a:lumMod val="75000"/>
+                </a:schemeClr>
+              </a:solidFill>
+            </a:endParaRPr>
+          </a:p>
+        </p:txBody>
+      </p:sp>
+      <p:sp>
+        <p:nvSpPr>
+          <p:cNvPr id="9" name="TextBox 8"/>
+          <p:cNvSpPr txBox="1"/>
+          <p:nvPr/>
+        </p:nvSpPr>
+        <p:spPr>
+          <a:xfrm>
+            <a:off x="1300766" y="3098995"/>
+            <a:ext cx="9440214" cy="3198774"/>
+          </a:xfrm>
+          <a:prstGeom prst="rect">
+            <a:avLst/>
+          </a:prstGeom>
+          <a:noFill/>
+        </p:spPr>
+        <p:txBody>
+          <a:bodyPr wrap="square" rtlCol="0">
+            <a:spAutoFit/>
+          </a:bodyPr>
+          <a:lstStyle/>
+          <a:p>
+            <a:endParaRPr lang="en-US" dirty="0"/>
+          </a:p>
+        </p:txBody>
+      </p:sp>
+    </p:spTree>
+    <p:extLst>
+      <p:ext uri="{BB962C8B-B14F-4D97-AF65-F5344CB8AC3E}">
+        <p14:creationId xmlns:p14="http://schemas.microsoft.com/office/powerpoint/2010/main" val="3614015230"/>
+      </p:ext>
+    </p:extLst>
+  </p:cSld>
+  <p:clrMapOvr>
+    <a:masterClrMapping/>
+  </p:clrMapOvr>
+  <p:timing>
+    <p:tnLst>
+      <p:par>
+        <p:cTn id="1" dur="indefinite" restart="never" nodeType="tmRoot"/>
+      </p:par>
+    </p:tnLst>
+  </p:timing>
+</p:sld>
+</file>
+
+<file path=ppt/slides/slide84.xml><?xml version="1.0" encoding="utf-8"?>
+<p:sld xmlns:a="http://schemas.openxmlformats.org/drawingml/2006/main" xmlns:r="http://schemas.openxmlformats.org/officeDocument/2006/relationships" xmlns:p="http://schemas.openxmlformats.org/presentationml/2006/main">
+  <p:cSld>
+    <p:spTree>
+      <p:nvGrpSpPr>
+        <p:cNvPr id="1" name=""/>
+        <p:cNvGrpSpPr/>
+        <p:nvPr/>
+      </p:nvGrpSpPr>
+      <p:grpSpPr>
+        <a:xfrm>
+          <a:off x="0" y="0"/>
+          <a:ext cx="0" cy="0"/>
+          <a:chOff x="0" y="0"/>
+          <a:chExt cx="0" cy="0"/>
+        </a:xfrm>
+      </p:grpSpPr>
+      <p:sp>
+        <p:nvSpPr>
+          <p:cNvPr id="2" name="Title 1"/>
+          <p:cNvSpPr>
+            <a:spLocks noGrp="1"/>
+          </p:cNvSpPr>
+          <p:nvPr>
+            <p:ph type="title"/>
+          </p:nvPr>
+        </p:nvSpPr>
+        <p:spPr/>
+        <p:txBody>
+          <a:bodyPr/>
+          <a:lstStyle/>
+          <a:p>
+            <a:r>
+              <a:rPr lang="en-US" dirty="0" smtClean="0"/>
+              <a:t>Java - miscellaneous</a:t>
+            </a:r>
+            <a:endParaRPr lang="en-US" dirty="0"/>
+          </a:p>
+        </p:txBody>
+      </p:sp>
+      <p:sp>
+        <p:nvSpPr>
+          <p:cNvPr id="6" name="TextBox 5"/>
+          <p:cNvSpPr txBox="1"/>
+          <p:nvPr/>
+        </p:nvSpPr>
+        <p:spPr>
+          <a:xfrm>
+            <a:off x="746975" y="2099256"/>
+            <a:ext cx="6645498" cy="646331"/>
+          </a:xfrm>
+          <a:prstGeom prst="rect">
+            <a:avLst/>
+          </a:prstGeom>
+          <a:noFill/>
+        </p:spPr>
+        <p:txBody>
+          <a:bodyPr wrap="square" rtlCol="0">
+            <a:spAutoFit/>
+          </a:bodyPr>
+          <a:lstStyle/>
+          <a:p>
+            <a:endParaRPr lang="en-US" b="1" dirty="0" smtClean="0"/>
+          </a:p>
+          <a:p>
+            <a:endParaRPr lang="en-US" dirty="0"/>
+          </a:p>
+        </p:txBody>
+      </p:sp>
+      <p:sp>
+        <p:nvSpPr>
+          <p:cNvPr id="4" name="AutoShape 8" descr="http://www.penjee.com/programming/wp-content/uploads/2014/05/parameter-vs-argument-diagram.png"/>
+          <p:cNvSpPr>
+            <a:spLocks noChangeAspect="1" noChangeArrowheads="1"/>
+          </p:cNvSpPr>
+          <p:nvPr/>
+        </p:nvSpPr>
+        <p:spPr bwMode="auto">
+          <a:xfrm>
+            <a:off x="155575" y="-144463"/>
+            <a:ext cx="304800" cy="304801"/>
+          </a:xfrm>
+          <a:prstGeom prst="rect">
+            <a:avLst/>
+          </a:prstGeom>
+          <a:noFill/>
+          <a:extLst>
+            <a:ext uri="{909E8E84-426E-40DD-AFC4-6F175D3DCCD1}">
+              <a14:hiddenFill xmlns:a14="http://schemas.microsoft.com/office/drawing/2010/main">
+                <a:solidFill>
+                  <a:srgbClr val="FFFFFF"/>
+                </a:solidFill>
+              </a14:hiddenFill>
+            </a:ext>
+          </a:extLst>
+        </p:spPr>
+        <p:txBody>
+          <a:bodyPr vert="horz" wrap="square" lIns="91440" tIns="45720" rIns="91440" bIns="45720" numCol="1" anchor="t" anchorCtr="0" compatLnSpc="1">
+            <a:prstTxWarp prst="textNoShape">
+              <a:avLst/>
+            </a:prstTxWarp>
+          </a:bodyPr>
+          <a:lstStyle/>
+          <a:p>
+            <a:endParaRPr lang="en-US"/>
+          </a:p>
+        </p:txBody>
+      </p:sp>
+      <p:sp>
+        <p:nvSpPr>
+          <p:cNvPr id="8" name="TextBox 7"/>
+          <p:cNvSpPr txBox="1"/>
+          <p:nvPr/>
+        </p:nvSpPr>
+        <p:spPr>
+          <a:xfrm>
+            <a:off x="460375" y="1792936"/>
+            <a:ext cx="9994005" cy="1631216"/>
+          </a:xfrm>
+          <a:prstGeom prst="rect">
+            <a:avLst/>
+          </a:prstGeom>
+          <a:noFill/>
+        </p:spPr>
+        <p:txBody>
+          <a:bodyPr wrap="square" rtlCol="0">
+            <a:spAutoFit/>
+          </a:bodyPr>
+          <a:lstStyle/>
+          <a:p>
+            <a:r>
+              <a:rPr lang="en-US" sz="2800" u="sng" dirty="0"/>
+              <a:t>Returning a Class or </a:t>
+            </a:r>
+            <a:r>
+              <a:rPr lang="en-US" sz="2800" u="sng" dirty="0" smtClean="0"/>
+              <a:t>Interface</a:t>
+            </a:r>
+          </a:p>
+          <a:p>
+            <a:pPr marL="457200" indent="-457200">
+              <a:buFont typeface="Arial" panose="020B0604020202020204" pitchFamily="34" charset="0"/>
+              <a:buChar char="•"/>
+            </a:pPr>
+            <a:r>
+              <a:rPr lang="en-US" sz="2400" i="1" dirty="0"/>
+              <a:t>When a method uses a class name as its return </a:t>
+            </a:r>
+            <a:r>
+              <a:rPr lang="en-US" sz="2400" i="1" dirty="0" smtClean="0"/>
+              <a:t>type </a:t>
+            </a:r>
+            <a:r>
+              <a:rPr lang="en-US" sz="2400" i="1" dirty="0"/>
+              <a:t>the class of the type of the returned object must be either a subclass of, or the exact class of, the return </a:t>
+            </a:r>
+            <a:r>
+              <a:rPr lang="en-US" sz="2400" i="1" dirty="0" smtClean="0"/>
+              <a:t>type.</a:t>
+            </a:r>
+            <a:endParaRPr lang="en-US" sz="2400" i="1" dirty="0"/>
+          </a:p>
+        </p:txBody>
+      </p:sp>
+      <p:pic>
+        <p:nvPicPr>
+          <p:cNvPr id="3" name="Picture 2"/>
+          <p:cNvPicPr>
+            <a:picLocks noChangeAspect="1"/>
+          </p:cNvPicPr>
+          <p:nvPr/>
+        </p:nvPicPr>
+        <p:blipFill>
+          <a:blip r:embed="rId2"/>
+          <a:stretch>
+            <a:fillRect/>
+          </a:stretch>
+        </p:blipFill>
+        <p:spPr>
+          <a:xfrm>
+            <a:off x="746974" y="4512753"/>
+            <a:ext cx="2150771" cy="2253890"/>
+          </a:xfrm>
+          <a:prstGeom prst="rect">
+            <a:avLst/>
+          </a:prstGeom>
+        </p:spPr>
+      </p:pic>
+      <p:sp>
+        <p:nvSpPr>
+          <p:cNvPr id="7" name="TextBox 6"/>
+          <p:cNvSpPr txBox="1"/>
+          <p:nvPr/>
+        </p:nvSpPr>
+        <p:spPr>
+          <a:xfrm>
+            <a:off x="3593206" y="3608818"/>
+            <a:ext cx="8598794" cy="2585323"/>
+          </a:xfrm>
+          <a:prstGeom prst="rect">
+            <a:avLst/>
+          </a:prstGeom>
+          <a:noFill/>
+        </p:spPr>
+        <p:txBody>
+          <a:bodyPr wrap="square" rtlCol="0">
+            <a:spAutoFit/>
+          </a:bodyPr>
+          <a:lstStyle/>
+          <a:p>
+            <a:r>
+              <a:rPr lang="en-US" dirty="0" smtClean="0">
+                <a:solidFill>
+                  <a:schemeClr val="accent6">
+                    <a:lumMod val="75000"/>
+                  </a:schemeClr>
+                </a:solidFill>
+              </a:rPr>
+              <a:t>public Number </a:t>
+            </a:r>
+            <a:r>
+              <a:rPr lang="en-US" dirty="0" err="1" smtClean="0">
+                <a:solidFill>
+                  <a:schemeClr val="accent6">
+                    <a:lumMod val="75000"/>
+                  </a:schemeClr>
+                </a:solidFill>
+              </a:rPr>
+              <a:t>returnANumber</a:t>
+            </a:r>
+            <a:r>
+              <a:rPr lang="en-US" dirty="0" smtClean="0">
+                <a:solidFill>
+                  <a:schemeClr val="accent6">
+                    <a:lumMod val="75000"/>
+                  </a:schemeClr>
+                </a:solidFill>
+              </a:rPr>
+              <a:t>() {</a:t>
+            </a:r>
+          </a:p>
+          <a:p>
+            <a:r>
+              <a:rPr lang="en-US" dirty="0" smtClean="0">
+                <a:solidFill>
+                  <a:schemeClr val="accent6">
+                    <a:lumMod val="75000"/>
+                  </a:schemeClr>
+                </a:solidFill>
+              </a:rPr>
+              <a:t>    ...</a:t>
+            </a:r>
+          </a:p>
+          <a:p>
+            <a:r>
+              <a:rPr lang="en-US" dirty="0" smtClean="0">
+                <a:solidFill>
+                  <a:schemeClr val="accent6">
+                    <a:lumMod val="75000"/>
+                  </a:schemeClr>
+                </a:solidFill>
+              </a:rPr>
+              <a:t>}</a:t>
+            </a:r>
+          </a:p>
+          <a:p>
+            <a:endParaRPr lang="en-US" dirty="0"/>
+          </a:p>
+          <a:p>
+            <a:r>
+              <a:rPr lang="en-US" dirty="0"/>
+              <a:t>The </a:t>
+            </a:r>
+            <a:r>
+              <a:rPr lang="en-US" dirty="0" err="1"/>
+              <a:t>returnANumber</a:t>
+            </a:r>
+            <a:r>
+              <a:rPr lang="en-US" dirty="0"/>
+              <a:t> method can return an </a:t>
+            </a:r>
+            <a:r>
+              <a:rPr lang="en-US" dirty="0" err="1"/>
+              <a:t>ImaginaryNumber</a:t>
+            </a:r>
+            <a:r>
+              <a:rPr lang="en-US" dirty="0"/>
+              <a:t> but not an Object. </a:t>
+            </a:r>
+            <a:r>
+              <a:rPr lang="en-US" dirty="0" err="1"/>
+              <a:t>ImaginaryNumber</a:t>
+            </a:r>
+            <a:r>
+              <a:rPr lang="en-US" dirty="0"/>
+              <a:t> is a Number because it's a subclass of Number. However, an Object is not necessarily a Number — it could be a String or another type</a:t>
+            </a:r>
+            <a:endParaRPr lang="en-US" dirty="0" smtClean="0"/>
+          </a:p>
+          <a:p>
+            <a:endParaRPr lang="en-US" dirty="0"/>
+          </a:p>
+          <a:p>
+            <a:endParaRPr lang="en-US" dirty="0"/>
+          </a:p>
+        </p:txBody>
+      </p:sp>
+    </p:spTree>
+    <p:extLst>
+      <p:ext uri="{BB962C8B-B14F-4D97-AF65-F5344CB8AC3E}">
+        <p14:creationId xmlns:p14="http://schemas.microsoft.com/office/powerpoint/2010/main" val="1271906606"/>
+      </p:ext>
+    </p:extLst>
+  </p:cSld>
+  <p:clrMapOvr>
+    <a:masterClrMapping/>
+  </p:clrMapOvr>
+  <p:timing>
+    <p:tnLst>
+      <p:par>
+        <p:cTn id="1" dur="indefinite" restart="never" nodeType="tmRoot"/>
+      </p:par>
+    </p:tnLst>
+  </p:timing>
+</p:sld>
+</file>
+
+<file path=ppt/slides/slide85.xml><?xml version="1.0" encoding="utf-8"?>
+<p:sld xmlns:a="http://schemas.openxmlformats.org/drawingml/2006/main" xmlns:r="http://schemas.openxmlformats.org/officeDocument/2006/relationships" xmlns:p="http://schemas.openxmlformats.org/presentationml/2006/main">
+  <p:cSld>
+    <p:spTree>
+      <p:nvGrpSpPr>
+        <p:cNvPr id="1" name=""/>
+        <p:cNvGrpSpPr/>
+        <p:nvPr/>
+      </p:nvGrpSpPr>
+      <p:grpSpPr>
+        <a:xfrm>
+          <a:off x="0" y="0"/>
+          <a:ext cx="0" cy="0"/>
+          <a:chOff x="0" y="0"/>
+          <a:chExt cx="0" cy="0"/>
+        </a:xfrm>
+      </p:grpSpPr>
+      <p:sp>
+        <p:nvSpPr>
+          <p:cNvPr id="2" name="Title 1"/>
+          <p:cNvSpPr>
+            <a:spLocks noGrp="1"/>
+          </p:cNvSpPr>
+          <p:nvPr>
+            <p:ph type="title"/>
+          </p:nvPr>
+        </p:nvSpPr>
+        <p:spPr/>
+        <p:txBody>
+          <a:bodyPr/>
+          <a:lstStyle/>
+          <a:p>
+            <a:r>
+              <a:rPr lang="en-US" dirty="0" smtClean="0"/>
+              <a:t>Advanced java</a:t>
+            </a:r>
+            <a:endParaRPr lang="en-US" dirty="0"/>
+          </a:p>
+        </p:txBody>
+      </p:sp>
+      <p:sp>
+        <p:nvSpPr>
+          <p:cNvPr id="6" name="TextBox 5"/>
+          <p:cNvSpPr txBox="1"/>
+          <p:nvPr/>
+        </p:nvSpPr>
+        <p:spPr>
+          <a:xfrm>
+            <a:off x="746975" y="2099256"/>
+            <a:ext cx="6645498" cy="646331"/>
+          </a:xfrm>
+          <a:prstGeom prst="rect">
+            <a:avLst/>
+          </a:prstGeom>
+          <a:noFill/>
+        </p:spPr>
+        <p:txBody>
+          <a:bodyPr wrap="square" rtlCol="0">
+            <a:spAutoFit/>
+          </a:bodyPr>
+          <a:lstStyle/>
+          <a:p>
+            <a:endParaRPr lang="en-US" b="1" dirty="0" smtClean="0"/>
+          </a:p>
+          <a:p>
+            <a:endParaRPr lang="en-US" dirty="0"/>
+          </a:p>
+        </p:txBody>
+      </p:sp>
+      <p:sp>
+        <p:nvSpPr>
+          <p:cNvPr id="4" name="AutoShape 8" descr="http://www.penjee.com/programming/wp-content/uploads/2014/05/parameter-vs-argument-diagram.png"/>
+          <p:cNvSpPr>
+            <a:spLocks noChangeAspect="1" noChangeArrowheads="1"/>
+          </p:cNvSpPr>
+          <p:nvPr/>
+        </p:nvSpPr>
+        <p:spPr bwMode="auto">
+          <a:xfrm>
+            <a:off x="155575" y="-144463"/>
+            <a:ext cx="304800" cy="304801"/>
+          </a:xfrm>
+          <a:prstGeom prst="rect">
+            <a:avLst/>
+          </a:prstGeom>
+          <a:noFill/>
+          <a:extLst>
+            <a:ext uri="{909E8E84-426E-40DD-AFC4-6F175D3DCCD1}">
+              <a14:hiddenFill xmlns:a14="http://schemas.microsoft.com/office/drawing/2010/main">
+                <a:solidFill>
+                  <a:srgbClr val="FFFFFF"/>
+                </a:solidFill>
+              </a14:hiddenFill>
+            </a:ext>
+          </a:extLst>
+        </p:spPr>
+        <p:txBody>
+          <a:bodyPr vert="horz" wrap="square" lIns="91440" tIns="45720" rIns="91440" bIns="45720" numCol="1" anchor="t" anchorCtr="0" compatLnSpc="1">
+            <a:prstTxWarp prst="textNoShape">
+              <a:avLst/>
+            </a:prstTxWarp>
+          </a:bodyPr>
+          <a:lstStyle/>
+          <a:p>
+            <a:endParaRPr lang="en-US"/>
+          </a:p>
+        </p:txBody>
+      </p:sp>
+      <p:sp>
+        <p:nvSpPr>
+          <p:cNvPr id="8" name="TextBox 7"/>
+          <p:cNvSpPr txBox="1"/>
+          <p:nvPr/>
+        </p:nvSpPr>
+        <p:spPr>
+          <a:xfrm>
+            <a:off x="460375" y="1792936"/>
+            <a:ext cx="9994005" cy="1169551"/>
+          </a:xfrm>
+          <a:prstGeom prst="rect">
+            <a:avLst/>
+          </a:prstGeom>
+          <a:noFill/>
+        </p:spPr>
+        <p:txBody>
+          <a:bodyPr wrap="square" rtlCol="0">
+            <a:spAutoFit/>
+          </a:bodyPr>
+          <a:lstStyle/>
+          <a:p>
+            <a:r>
+              <a:rPr lang="en-US" sz="1400" dirty="0" smtClean="0">
+                <a:solidFill>
+                  <a:schemeClr val="accent6">
+                    <a:lumMod val="75000"/>
+                  </a:schemeClr>
+                </a:solidFill>
+              </a:rPr>
+              <a:t>Garbage collection</a:t>
+            </a:r>
+          </a:p>
+          <a:p>
+            <a:r>
+              <a:rPr lang="en-US" sz="1400" dirty="0" smtClean="0">
+                <a:solidFill>
+                  <a:schemeClr val="accent6">
+                    <a:lumMod val="75000"/>
+                  </a:schemeClr>
+                </a:solidFill>
+              </a:rPr>
+              <a:t>JDBC</a:t>
+            </a:r>
+          </a:p>
+          <a:p>
+            <a:r>
+              <a:rPr lang="en-US" sz="1400" dirty="0" smtClean="0">
+                <a:solidFill>
+                  <a:schemeClr val="accent6">
+                    <a:lumMod val="75000"/>
+                  </a:schemeClr>
+                </a:solidFill>
+              </a:rPr>
+              <a:t>Lambda expressions</a:t>
+            </a:r>
+          </a:p>
+          <a:p>
+            <a:r>
+              <a:rPr lang="en-US" sz="1400" dirty="0" smtClean="0">
+                <a:solidFill>
+                  <a:schemeClr val="accent6">
+                    <a:lumMod val="75000"/>
+                  </a:schemeClr>
+                </a:solidFill>
+              </a:rPr>
+              <a:t>Annotations</a:t>
+            </a:r>
+          </a:p>
+          <a:p>
+            <a:endParaRPr lang="en-US" sz="1400" dirty="0">
+              <a:solidFill>
+                <a:schemeClr val="accent6">
+                  <a:lumMod val="75000"/>
+                </a:schemeClr>
+              </a:solidFill>
+            </a:endParaRPr>
+          </a:p>
+        </p:txBody>
+      </p:sp>
+      <p:sp>
+        <p:nvSpPr>
+          <p:cNvPr id="9" name="TextBox 8"/>
+          <p:cNvSpPr txBox="1"/>
+          <p:nvPr/>
+        </p:nvSpPr>
+        <p:spPr>
+          <a:xfrm>
+            <a:off x="1300766" y="3098995"/>
+            <a:ext cx="9440214" cy="3198774"/>
+          </a:xfrm>
+          <a:prstGeom prst="rect">
+            <a:avLst/>
+          </a:prstGeom>
+          <a:noFill/>
+        </p:spPr>
+        <p:txBody>
+          <a:bodyPr wrap="square" rtlCol="0">
+            <a:spAutoFit/>
+          </a:bodyPr>
+          <a:lstStyle/>
+          <a:p>
+            <a:endParaRPr lang="en-US" dirty="0"/>
+          </a:p>
+        </p:txBody>
+      </p:sp>
+    </p:spTree>
+    <p:extLst>
+      <p:ext uri="{BB962C8B-B14F-4D97-AF65-F5344CB8AC3E}">
+        <p14:creationId xmlns:p14="http://schemas.microsoft.com/office/powerpoint/2010/main" val="2545554712"/>
+      </p:ext>
+    </p:extLst>
+  </p:cSld>
+  <p:clrMapOvr>
+    <a:masterClrMapping/>
+  </p:clrMapOvr>
+  <p:timing>
+    <p:tnLst>
+      <p:par>
+        <p:cTn id="1" dur="indefinite" restart="never" nodeType="tmRoot"/>
+      </p:par>
+    </p:tnLst>
+  </p:timing>
+</p:sld>
+</file>
+
+<file path=ppt/slides/slide86.xml><?xml version="1.0" encoding="utf-8"?>
+<p:sld xmlns:a="http://schemas.openxmlformats.org/drawingml/2006/main" xmlns:r="http://schemas.openxmlformats.org/officeDocument/2006/relationships" xmlns:p="http://schemas.openxmlformats.org/presentationml/2006/main">
+  <p:cSld>
+    <p:spTree>
+      <p:nvGrpSpPr>
+        <p:cNvPr id="1" name=""/>
+        <p:cNvGrpSpPr/>
+        <p:nvPr/>
+      </p:nvGrpSpPr>
+      <p:grpSpPr>
+        <a:xfrm>
+          <a:off x="0" y="0"/>
+          <a:ext cx="0" cy="0"/>
+          <a:chOff x="0" y="0"/>
+          <a:chExt cx="0" cy="0"/>
+        </a:xfrm>
+      </p:grpSpPr>
+      <p:sp>
+        <p:nvSpPr>
+          <p:cNvPr id="2" name="Title 1"/>
+          <p:cNvSpPr>
+            <a:spLocks noGrp="1"/>
+          </p:cNvSpPr>
+          <p:nvPr>
+            <p:ph type="title"/>
+          </p:nvPr>
+        </p:nvSpPr>
+        <p:spPr/>
+        <p:txBody>
+          <a:bodyPr/>
+          <a:lstStyle/>
+          <a:p>
+            <a:r>
+              <a:rPr lang="en-US" dirty="0" smtClean="0"/>
+              <a:t>references</a:t>
+            </a:r>
+            <a:endParaRPr lang="en-US" dirty="0"/>
+          </a:p>
+        </p:txBody>
+      </p:sp>
+      <p:sp>
+        <p:nvSpPr>
+          <p:cNvPr id="3" name="Content Placeholder 2"/>
+          <p:cNvSpPr>
+            <a:spLocks noGrp="1"/>
+          </p:cNvSpPr>
+          <p:nvPr>
+            <p:ph idx="1"/>
+          </p:nvPr>
+        </p:nvSpPr>
+        <p:spPr/>
+        <p:txBody>
+          <a:bodyPr/>
+          <a:lstStyle/>
+          <a:p>
+            <a:r>
+              <a:rPr lang="en-US" dirty="0">
+                <a:hlinkClick r:id="rId2"/>
+              </a:rPr>
+              <a:t>https://</a:t>
+            </a:r>
+            <a:r>
+              <a:rPr lang="en-US" dirty="0" smtClean="0">
+                <a:hlinkClick r:id="rId2"/>
+              </a:rPr>
+              <a:t>docs.oracle.com/javase/tutorial/reallybigindex.html</a:t>
+            </a:r>
+            <a:endParaRPr lang="en-US" dirty="0" smtClean="0"/>
+          </a:p>
+          <a:p>
+            <a:r>
+              <a:rPr lang="en-US" dirty="0">
+                <a:hlinkClick r:id="rId3"/>
+              </a:rPr>
+              <a:t>http://</a:t>
+            </a:r>
+            <a:r>
+              <a:rPr lang="en-US" dirty="0" smtClean="0">
+                <a:hlinkClick r:id="rId3"/>
+              </a:rPr>
+              <a:t>www.slideshare.net/EdurekaIN/java-class-3</a:t>
+            </a:r>
+            <a:endParaRPr lang="en-US" dirty="0" smtClean="0"/>
+          </a:p>
+          <a:p>
+            <a:r>
+              <a:rPr lang="en-US" dirty="0">
+                <a:hlinkClick r:id="rId4"/>
+              </a:rPr>
+              <a:t>http://</a:t>
+            </a:r>
+            <a:r>
+              <a:rPr lang="en-US" dirty="0" smtClean="0">
+                <a:hlinkClick r:id="rId4"/>
+              </a:rPr>
+              <a:t>www.slideshare.net/abdurrehmanabdurrehman391/variables-and-data-types-by-sir-khalid</a:t>
+            </a:r>
+            <a:endParaRPr lang="en-US" dirty="0" smtClean="0"/>
+          </a:p>
+          <a:p>
+            <a:r>
+              <a:rPr lang="en-US" dirty="0">
+                <a:hlinkClick r:id="rId5"/>
+              </a:rPr>
+              <a:t>http://</a:t>
+            </a:r>
+            <a:r>
+              <a:rPr lang="en-US" dirty="0" smtClean="0">
+                <a:hlinkClick r:id="rId5"/>
+              </a:rPr>
+              <a:t>www.slideshare.net/abdurrehmanabdurrehman391/java-advancedoop</a:t>
+            </a:r>
+            <a:endParaRPr lang="en-US" dirty="0" smtClean="0"/>
+          </a:p>
+          <a:p>
+            <a:r>
+              <a:rPr lang="en-US" dirty="0">
+                <a:hlinkClick r:id="rId6"/>
+              </a:rPr>
+              <a:t>http://</a:t>
+            </a:r>
+            <a:r>
+              <a:rPr lang="en-US" dirty="0" smtClean="0">
+                <a:hlinkClick r:id="rId6"/>
+              </a:rPr>
+              <a:t>www.slideshare.net/MindfireSolutions/java-garbage-collection-how-it-works?next_slideshow=1</a:t>
+            </a:r>
+            <a:endParaRPr lang="en-US" dirty="0" smtClean="0"/>
+          </a:p>
+          <a:p>
+            <a:endParaRPr lang="en-US" dirty="0" smtClean="0"/>
+          </a:p>
+          <a:p>
+            <a:endParaRPr lang="en-US" dirty="0" smtClean="0"/>
+          </a:p>
+          <a:p>
+            <a:endParaRPr lang="en-US" dirty="0" smtClean="0"/>
+          </a:p>
+          <a:p>
+            <a:endParaRPr lang="en-US" dirty="0" smtClean="0"/>
+          </a:p>
+          <a:p>
+            <a:endParaRPr lang="en-US" dirty="0"/>
+          </a:p>
+        </p:txBody>
+      </p:sp>
+    </p:spTree>
+    <p:extLst>
+      <p:ext uri="{BB962C8B-B14F-4D97-AF65-F5344CB8AC3E}">
+        <p14:creationId xmlns:p14="http://schemas.microsoft.com/office/powerpoint/2010/main" val="3290681883"/>
+      </p:ext>
+    </p:extLst>
+  </p:cSld>
+  <p:clrMapOvr>
+    <a:masterClrMapping/>
+  </p:clrMapOvr>
+  <p:timing>
+    <p:tnLst>
+      <p:par>
+        <p:cTn id="1" dur="indefinite" restart="never" nodeType="tmRoot"/>
+      </p:par>
+    </p:tnLst>
+  </p:timing>
 </p:sld>
 </file>
 
